--- a/数据仓库（大三上）/ppt/第5章 数据挖掘基础.pptx
+++ b/数据仓库（大三上）/ppt/第5章 数据挖掘基础.pptx
@@ -1,65 +1,68 @@
 
 <file path=ppt/presentation.xml><?xml version="1.0" encoding="utf-8"?>
-<p:presentation xmlns:a="http://schemas.openxmlformats.org/drawingml/2006/main" xmlns:r="http://schemas.openxmlformats.org/officeDocument/2006/relationships" xmlns:p="http://schemas.openxmlformats.org/presentationml/2006/main" saveSubsetFonts="1">
+<p:presentation xmlns:a="http://schemas.openxmlformats.org/drawingml/2006/main" xmlns:r="http://schemas.openxmlformats.org/officeDocument/2006/relationships" xmlns:p="http://schemas.openxmlformats.org/presentationml/2006/main">
   <p:sldMasterIdLst>
-    <p:sldMasterId id="2147483763" r:id="rId1"/>
-    <p:sldMasterId id="2147484113" r:id="rId2"/>
+    <p:sldMasterId id="2147483648" r:id="rId1"/>
+    <p:sldMasterId id="2147483660" r:id="rId3"/>
   </p:sldMasterIdLst>
   <p:notesMasterIdLst>
-    <p:notesMasterId r:id="rId51"/>
+    <p:notesMasterId r:id="rId5"/>
   </p:notesMasterIdLst>
   <p:sldIdLst>
-    <p:sldId id="505" r:id="rId3"/>
-    <p:sldId id="347" r:id="rId4"/>
-    <p:sldId id="349" r:id="rId5"/>
-    <p:sldId id="390" r:id="rId6"/>
-    <p:sldId id="497" r:id="rId7"/>
-    <p:sldId id="498" r:id="rId8"/>
-    <p:sldId id="357" r:id="rId9"/>
-    <p:sldId id="394" r:id="rId10"/>
-    <p:sldId id="392" r:id="rId11"/>
-    <p:sldId id="358" r:id="rId12"/>
-    <p:sldId id="369" r:id="rId13"/>
-    <p:sldId id="502" r:id="rId14"/>
-    <p:sldId id="503" r:id="rId15"/>
-    <p:sldId id="398" r:id="rId16"/>
-    <p:sldId id="441" r:id="rId17"/>
-    <p:sldId id="399" r:id="rId18"/>
-    <p:sldId id="409" r:id="rId19"/>
-    <p:sldId id="499" r:id="rId20"/>
-    <p:sldId id="400" r:id="rId21"/>
-    <p:sldId id="411" r:id="rId22"/>
-    <p:sldId id="406" r:id="rId23"/>
-    <p:sldId id="407" r:id="rId24"/>
-    <p:sldId id="408" r:id="rId25"/>
-    <p:sldId id="496" r:id="rId26"/>
-    <p:sldId id="405" r:id="rId27"/>
-    <p:sldId id="402" r:id="rId28"/>
-    <p:sldId id="412" r:id="rId29"/>
-    <p:sldId id="501" r:id="rId30"/>
-    <p:sldId id="403" r:id="rId31"/>
-    <p:sldId id="500" r:id="rId32"/>
-    <p:sldId id="410" r:id="rId33"/>
-    <p:sldId id="404" r:id="rId34"/>
-    <p:sldId id="504" r:id="rId35"/>
-    <p:sldId id="442" r:id="rId36"/>
-    <p:sldId id="365" r:id="rId37"/>
-    <p:sldId id="414" r:id="rId38"/>
-    <p:sldId id="415" r:id="rId39"/>
-    <p:sldId id="416" r:id="rId40"/>
-    <p:sldId id="417" r:id="rId41"/>
-    <p:sldId id="418" r:id="rId42"/>
-    <p:sldId id="413" r:id="rId43"/>
-    <p:sldId id="367" r:id="rId44"/>
-    <p:sldId id="419" r:id="rId45"/>
-    <p:sldId id="370" r:id="rId46"/>
-    <p:sldId id="420" r:id="rId47"/>
-    <p:sldId id="421" r:id="rId48"/>
-    <p:sldId id="422" r:id="rId49"/>
-    <p:sldId id="423" r:id="rId50"/>
+    <p:sldId id="505" r:id="rId4"/>
+    <p:sldId id="347" r:id="rId6"/>
+    <p:sldId id="349" r:id="rId7"/>
+    <p:sldId id="390" r:id="rId8"/>
+    <p:sldId id="497" r:id="rId9"/>
+    <p:sldId id="498" r:id="rId10"/>
+    <p:sldId id="357" r:id="rId11"/>
+    <p:sldId id="394" r:id="rId12"/>
+    <p:sldId id="392" r:id="rId13"/>
+    <p:sldId id="358" r:id="rId14"/>
+    <p:sldId id="369" r:id="rId15"/>
+    <p:sldId id="502" r:id="rId16"/>
+    <p:sldId id="503" r:id="rId17"/>
+    <p:sldId id="398" r:id="rId18"/>
+    <p:sldId id="441" r:id="rId19"/>
+    <p:sldId id="399" r:id="rId20"/>
+    <p:sldId id="409" r:id="rId21"/>
+    <p:sldId id="499" r:id="rId22"/>
+    <p:sldId id="400" r:id="rId23"/>
+    <p:sldId id="411" r:id="rId24"/>
+    <p:sldId id="406" r:id="rId25"/>
+    <p:sldId id="407" r:id="rId26"/>
+    <p:sldId id="408" r:id="rId27"/>
+    <p:sldId id="496" r:id="rId28"/>
+    <p:sldId id="405" r:id="rId29"/>
+    <p:sldId id="402" r:id="rId30"/>
+    <p:sldId id="412" r:id="rId31"/>
+    <p:sldId id="501" r:id="rId32"/>
+    <p:sldId id="403" r:id="rId33"/>
+    <p:sldId id="500" r:id="rId34"/>
+    <p:sldId id="410" r:id="rId35"/>
+    <p:sldId id="404" r:id="rId36"/>
+    <p:sldId id="504" r:id="rId37"/>
+    <p:sldId id="442" r:id="rId38"/>
+    <p:sldId id="365" r:id="rId39"/>
+    <p:sldId id="414" r:id="rId40"/>
+    <p:sldId id="415" r:id="rId41"/>
+    <p:sldId id="416" r:id="rId42"/>
+    <p:sldId id="417" r:id="rId43"/>
+    <p:sldId id="418" r:id="rId44"/>
+    <p:sldId id="413" r:id="rId45"/>
+    <p:sldId id="367" r:id="rId46"/>
+    <p:sldId id="419" r:id="rId47"/>
+    <p:sldId id="370" r:id="rId48"/>
+    <p:sldId id="420" r:id="rId49"/>
+    <p:sldId id="421" r:id="rId50"/>
+    <p:sldId id="422" r:id="rId51"/>
+    <p:sldId id="423" r:id="rId52"/>
   </p:sldIdLst>
   <p:sldSz cx="9144000" cy="6858000" type="screen4x3"/>
   <p:notesSz cx="6858000" cy="9144000"/>
+  <p:custDataLst>
+    <p:tags r:id="rId56"/>
+  </p:custDataLst>
   <p:defaultTextStyle>
     <a:defPPr>
       <a:defRPr lang="zh-CN"/>
@@ -188,12 +191,12 @@
   <p:extLst>
     <p:ext uri="{EFAFB233-063F-42B5-8137-9DF3F51BA10A}">
       <p15:sldGuideLst xmlns:p15="http://schemas.microsoft.com/office/powerpoint/2012/main">
-        <p15:guide id="1" orient="horz" pos="2160">
+        <p15:guide id="1" orient="horz" pos="2172" userDrawn="1">
           <p15:clr>
             <a:srgbClr val="A4A3A4"/>
           </p15:clr>
         </p15:guide>
-        <p15:guide id="2" pos="2880">
+        <p15:guide id="2" pos="2880" userDrawn="1">
           <p15:clr>
             <a:srgbClr val="A4A3A4"/>
           </p15:clr>
@@ -231,13 +234,7 @@
       </p:grpSpPr>
       <p:sp>
         <p:nvSpPr>
-          <p:cNvPr id="2" name="页眉占位符 1">
-            <a:extLst>
-              <a:ext uri="{FF2B5EF4-FFF2-40B4-BE49-F238E27FC236}">
-                <a16:creationId xmlns:a16="http://schemas.microsoft.com/office/drawing/2014/main" id="{1235B532-627D-482B-BDA7-9D90D209B9C9}"/>
-              </a:ext>
-            </a:extLst>
-          </p:cNvPr>
+          <p:cNvPr id="2" name="页眉占位符 1"/>
           <p:cNvSpPr>
             <a:spLocks noGrp="1"/>
           </p:cNvSpPr>
@@ -259,8 +256,8 @@
           <a:lstStyle>
             <a:lvl1pPr algn="l" eaLnBrk="1" hangingPunct="1">
               <a:defRPr sz="1200">
-                <a:latin typeface="Arial" charset="0"/>
-                <a:ea typeface="宋体" charset="-122"/>
+                <a:latin typeface="Arial" panose="020B0604020202020204" pitchFamily="34" charset="0"/>
+                <a:ea typeface="宋体" panose="02010600030101010101" pitchFamily="2" charset="-122"/>
               </a:defRPr>
             </a:lvl1pPr>
           </a:lstStyle>
@@ -274,13 +271,7 @@
       </p:sp>
       <p:sp>
         <p:nvSpPr>
-          <p:cNvPr id="3" name="日期占位符 2">
-            <a:extLst>
-              <a:ext uri="{FF2B5EF4-FFF2-40B4-BE49-F238E27FC236}">
-                <a16:creationId xmlns:a16="http://schemas.microsoft.com/office/drawing/2014/main" id="{2379E0E6-8412-4429-98E0-95038231BACC}"/>
-              </a:ext>
-            </a:extLst>
-          </p:cNvPr>
+          <p:cNvPr id="3" name="日期占位符 2"/>
           <p:cNvSpPr>
             <a:spLocks noGrp="1"/>
           </p:cNvSpPr>
@@ -302,8 +293,8 @@
           <a:lstStyle>
             <a:lvl1pPr algn="r" eaLnBrk="1" hangingPunct="1">
               <a:defRPr sz="1200">
-                <a:latin typeface="Arial" charset="0"/>
-                <a:ea typeface="宋体" charset="-122"/>
+                <a:latin typeface="Arial" panose="020B0604020202020204" pitchFamily="34" charset="0"/>
+                <a:ea typeface="宋体" panose="02010600030101010101" pitchFamily="2" charset="-122"/>
               </a:defRPr>
             </a:lvl1pPr>
           </a:lstStyle>
@@ -313,10 +304,6 @@
             </a:pPr>
             <a:fld id="{571F865E-54AE-4249-9B56-8F164FC9CF07}" type="datetimeFigureOut">
               <a:rPr lang="zh-CN" altLang="en-US"/>
-              <a:pPr>
-                <a:defRPr/>
-              </a:pPr>
-              <a:t>2022/8/29</a:t>
             </a:fld>
             <a:endParaRPr lang="zh-CN" altLang="en-US"/>
           </a:p>
@@ -324,13 +311,7 @@
       </p:sp>
       <p:sp>
         <p:nvSpPr>
-          <p:cNvPr id="4" name="幻灯片图像占位符 3">
-            <a:extLst>
-              <a:ext uri="{FF2B5EF4-FFF2-40B4-BE49-F238E27FC236}">
-                <a16:creationId xmlns:a16="http://schemas.microsoft.com/office/drawing/2014/main" id="{25609BBF-14ED-41A6-977B-5C6989C33C7F}"/>
-              </a:ext>
-            </a:extLst>
-          </p:cNvPr>
+          <p:cNvPr id="4" name="幻灯片图像占位符 3"/>
           <p:cNvSpPr>
             <a:spLocks noGrp="1" noRot="1" noChangeAspect="1"/>
           </p:cNvSpPr>
@@ -364,13 +345,7 @@
       </p:sp>
       <p:sp>
         <p:nvSpPr>
-          <p:cNvPr id="5" name="备注占位符 4">
-            <a:extLst>
-              <a:ext uri="{FF2B5EF4-FFF2-40B4-BE49-F238E27FC236}">
-                <a16:creationId xmlns:a16="http://schemas.microsoft.com/office/drawing/2014/main" id="{6EDD36F9-D2DC-4EF6-A956-D7E6ED7BFEE2}"/>
-              </a:ext>
-            </a:extLst>
-          </p:cNvPr>
+          <p:cNvPr id="5" name="备注占位符 4"/>
           <p:cNvSpPr>
             <a:spLocks noGrp="1"/>
           </p:cNvSpPr>
@@ -389,9 +364,6 @@
         </p:spPr>
         <p:txBody>
           <a:bodyPr vert="horz" wrap="square" lIns="91440" tIns="45720" rIns="91440" bIns="45720" numCol="1" anchor="t" anchorCtr="0" compatLnSpc="1">
-            <a:prstTxWarp prst="textNoShape">
-              <a:avLst/>
-            </a:prstTxWarp>
             <a:normAutofit/>
           </a:bodyPr>
           <a:lstStyle/>
@@ -401,6 +373,7 @@
               <a:rPr lang="zh-CN" altLang="en-US" noProof="0"/>
               <a:t>单击此处编辑母版文本样式</a:t>
             </a:r>
+            <a:endParaRPr lang="zh-CN" altLang="en-US" noProof="0"/>
           </a:p>
           <a:p>
             <a:pPr lvl="1"/>
@@ -408,6 +381,7 @@
               <a:rPr lang="zh-CN" altLang="en-US" noProof="0"/>
               <a:t>第二级</a:t>
             </a:r>
+            <a:endParaRPr lang="zh-CN" altLang="en-US" noProof="0"/>
           </a:p>
           <a:p>
             <a:pPr lvl="2"/>
@@ -415,6 +389,7 @@
               <a:rPr lang="zh-CN" altLang="en-US" noProof="0"/>
               <a:t>第三级</a:t>
             </a:r>
+            <a:endParaRPr lang="zh-CN" altLang="en-US" noProof="0"/>
           </a:p>
           <a:p>
             <a:pPr lvl="3"/>
@@ -422,6 +397,7 @@
               <a:rPr lang="zh-CN" altLang="en-US" noProof="0"/>
               <a:t>第四级</a:t>
             </a:r>
+            <a:endParaRPr lang="zh-CN" altLang="en-US" noProof="0"/>
           </a:p>
           <a:p>
             <a:pPr lvl="4"/>
@@ -429,18 +405,13 @@
               <a:rPr lang="zh-CN" altLang="en-US" noProof="0"/>
               <a:t>第五级</a:t>
             </a:r>
+            <a:endParaRPr lang="zh-CN" altLang="en-US" noProof="0"/>
           </a:p>
         </p:txBody>
       </p:sp>
       <p:sp>
         <p:nvSpPr>
-          <p:cNvPr id="6" name="页脚占位符 5">
-            <a:extLst>
-              <a:ext uri="{FF2B5EF4-FFF2-40B4-BE49-F238E27FC236}">
-                <a16:creationId xmlns:a16="http://schemas.microsoft.com/office/drawing/2014/main" id="{C40E8675-779D-4611-B318-7BB4E131D38B}"/>
-              </a:ext>
-            </a:extLst>
-          </p:cNvPr>
+          <p:cNvPr id="6" name="页脚占位符 5"/>
           <p:cNvSpPr>
             <a:spLocks noGrp="1"/>
           </p:cNvSpPr>
@@ -462,8 +433,8 @@
           <a:lstStyle>
             <a:lvl1pPr algn="l" eaLnBrk="1" hangingPunct="1">
               <a:defRPr sz="1200">
-                <a:latin typeface="Arial" charset="0"/>
-                <a:ea typeface="宋体" charset="-122"/>
+                <a:latin typeface="Arial" panose="020B0604020202020204" pitchFamily="34" charset="0"/>
+                <a:ea typeface="宋体" panose="02010600030101010101" pitchFamily="2" charset="-122"/>
               </a:defRPr>
             </a:lvl1pPr>
           </a:lstStyle>
@@ -477,13 +448,7 @@
       </p:sp>
       <p:sp>
         <p:nvSpPr>
-          <p:cNvPr id="7" name="灯片编号占位符 6">
-            <a:extLst>
-              <a:ext uri="{FF2B5EF4-FFF2-40B4-BE49-F238E27FC236}">
-                <a16:creationId xmlns:a16="http://schemas.microsoft.com/office/drawing/2014/main" id="{38C0DE15-D4A4-49FB-8E34-7534A36906CE}"/>
-              </a:ext>
-            </a:extLst>
-          </p:cNvPr>
+          <p:cNvPr id="7" name="灯片编号占位符 6"/>
           <p:cNvSpPr>
             <a:spLocks noGrp="1"/>
           </p:cNvSpPr>
@@ -501,11 +466,7 @@
           </a:prstGeom>
         </p:spPr>
         <p:txBody>
-          <a:bodyPr vert="horz" wrap="square" lIns="91440" tIns="45720" rIns="91440" bIns="45720" numCol="1" anchor="b" anchorCtr="0" compatLnSpc="1">
-            <a:prstTxWarp prst="textNoShape">
-              <a:avLst/>
-            </a:prstTxWarp>
-          </a:bodyPr>
+          <a:bodyPr vert="horz" wrap="square" lIns="91440" tIns="45720" rIns="91440" bIns="45720" numCol="1" anchor="b" anchorCtr="0" compatLnSpc="1"/>
           <a:lstStyle>
             <a:lvl1pPr algn="r" eaLnBrk="1" hangingPunct="1">
               <a:defRPr sz="1200"/>
@@ -517,10 +478,6 @@
             </a:pPr>
             <a:fld id="{6258A294-7DE7-4073-A7BB-10361BB48920}" type="slidenum">
               <a:rPr lang="zh-CN" altLang="en-US"/>
-              <a:pPr>
-                <a:defRPr/>
-              </a:pPr>
-              <a:t>‹#›</a:t>
             </a:fld>
             <a:endParaRPr lang="en-US" altLang="zh-CN"/>
           </a:p>
@@ -736,7 +693,6 @@
               <a:buSzTx/>
               <a:buFontTx/>
               <a:buNone/>
-              <a:tabLst/>
               <a:defRPr/>
             </a:pPr>
             <a:fld id="{3DE80291-01A3-406F-8604-7844AD21EA8F}" type="slidenum">
@@ -754,24 +710,6 @@
                 <a:ea typeface="宋体" panose="02010600030101010101" pitchFamily="2" charset="-122"/>
                 <a:cs typeface="+mn-cs"/>
               </a:rPr>
-              <a:pPr marL="0" marR="0" lvl="0" indent="0" algn="r" defTabSz="914400" rtl="0" eaLnBrk="0" fontAlgn="base" latinLnBrk="0" hangingPunct="0">
-                <a:lnSpc>
-                  <a:spcPct val="100000"/>
-                </a:lnSpc>
-                <a:spcBef>
-                  <a:spcPct val="0"/>
-                </a:spcBef>
-                <a:spcAft>
-                  <a:spcPct val="0"/>
-                </a:spcAft>
-                <a:buClrTx/>
-                <a:buSzTx/>
-                <a:buFontTx/>
-                <a:buNone/>
-                <a:tabLst/>
-                <a:defRPr/>
-              </a:pPr>
-              <a:t>1</a:t>
             </a:fld>
             <a:endParaRPr kumimoji="0" lang="en-US" altLang="zh-CN" sz="1200" b="0" i="0" u="none" strike="noStrike" kern="1200" cap="none" spc="0" normalizeH="0" baseline="0" noProof="0" dirty="0">
               <a:ln>
@@ -791,11 +729,6 @@
         </p:txBody>
       </p:sp>
     </p:spTree>
-    <p:extLst>
-      <p:ext uri="{BB962C8B-B14F-4D97-AF65-F5344CB8AC3E}">
-        <p14:creationId xmlns:p14="http://schemas.microsoft.com/office/powerpoint/2010/main" val="732348930"/>
-      </p:ext>
-    </p:extLst>
   </p:cSld>
   <p:clrMapOvr>
     <a:masterClrMapping/>
@@ -837,8 +770,6 @@
               <a:srgbClr val="000000"/>
             </a:solidFill>
             <a:miter lim="800000"/>
-            <a:headEnd/>
-            <a:tailEnd/>
           </a:ln>
           <a:extLst>
             <a:ext uri="{909E8E84-426E-40DD-AFC4-6F175D3DCCD1}">
@@ -1035,8 +966,6 @@
           <a:p>
             <a:fld id="{3C3731EC-F229-4CE5-9B79-4CC133BD133D}" type="slidenum">
               <a:rPr lang="zh-CN" altLang="en-US" smtClean="0"/>
-              <a:pPr/>
-              <a:t>11</a:t>
             </a:fld>
             <a:endParaRPr lang="en-US" altLang="zh-CN"/>
           </a:p>
@@ -1084,8 +1013,6 @@
               <a:srgbClr val="000000"/>
             </a:solidFill>
             <a:miter lim="800000"/>
-            <a:headEnd/>
-            <a:tailEnd/>
           </a:ln>
           <a:extLst>
             <a:ext uri="{909E8E84-426E-40DD-AFC4-6F175D3DCCD1}">
@@ -1282,19 +1209,12 @@
           <a:p>
             <a:fld id="{D35EDDA4-12BB-4D56-A034-3E7E0841A00C}" type="slidenum">
               <a:rPr lang="zh-CN" altLang="en-US" smtClean="0"/>
-              <a:pPr/>
-              <a:t>12</a:t>
             </a:fld>
             <a:endParaRPr lang="en-US" altLang="zh-CN"/>
           </a:p>
         </p:txBody>
       </p:sp>
     </p:spTree>
-    <p:extLst>
-      <p:ext uri="{BB962C8B-B14F-4D97-AF65-F5344CB8AC3E}">
-        <p14:creationId xmlns:p14="http://schemas.microsoft.com/office/powerpoint/2010/main" val="407933667"/>
-      </p:ext>
-    </p:extLst>
   </p:cSld>
   <p:clrMapOvr>
     <a:masterClrMapping/>
@@ -1336,8 +1256,6 @@
               <a:srgbClr val="000000"/>
             </a:solidFill>
             <a:miter lim="800000"/>
-            <a:headEnd/>
-            <a:tailEnd/>
           </a:ln>
           <a:extLst>
             <a:ext uri="{909E8E84-426E-40DD-AFC4-6F175D3DCCD1}">
@@ -1534,19 +1452,12 @@
           <a:p>
             <a:fld id="{D35EDDA4-12BB-4D56-A034-3E7E0841A00C}" type="slidenum">
               <a:rPr lang="zh-CN" altLang="en-US" smtClean="0"/>
-              <a:pPr/>
-              <a:t>13</a:t>
             </a:fld>
             <a:endParaRPr lang="en-US" altLang="zh-CN"/>
           </a:p>
         </p:txBody>
       </p:sp>
     </p:spTree>
-    <p:extLst>
-      <p:ext uri="{BB962C8B-B14F-4D97-AF65-F5344CB8AC3E}">
-        <p14:creationId xmlns:p14="http://schemas.microsoft.com/office/powerpoint/2010/main" val="1158964874"/>
-      </p:ext>
-    </p:extLst>
   </p:cSld>
   <p:clrMapOvr>
     <a:masterClrMapping/>
@@ -1588,8 +1499,6 @@
               <a:srgbClr val="000000"/>
             </a:solidFill>
             <a:miter lim="800000"/>
-            <a:headEnd/>
-            <a:tailEnd/>
           </a:ln>
           <a:extLst>
             <a:ext uri="{909E8E84-426E-40DD-AFC4-6F175D3DCCD1}">
@@ -1786,8 +1695,6 @@
           <a:p>
             <a:fld id="{D35EDDA4-12BB-4D56-A034-3E7E0841A00C}" type="slidenum">
               <a:rPr lang="zh-CN" altLang="en-US" smtClean="0"/>
-              <a:pPr/>
-              <a:t>14</a:t>
             </a:fld>
             <a:endParaRPr lang="en-US" altLang="zh-CN"/>
           </a:p>
@@ -1802,7 +1709,7 @@
 </file>
 
 <file path=ppt/slideLayouts/slideLayout1.xml><?xml version="1.0" encoding="utf-8"?>
-<p:sldLayout xmlns:a="http://schemas.openxmlformats.org/drawingml/2006/main" xmlns:r="http://schemas.openxmlformats.org/officeDocument/2006/relationships" xmlns:p="http://schemas.openxmlformats.org/presentationml/2006/main" showMasterSp="0" type="title" preserve="1">
+<p:sldLayout xmlns:a="http://schemas.openxmlformats.org/drawingml/2006/main" xmlns:r="http://schemas.openxmlformats.org/officeDocument/2006/relationships" xmlns:p="http://schemas.openxmlformats.org/presentationml/2006/main" type="title" preserve="1" showMasterSp="0">
   <p:cSld name="标题幻灯片">
     <p:spTree>
       <p:nvGrpSpPr>
@@ -1821,9 +1728,7 @@
       <p:grpSp>
         <p:nvGrpSpPr>
           <p:cNvPr id="4" name="Group 2"/>
-          <p:cNvGrpSpPr>
-            <a:grpSpLocks/>
-          </p:cNvGrpSpPr>
+          <p:cNvGrpSpPr/>
           <p:nvPr/>
         </p:nvGrpSpPr>
         <p:grpSpPr bwMode="auto">
@@ -1836,13 +1741,7 @@
         </p:grpSpPr>
         <p:sp>
           <p:nvSpPr>
-            <p:cNvPr id="5" name="Rectangle 3">
-              <a:extLst>
-                <a:ext uri="{FF2B5EF4-FFF2-40B4-BE49-F238E27FC236}">
-                  <a16:creationId xmlns:a16="http://schemas.microsoft.com/office/drawing/2014/main" id="{562CE648-96DA-4867-BBE7-2EA030F90364}"/>
-                </a:ext>
-              </a:extLst>
-            </p:cNvPr>
+            <p:cNvPr id="5" name="Rectangle 3"/>
             <p:cNvSpPr>
               <a:spLocks noChangeArrowheads="1"/>
             </p:cNvSpPr>
@@ -2014,13 +1913,7 @@
         </p:sp>
         <p:sp>
           <p:nvSpPr>
-            <p:cNvPr id="6" name="Rectangle 4">
-              <a:extLst>
-                <a:ext uri="{FF2B5EF4-FFF2-40B4-BE49-F238E27FC236}">
-                  <a16:creationId xmlns:a16="http://schemas.microsoft.com/office/drawing/2014/main" id="{5BAFDE7E-D123-4322-9237-D67F00B09C49}"/>
-                </a:ext>
-              </a:extLst>
-            </p:cNvPr>
+            <p:cNvPr id="6" name="Rectangle 4"/>
             <p:cNvSpPr>
               <a:spLocks noChangeArrowheads="1"/>
             </p:cNvSpPr>
@@ -2175,9 +2068,7 @@
         <p:grpSp>
           <p:nvGrpSpPr>
             <p:cNvPr id="7" name="Group 5"/>
-            <p:cNvGrpSpPr>
-              <a:grpSpLocks/>
-            </p:cNvGrpSpPr>
+            <p:cNvGrpSpPr/>
             <p:nvPr/>
           </p:nvGrpSpPr>
           <p:grpSpPr bwMode="auto">
@@ -2190,13 +2081,7 @@
           </p:grpSpPr>
           <p:sp>
             <p:nvSpPr>
-              <p:cNvPr id="8" name="Rectangle 6">
-                <a:extLst>
-                  <a:ext uri="{FF2B5EF4-FFF2-40B4-BE49-F238E27FC236}">
-                    <a16:creationId xmlns:a16="http://schemas.microsoft.com/office/drawing/2014/main" id="{B95BB223-619C-4940-A4C8-BBB241CC2BF9}"/>
-                  </a:ext>
-                </a:extLst>
-              </p:cNvPr>
+              <p:cNvPr id="8" name="Rectangle 6"/>
               <p:cNvSpPr>
                 <a:spLocks noChangeArrowheads="1"/>
               </p:cNvSpPr>
@@ -2350,13 +2235,7 @@
           </p:sp>
           <p:sp>
             <p:nvSpPr>
-              <p:cNvPr id="9" name="Rectangle 7">
-                <a:extLst>
-                  <a:ext uri="{FF2B5EF4-FFF2-40B4-BE49-F238E27FC236}">
-                    <a16:creationId xmlns:a16="http://schemas.microsoft.com/office/drawing/2014/main" id="{6F24B9EF-563F-402F-9304-37FC99F8A6CF}"/>
-                  </a:ext>
-                </a:extLst>
-              </p:cNvPr>
+              <p:cNvPr id="9" name="Rectangle 7"/>
               <p:cNvSpPr>
                 <a:spLocks noChangeArrowheads="1"/>
               </p:cNvSpPr>
@@ -2510,13 +2389,7 @@
           </p:sp>
           <p:sp>
             <p:nvSpPr>
-              <p:cNvPr id="10" name="Rectangle 8">
-                <a:extLst>
-                  <a:ext uri="{FF2B5EF4-FFF2-40B4-BE49-F238E27FC236}">
-                    <a16:creationId xmlns:a16="http://schemas.microsoft.com/office/drawing/2014/main" id="{9DC177C0-C96E-4538-B02B-1E4EB9AFF6A6}"/>
-                  </a:ext>
-                </a:extLst>
-              </p:cNvPr>
+              <p:cNvPr id="10" name="Rectangle 8"/>
               <p:cNvSpPr>
                 <a:spLocks noChangeArrowheads="1"/>
               </p:cNvSpPr>
@@ -2670,13 +2543,7 @@
           </p:sp>
           <p:sp>
             <p:nvSpPr>
-              <p:cNvPr id="11" name="Rectangle 9">
-                <a:extLst>
-                  <a:ext uri="{FF2B5EF4-FFF2-40B4-BE49-F238E27FC236}">
-                    <a16:creationId xmlns:a16="http://schemas.microsoft.com/office/drawing/2014/main" id="{F18D7FEF-BFDE-4B2C-A37B-83E20C985C4B}"/>
-                  </a:ext>
-                </a:extLst>
-              </p:cNvPr>
+              <p:cNvPr id="11" name="Rectangle 9"/>
               <p:cNvSpPr>
                 <a:spLocks noChangeArrowheads="1"/>
               </p:cNvSpPr>
@@ -2830,13 +2697,7 @@
           </p:sp>
           <p:sp>
             <p:nvSpPr>
-              <p:cNvPr id="12" name="Rectangle 10">
-                <a:extLst>
-                  <a:ext uri="{FF2B5EF4-FFF2-40B4-BE49-F238E27FC236}">
-                    <a16:creationId xmlns:a16="http://schemas.microsoft.com/office/drawing/2014/main" id="{A120AEF3-4DB7-4CB2-93F4-FD82EF1CC9AA}"/>
-                  </a:ext>
-                </a:extLst>
-              </p:cNvPr>
+              <p:cNvPr id="12" name="Rectangle 10"/>
               <p:cNvSpPr>
                 <a:spLocks noChangeArrowheads="1"/>
               </p:cNvSpPr>
@@ -2990,13 +2851,7 @@
           </p:sp>
           <p:sp>
             <p:nvSpPr>
-              <p:cNvPr id="13" name="Rectangle 11">
-                <a:extLst>
-                  <a:ext uri="{FF2B5EF4-FFF2-40B4-BE49-F238E27FC236}">
-                    <a16:creationId xmlns:a16="http://schemas.microsoft.com/office/drawing/2014/main" id="{B21F928C-B313-4316-A156-003BA01D19FB}"/>
-                  </a:ext>
-                </a:extLst>
-              </p:cNvPr>
+              <p:cNvPr id="13" name="Rectangle 11"/>
               <p:cNvSpPr>
                 <a:spLocks noChangeArrowheads="1"/>
               </p:cNvSpPr>
@@ -3150,13 +3005,7 @@
           </p:sp>
           <p:sp>
             <p:nvSpPr>
-              <p:cNvPr id="14" name="Rectangle 12">
-                <a:extLst>
-                  <a:ext uri="{FF2B5EF4-FFF2-40B4-BE49-F238E27FC236}">
-                    <a16:creationId xmlns:a16="http://schemas.microsoft.com/office/drawing/2014/main" id="{1A88154A-031E-4F87-B253-D888FA884F5A}"/>
-                  </a:ext>
-                </a:extLst>
-              </p:cNvPr>
+              <p:cNvPr id="14" name="Rectangle 12"/>
               <p:cNvSpPr>
                 <a:spLocks noChangeArrowheads="1"/>
               </p:cNvSpPr>
@@ -3310,13 +3159,7 @@
           </p:sp>
           <p:sp>
             <p:nvSpPr>
-              <p:cNvPr id="15" name="Rectangle 13">
-                <a:extLst>
-                  <a:ext uri="{FF2B5EF4-FFF2-40B4-BE49-F238E27FC236}">
-                    <a16:creationId xmlns:a16="http://schemas.microsoft.com/office/drawing/2014/main" id="{C7D924FD-840E-4D16-BA1C-853A04CF01D2}"/>
-                  </a:ext>
-                </a:extLst>
-              </p:cNvPr>
+              <p:cNvPr id="15" name="Rectangle 13"/>
               <p:cNvSpPr>
                 <a:spLocks noChangeArrowheads="1"/>
               </p:cNvSpPr>
@@ -3470,13 +3313,7 @@
           </p:sp>
           <p:sp>
             <p:nvSpPr>
-              <p:cNvPr id="16" name="Rectangle 14">
-                <a:extLst>
-                  <a:ext uri="{FF2B5EF4-FFF2-40B4-BE49-F238E27FC236}">
-                    <a16:creationId xmlns:a16="http://schemas.microsoft.com/office/drawing/2014/main" id="{EB118E67-BB02-4229-B4EB-76FF6F0A16EE}"/>
-                  </a:ext>
-                </a:extLst>
-              </p:cNvPr>
+              <p:cNvPr id="16" name="Rectangle 14"/>
               <p:cNvSpPr>
                 <a:spLocks noChangeArrowheads="1"/>
               </p:cNvSpPr>
@@ -3630,13 +3467,7 @@
           </p:sp>
           <p:sp>
             <p:nvSpPr>
-              <p:cNvPr id="17" name="Rectangle 15">
-                <a:extLst>
-                  <a:ext uri="{FF2B5EF4-FFF2-40B4-BE49-F238E27FC236}">
-                    <a16:creationId xmlns:a16="http://schemas.microsoft.com/office/drawing/2014/main" id="{FD967CDE-E87C-410A-B17C-B0F94174CBEA}"/>
-                  </a:ext>
-                </a:extLst>
-              </p:cNvPr>
+              <p:cNvPr id="17" name="Rectangle 15"/>
               <p:cNvSpPr>
                 <a:spLocks noChangeArrowheads="1"/>
               </p:cNvSpPr>
@@ -3877,6 +3708,7 @@
               <a:rPr lang="zh-CN" altLang="en-US" noProof="0"/>
               <a:t>单击此处编辑母版标题样式</a:t>
             </a:r>
+            <a:endParaRPr lang="zh-CN" altLang="en-US" noProof="0"/>
           </a:p>
         </p:txBody>
       </p:sp>
@@ -3911,18 +3743,13 @@
               <a:rPr lang="zh-CN" altLang="en-US" noProof="0"/>
               <a:t>单击此处编辑母版副标题样式</a:t>
             </a:r>
+            <a:endParaRPr lang="zh-CN" altLang="en-US" noProof="0"/>
           </a:p>
         </p:txBody>
       </p:sp>
       <p:sp>
         <p:nvSpPr>
-          <p:cNvPr id="19" name="Rectangle 16">
-            <a:extLst>
-              <a:ext uri="{FF2B5EF4-FFF2-40B4-BE49-F238E27FC236}">
-                <a16:creationId xmlns:a16="http://schemas.microsoft.com/office/drawing/2014/main" id="{C281A539-66EE-4371-9AED-5B713EEF0BE9}"/>
-              </a:ext>
-            </a:extLst>
-          </p:cNvPr>
+          <p:cNvPr id="19" name="Rectangle 16"/>
           <p:cNvSpPr>
             <a:spLocks noGrp="1" noChangeArrowheads="1"/>
           </p:cNvSpPr>
@@ -3949,10 +3776,6 @@
             </a:pPr>
             <a:fld id="{D0F2806B-92A2-421F-A730-3E4EAD47AC90}" type="datetimeFigureOut">
               <a:rPr lang="zh-CN" altLang="en-US"/>
-              <a:pPr>
-                <a:defRPr/>
-              </a:pPr>
-              <a:t>2022/8/29</a:t>
             </a:fld>
             <a:endParaRPr lang="en-US" altLang="zh-CN"/>
           </a:p>
@@ -3960,13 +3783,7 @@
       </p:sp>
       <p:sp>
         <p:nvSpPr>
-          <p:cNvPr id="20" name="Rectangle 17">
-            <a:extLst>
-              <a:ext uri="{FF2B5EF4-FFF2-40B4-BE49-F238E27FC236}">
-                <a16:creationId xmlns:a16="http://schemas.microsoft.com/office/drawing/2014/main" id="{CC96038D-4920-4185-91A6-531695328F01}"/>
-              </a:ext>
-            </a:extLst>
-          </p:cNvPr>
+          <p:cNvPr id="20" name="Rectangle 17"/>
           <p:cNvSpPr>
             <a:spLocks noGrp="1" noChangeArrowheads="1"/>
           </p:cNvSpPr>
@@ -3992,13 +3809,7 @@
       </p:sp>
       <p:sp>
         <p:nvSpPr>
-          <p:cNvPr id="21" name="Rectangle 18">
-            <a:extLst>
-              <a:ext uri="{FF2B5EF4-FFF2-40B4-BE49-F238E27FC236}">
-                <a16:creationId xmlns:a16="http://schemas.microsoft.com/office/drawing/2014/main" id="{2B0EDFD8-F66D-4371-BC67-36E25E319CC6}"/>
-              </a:ext>
-            </a:extLst>
-          </p:cNvPr>
+          <p:cNvPr id="21" name="Rectangle 18"/>
           <p:cNvSpPr>
             <a:spLocks noGrp="1" noChangeArrowheads="1"/>
           </p:cNvSpPr>
@@ -4020,21 +3831,12 @@
             </a:pPr>
             <a:fld id="{1B8CF0E5-2C64-4FC6-9934-F716CB426D79}" type="slidenum">
               <a:rPr lang="zh-CN" altLang="en-US"/>
-              <a:pPr>
-                <a:defRPr/>
-              </a:pPr>
-              <a:t>‹#›</a:t>
             </a:fld>
             <a:endParaRPr lang="en-US" altLang="zh-CN"/>
           </a:p>
         </p:txBody>
       </p:sp>
     </p:spTree>
-    <p:extLst>
-      <p:ext uri="{BB962C8B-B14F-4D97-AF65-F5344CB8AC3E}">
-        <p14:creationId xmlns:p14="http://schemas.microsoft.com/office/powerpoint/2010/main" val="632388895"/>
-      </p:ext>
-    </p:extLst>
   </p:cSld>
   <p:clrMapOvr>
     <a:masterClrMapping/>
@@ -4081,6 +3883,7 @@
               <a:rPr lang="zh-CN" altLang="en-US"/>
               <a:t>单击此处编辑母版标题样式</a:t>
             </a:r>
+            <a:endParaRPr lang="zh-CN" altLang="en-US"/>
           </a:p>
         </p:txBody>
       </p:sp>
@@ -4104,6 +3907,7 @@
               <a:rPr lang="zh-CN" altLang="en-US"/>
               <a:t>单击此处编辑母版文本样式</a:t>
             </a:r>
+            <a:endParaRPr lang="zh-CN" altLang="en-US"/>
           </a:p>
           <a:p>
             <a:pPr lvl="1"/>
@@ -4111,6 +3915,7 @@
               <a:rPr lang="zh-CN" altLang="en-US"/>
               <a:t>第二级</a:t>
             </a:r>
+            <a:endParaRPr lang="zh-CN" altLang="en-US"/>
           </a:p>
           <a:p>
             <a:pPr lvl="2"/>
@@ -4118,6 +3923,7 @@
               <a:rPr lang="zh-CN" altLang="en-US"/>
               <a:t>第三级</a:t>
             </a:r>
+            <a:endParaRPr lang="zh-CN" altLang="en-US"/>
           </a:p>
           <a:p>
             <a:pPr lvl="3"/>
@@ -4125,6 +3931,7 @@
               <a:rPr lang="zh-CN" altLang="en-US"/>
               <a:t>第四级</a:t>
             </a:r>
+            <a:endParaRPr lang="zh-CN" altLang="en-US"/>
           </a:p>
           <a:p>
             <a:pPr lvl="4"/>
@@ -4132,18 +3939,13 @@
               <a:rPr lang="zh-CN" altLang="en-US"/>
               <a:t>第五级</a:t>
             </a:r>
+            <a:endParaRPr lang="zh-CN" altLang="en-US"/>
           </a:p>
         </p:txBody>
       </p:sp>
       <p:sp>
         <p:nvSpPr>
-          <p:cNvPr id="4" name="Rectangle 2">
-            <a:extLst>
-              <a:ext uri="{FF2B5EF4-FFF2-40B4-BE49-F238E27FC236}">
-                <a16:creationId xmlns:a16="http://schemas.microsoft.com/office/drawing/2014/main" id="{6EC256A9-4662-4845-907A-C3A9CEF8D697}"/>
-              </a:ext>
-            </a:extLst>
-          </p:cNvPr>
+          <p:cNvPr id="4" name="Rectangle 2"/>
           <p:cNvSpPr>
             <a:spLocks noGrp="1" noChangeArrowheads="1"/>
           </p:cNvSpPr>
@@ -4151,9 +3953,7 @@
             <p:ph type="ftr" sz="quarter" idx="10"/>
           </p:nvPr>
         </p:nvSpPr>
-        <p:spPr>
-          <a:ln/>
-        </p:spPr>
+        <p:spPr/>
         <p:txBody>
           <a:bodyPr/>
           <a:lstStyle>
@@ -4171,13 +3971,7 @@
       </p:sp>
       <p:sp>
         <p:nvSpPr>
-          <p:cNvPr id="5" name="Rectangle 3">
-            <a:extLst>
-              <a:ext uri="{FF2B5EF4-FFF2-40B4-BE49-F238E27FC236}">
-                <a16:creationId xmlns:a16="http://schemas.microsoft.com/office/drawing/2014/main" id="{B31758AC-22A4-4581-A976-0AD6624EC864}"/>
-              </a:ext>
-            </a:extLst>
-          </p:cNvPr>
+          <p:cNvPr id="5" name="Rectangle 3"/>
           <p:cNvSpPr>
             <a:spLocks noGrp="1" noChangeArrowheads="1"/>
           </p:cNvSpPr>
@@ -4185,9 +3979,7 @@
             <p:ph type="sldNum" sz="quarter" idx="11"/>
           </p:nvPr>
         </p:nvSpPr>
-        <p:spPr>
-          <a:ln/>
-        </p:spPr>
+        <p:spPr/>
         <p:txBody>
           <a:bodyPr/>
           <a:lstStyle>
@@ -4201,10 +3993,6 @@
             </a:pPr>
             <a:fld id="{BC6BE178-D5C0-4996-9250-3C8905F9A7E1}" type="slidenum">
               <a:rPr lang="zh-CN" altLang="en-US"/>
-              <a:pPr>
-                <a:defRPr/>
-              </a:pPr>
-              <a:t>‹#›</a:t>
             </a:fld>
             <a:endParaRPr lang="en-US" altLang="zh-CN"/>
           </a:p>
@@ -4212,13 +4000,7 @@
       </p:sp>
       <p:sp>
         <p:nvSpPr>
-          <p:cNvPr id="6" name="Rectangle 16">
-            <a:extLst>
-              <a:ext uri="{FF2B5EF4-FFF2-40B4-BE49-F238E27FC236}">
-                <a16:creationId xmlns:a16="http://schemas.microsoft.com/office/drawing/2014/main" id="{647E588E-AFA9-429A-A066-DF6EAD214282}"/>
-              </a:ext>
-            </a:extLst>
-          </p:cNvPr>
+          <p:cNvPr id="6" name="Rectangle 16"/>
           <p:cNvSpPr>
             <a:spLocks noGrp="1" noChangeArrowheads="1"/>
           </p:cNvSpPr>
@@ -4226,9 +4008,7 @@
             <p:ph type="dt" sz="half" idx="12"/>
           </p:nvPr>
         </p:nvSpPr>
-        <p:spPr>
-          <a:ln/>
-        </p:spPr>
+        <p:spPr/>
         <p:txBody>
           <a:bodyPr/>
           <a:lstStyle>
@@ -4242,21 +4022,12 @@
             </a:pPr>
             <a:fld id="{7DA4E148-0FDD-402D-B084-463CE602D6A3}" type="datetimeFigureOut">
               <a:rPr lang="zh-CN" altLang="en-US"/>
-              <a:pPr>
-                <a:defRPr/>
-              </a:pPr>
-              <a:t>2022/8/29</a:t>
             </a:fld>
             <a:endParaRPr lang="en-US" altLang="zh-CN"/>
           </a:p>
         </p:txBody>
       </p:sp>
     </p:spTree>
-    <p:extLst>
-      <p:ext uri="{BB962C8B-B14F-4D97-AF65-F5344CB8AC3E}">
-        <p14:creationId xmlns:p14="http://schemas.microsoft.com/office/powerpoint/2010/main" val="2679178481"/>
-      </p:ext>
-    </p:extLst>
   </p:cSld>
   <p:clrMapOvr>
     <a:masterClrMapping/>
@@ -4308,6 +4079,7 @@
               <a:rPr lang="zh-CN" altLang="en-US"/>
               <a:t>单击此处编辑母版标题样式</a:t>
             </a:r>
+            <a:endParaRPr lang="zh-CN" altLang="en-US"/>
           </a:p>
         </p:txBody>
       </p:sp>
@@ -4336,6 +4108,7 @@
               <a:rPr lang="zh-CN" altLang="en-US"/>
               <a:t>单击此处编辑母版文本样式</a:t>
             </a:r>
+            <a:endParaRPr lang="zh-CN" altLang="en-US"/>
           </a:p>
           <a:p>
             <a:pPr lvl="1"/>
@@ -4343,6 +4116,7 @@
               <a:rPr lang="zh-CN" altLang="en-US"/>
               <a:t>第二级</a:t>
             </a:r>
+            <a:endParaRPr lang="zh-CN" altLang="en-US"/>
           </a:p>
           <a:p>
             <a:pPr lvl="2"/>
@@ -4350,6 +4124,7 @@
               <a:rPr lang="zh-CN" altLang="en-US"/>
               <a:t>第三级</a:t>
             </a:r>
+            <a:endParaRPr lang="zh-CN" altLang="en-US"/>
           </a:p>
           <a:p>
             <a:pPr lvl="3"/>
@@ -4357,6 +4132,7 @@
               <a:rPr lang="zh-CN" altLang="en-US"/>
               <a:t>第四级</a:t>
             </a:r>
+            <a:endParaRPr lang="zh-CN" altLang="en-US"/>
           </a:p>
           <a:p>
             <a:pPr lvl="4"/>
@@ -4364,18 +4140,13 @@
               <a:rPr lang="zh-CN" altLang="en-US"/>
               <a:t>第五级</a:t>
             </a:r>
+            <a:endParaRPr lang="zh-CN" altLang="en-US"/>
           </a:p>
         </p:txBody>
       </p:sp>
       <p:sp>
         <p:nvSpPr>
-          <p:cNvPr id="4" name="Rectangle 2">
-            <a:extLst>
-              <a:ext uri="{FF2B5EF4-FFF2-40B4-BE49-F238E27FC236}">
-                <a16:creationId xmlns:a16="http://schemas.microsoft.com/office/drawing/2014/main" id="{6EC256A9-4662-4845-907A-C3A9CEF8D697}"/>
-              </a:ext>
-            </a:extLst>
-          </p:cNvPr>
+          <p:cNvPr id="4" name="Rectangle 2"/>
           <p:cNvSpPr>
             <a:spLocks noGrp="1" noChangeArrowheads="1"/>
           </p:cNvSpPr>
@@ -4383,9 +4154,7 @@
             <p:ph type="ftr" sz="quarter" idx="10"/>
           </p:nvPr>
         </p:nvSpPr>
-        <p:spPr>
-          <a:ln/>
-        </p:spPr>
+        <p:spPr/>
         <p:txBody>
           <a:bodyPr/>
           <a:lstStyle>
@@ -4403,13 +4172,7 @@
       </p:sp>
       <p:sp>
         <p:nvSpPr>
-          <p:cNvPr id="5" name="Rectangle 3">
-            <a:extLst>
-              <a:ext uri="{FF2B5EF4-FFF2-40B4-BE49-F238E27FC236}">
-                <a16:creationId xmlns:a16="http://schemas.microsoft.com/office/drawing/2014/main" id="{B31758AC-22A4-4581-A976-0AD6624EC864}"/>
-              </a:ext>
-            </a:extLst>
-          </p:cNvPr>
+          <p:cNvPr id="5" name="Rectangle 3"/>
           <p:cNvSpPr>
             <a:spLocks noGrp="1" noChangeArrowheads="1"/>
           </p:cNvSpPr>
@@ -4417,9 +4180,7 @@
             <p:ph type="sldNum" sz="quarter" idx="11"/>
           </p:nvPr>
         </p:nvSpPr>
-        <p:spPr>
-          <a:ln/>
-        </p:spPr>
+        <p:spPr/>
         <p:txBody>
           <a:bodyPr/>
           <a:lstStyle>
@@ -4433,10 +4194,6 @@
             </a:pPr>
             <a:fld id="{3B78AD5F-1F6B-4F38-9054-BDFE4FB7C2EA}" type="slidenum">
               <a:rPr lang="zh-CN" altLang="en-US"/>
-              <a:pPr>
-                <a:defRPr/>
-              </a:pPr>
-              <a:t>‹#›</a:t>
             </a:fld>
             <a:endParaRPr lang="en-US" altLang="zh-CN"/>
           </a:p>
@@ -4444,13 +4201,7 @@
       </p:sp>
       <p:sp>
         <p:nvSpPr>
-          <p:cNvPr id="6" name="Rectangle 16">
-            <a:extLst>
-              <a:ext uri="{FF2B5EF4-FFF2-40B4-BE49-F238E27FC236}">
-                <a16:creationId xmlns:a16="http://schemas.microsoft.com/office/drawing/2014/main" id="{647E588E-AFA9-429A-A066-DF6EAD214282}"/>
-              </a:ext>
-            </a:extLst>
-          </p:cNvPr>
+          <p:cNvPr id="6" name="Rectangle 16"/>
           <p:cNvSpPr>
             <a:spLocks noGrp="1" noChangeArrowheads="1"/>
           </p:cNvSpPr>
@@ -4458,9 +4209,7 @@
             <p:ph type="dt" sz="half" idx="12"/>
           </p:nvPr>
         </p:nvSpPr>
-        <p:spPr>
-          <a:ln/>
-        </p:spPr>
+        <p:spPr/>
         <p:txBody>
           <a:bodyPr/>
           <a:lstStyle>
@@ -4474,21 +4223,12 @@
             </a:pPr>
             <a:fld id="{3B231808-2307-4C85-8C1B-33208B8A71A2}" type="datetimeFigureOut">
               <a:rPr lang="zh-CN" altLang="en-US"/>
-              <a:pPr>
-                <a:defRPr/>
-              </a:pPr>
-              <a:t>2022/8/29</a:t>
             </a:fld>
             <a:endParaRPr lang="en-US" altLang="zh-CN"/>
           </a:p>
         </p:txBody>
       </p:sp>
     </p:spTree>
-    <p:extLst>
-      <p:ext uri="{BB962C8B-B14F-4D97-AF65-F5344CB8AC3E}">
-        <p14:creationId xmlns:p14="http://schemas.microsoft.com/office/powerpoint/2010/main" val="3561294312"/>
-      </p:ext>
-    </p:extLst>
   </p:cSld>
   <p:clrMapOvr>
     <a:masterClrMapping/>
@@ -4699,8 +4439,6 @@
                 <a:latin typeface="Tahoma" panose="020B0604030504040204" pitchFamily="34" charset="0"/>
                 <a:ea typeface="PMingLiU" panose="02020500000000000000" pitchFamily="18" charset="-120"/>
               </a:rPr>
-              <a:pPr defTabSz="685800"/>
-              <a:t>‹#›</a:t>
             </a:fld>
             <a:endParaRPr lang="en-US" altLang="zh-CN">
               <a:solidFill>
@@ -4715,11 +4453,6 @@
         </p:txBody>
       </p:sp>
     </p:spTree>
-    <p:extLst>
-      <p:ext uri="{BB962C8B-B14F-4D97-AF65-F5344CB8AC3E}">
-        <p14:creationId xmlns:p14="http://schemas.microsoft.com/office/powerpoint/2010/main" val="3327105702"/>
-      </p:ext>
-    </p:extLst>
   </p:cSld>
   <p:clrMapOvr>
     <a:masterClrMapping/>
@@ -4787,6 +4520,7 @@
               <a:rPr lang="zh-CN" altLang="en-US"/>
               <a:t>单击此处编辑母版文本样式</a:t>
             </a:r>
+            <a:endParaRPr lang="zh-CN" altLang="en-US"/>
           </a:p>
           <a:p>
             <a:pPr lvl="1"/>
@@ -4794,6 +4528,7 @@
               <a:rPr lang="zh-CN" altLang="en-US"/>
               <a:t>第二级</a:t>
             </a:r>
+            <a:endParaRPr lang="zh-CN" altLang="en-US"/>
           </a:p>
           <a:p>
             <a:pPr lvl="2"/>
@@ -4801,6 +4536,7 @@
               <a:rPr lang="zh-CN" altLang="en-US"/>
               <a:t>第三级</a:t>
             </a:r>
+            <a:endParaRPr lang="zh-CN" altLang="en-US"/>
           </a:p>
           <a:p>
             <a:pPr lvl="3"/>
@@ -4808,6 +4544,7 @@
               <a:rPr lang="zh-CN" altLang="en-US"/>
               <a:t>第四级</a:t>
             </a:r>
+            <a:endParaRPr lang="zh-CN" altLang="en-US"/>
           </a:p>
           <a:p>
             <a:pPr lvl="4"/>
@@ -4905,8 +4642,6 @@
                 <a:latin typeface="Tahoma" panose="020B0604030504040204" pitchFamily="34" charset="0"/>
                 <a:ea typeface="PMingLiU" panose="02020500000000000000" pitchFamily="18" charset="-120"/>
               </a:rPr>
-              <a:pPr defTabSz="685800"/>
-              <a:t>‹#›</a:t>
             </a:fld>
             <a:endParaRPr lang="en-US" altLang="zh-CN">
               <a:solidFill>
@@ -4921,11 +4656,6 @@
         </p:txBody>
       </p:sp>
     </p:spTree>
-    <p:extLst>
-      <p:ext uri="{BB962C8B-B14F-4D97-AF65-F5344CB8AC3E}">
-        <p14:creationId xmlns:p14="http://schemas.microsoft.com/office/powerpoint/2010/main" val="1152068594"/>
-      </p:ext>
-    </p:extLst>
   </p:cSld>
   <p:clrMapOvr>
     <a:masterClrMapping/>
@@ -5098,6 +4828,7 @@
               <a:rPr lang="zh-CN" altLang="en-US"/>
               <a:t>单击此处编辑母版文本样式</a:t>
             </a:r>
+            <a:endParaRPr lang="zh-CN" altLang="en-US"/>
           </a:p>
         </p:txBody>
       </p:sp>
@@ -5187,8 +4918,6 @@
                 <a:latin typeface="Tahoma" panose="020B0604030504040204" pitchFamily="34" charset="0"/>
                 <a:ea typeface="PMingLiU" panose="02020500000000000000" pitchFamily="18" charset="-120"/>
               </a:rPr>
-              <a:pPr defTabSz="685800"/>
-              <a:t>‹#›</a:t>
             </a:fld>
             <a:endParaRPr lang="en-US" altLang="zh-CN">
               <a:solidFill>
@@ -5203,11 +4932,6 @@
         </p:txBody>
       </p:sp>
     </p:spTree>
-    <p:extLst>
-      <p:ext uri="{BB962C8B-B14F-4D97-AF65-F5344CB8AC3E}">
-        <p14:creationId xmlns:p14="http://schemas.microsoft.com/office/powerpoint/2010/main" val="1206662006"/>
-      </p:ext>
-    </p:extLst>
   </p:cSld>
   <p:clrMapOvr>
     <a:masterClrMapping/>
@@ -5280,6 +5004,7 @@
               <a:rPr lang="zh-CN" altLang="en-US"/>
               <a:t>单击此处编辑母版文本样式</a:t>
             </a:r>
+            <a:endParaRPr lang="zh-CN" altLang="en-US"/>
           </a:p>
           <a:p>
             <a:pPr lvl="1"/>
@@ -5287,6 +5012,7 @@
               <a:rPr lang="zh-CN" altLang="en-US"/>
               <a:t>第二级</a:t>
             </a:r>
+            <a:endParaRPr lang="zh-CN" altLang="en-US"/>
           </a:p>
           <a:p>
             <a:pPr lvl="2"/>
@@ -5294,6 +5020,7 @@
               <a:rPr lang="zh-CN" altLang="en-US"/>
               <a:t>第三级</a:t>
             </a:r>
+            <a:endParaRPr lang="zh-CN" altLang="en-US"/>
           </a:p>
           <a:p>
             <a:pPr lvl="3"/>
@@ -5301,6 +5028,7 @@
               <a:rPr lang="zh-CN" altLang="en-US"/>
               <a:t>第四级</a:t>
             </a:r>
+            <a:endParaRPr lang="zh-CN" altLang="en-US"/>
           </a:p>
           <a:p>
             <a:pPr lvl="4"/>
@@ -5337,6 +5065,7 @@
               <a:rPr lang="zh-CN" altLang="en-US"/>
               <a:t>单击此处编辑母版文本样式</a:t>
             </a:r>
+            <a:endParaRPr lang="zh-CN" altLang="en-US"/>
           </a:p>
           <a:p>
             <a:pPr lvl="1"/>
@@ -5344,6 +5073,7 @@
               <a:rPr lang="zh-CN" altLang="en-US"/>
               <a:t>第二级</a:t>
             </a:r>
+            <a:endParaRPr lang="zh-CN" altLang="en-US"/>
           </a:p>
           <a:p>
             <a:pPr lvl="2"/>
@@ -5351,6 +5081,7 @@
               <a:rPr lang="zh-CN" altLang="en-US"/>
               <a:t>第三级</a:t>
             </a:r>
+            <a:endParaRPr lang="zh-CN" altLang="en-US"/>
           </a:p>
           <a:p>
             <a:pPr lvl="3"/>
@@ -5358,6 +5089,7 @@
               <a:rPr lang="zh-CN" altLang="en-US"/>
               <a:t>第四级</a:t>
             </a:r>
+            <a:endParaRPr lang="zh-CN" altLang="en-US"/>
           </a:p>
           <a:p>
             <a:pPr lvl="4"/>
@@ -5455,8 +5187,6 @@
                 <a:latin typeface="Tahoma" panose="020B0604030504040204" pitchFamily="34" charset="0"/>
                 <a:ea typeface="PMingLiU" panose="02020500000000000000" pitchFamily="18" charset="-120"/>
               </a:rPr>
-              <a:pPr defTabSz="685800"/>
-              <a:t>‹#›</a:t>
             </a:fld>
             <a:endParaRPr lang="en-US" altLang="zh-CN">
               <a:solidFill>
@@ -5471,11 +5201,6 @@
         </p:txBody>
       </p:sp>
     </p:spTree>
-    <p:extLst>
-      <p:ext uri="{BB962C8B-B14F-4D97-AF65-F5344CB8AC3E}">
-        <p14:creationId xmlns:p14="http://schemas.microsoft.com/office/powerpoint/2010/main" val="3440121242"/>
-      </p:ext>
-    </p:extLst>
   </p:cSld>
   <p:clrMapOvr>
     <a:masterClrMapping/>
@@ -5590,6 +5315,7 @@
               <a:rPr lang="zh-CN" altLang="en-US"/>
               <a:t>单击此处编辑母版文本样式</a:t>
             </a:r>
+            <a:endParaRPr lang="zh-CN" altLang="en-US"/>
           </a:p>
         </p:txBody>
       </p:sp>
@@ -5618,6 +5344,7 @@
               <a:rPr lang="zh-CN" altLang="en-US"/>
               <a:t>单击此处编辑母版文本样式</a:t>
             </a:r>
+            <a:endParaRPr lang="zh-CN" altLang="en-US"/>
           </a:p>
           <a:p>
             <a:pPr lvl="1"/>
@@ -5625,6 +5352,7 @@
               <a:rPr lang="zh-CN" altLang="en-US"/>
               <a:t>第二级</a:t>
             </a:r>
+            <a:endParaRPr lang="zh-CN" altLang="en-US"/>
           </a:p>
           <a:p>
             <a:pPr lvl="2"/>
@@ -5632,6 +5360,7 @@
               <a:rPr lang="zh-CN" altLang="en-US"/>
               <a:t>第三级</a:t>
             </a:r>
+            <a:endParaRPr lang="zh-CN" altLang="en-US"/>
           </a:p>
           <a:p>
             <a:pPr lvl="3"/>
@@ -5639,6 +5368,7 @@
               <a:rPr lang="zh-CN" altLang="en-US"/>
               <a:t>第四级</a:t>
             </a:r>
+            <a:endParaRPr lang="zh-CN" altLang="en-US"/>
           </a:p>
           <a:p>
             <a:pPr lvl="4"/>
@@ -5712,6 +5442,7 @@
               <a:rPr lang="zh-CN" altLang="en-US"/>
               <a:t>单击此处编辑母版文本样式</a:t>
             </a:r>
+            <a:endParaRPr lang="zh-CN" altLang="en-US"/>
           </a:p>
         </p:txBody>
       </p:sp>
@@ -5740,6 +5471,7 @@
               <a:rPr lang="zh-CN" altLang="en-US"/>
               <a:t>单击此处编辑母版文本样式</a:t>
             </a:r>
+            <a:endParaRPr lang="zh-CN" altLang="en-US"/>
           </a:p>
           <a:p>
             <a:pPr lvl="1"/>
@@ -5747,6 +5479,7 @@
               <a:rPr lang="zh-CN" altLang="en-US"/>
               <a:t>第二级</a:t>
             </a:r>
+            <a:endParaRPr lang="zh-CN" altLang="en-US"/>
           </a:p>
           <a:p>
             <a:pPr lvl="2"/>
@@ -5754,6 +5487,7 @@
               <a:rPr lang="zh-CN" altLang="en-US"/>
               <a:t>第三级</a:t>
             </a:r>
+            <a:endParaRPr lang="zh-CN" altLang="en-US"/>
           </a:p>
           <a:p>
             <a:pPr lvl="3"/>
@@ -5761,6 +5495,7 @@
               <a:rPr lang="zh-CN" altLang="en-US"/>
               <a:t>第四级</a:t>
             </a:r>
+            <a:endParaRPr lang="zh-CN" altLang="en-US"/>
           </a:p>
           <a:p>
             <a:pPr lvl="4"/>
@@ -5858,8 +5593,6 @@
                 <a:latin typeface="Tahoma" panose="020B0604030504040204" pitchFamily="34" charset="0"/>
                 <a:ea typeface="PMingLiU" panose="02020500000000000000" pitchFamily="18" charset="-120"/>
               </a:rPr>
-              <a:pPr defTabSz="685800"/>
-              <a:t>‹#›</a:t>
             </a:fld>
             <a:endParaRPr lang="en-US" altLang="zh-CN">
               <a:solidFill>
@@ -5874,11 +5607,6 @@
         </p:txBody>
       </p:sp>
     </p:spTree>
-    <p:extLst>
-      <p:ext uri="{BB962C8B-B14F-4D97-AF65-F5344CB8AC3E}">
-        <p14:creationId xmlns:p14="http://schemas.microsoft.com/office/powerpoint/2010/main" val="4171118262"/>
-      </p:ext>
-    </p:extLst>
   </p:cSld>
   <p:clrMapOvr>
     <a:masterClrMapping/>
@@ -6012,8 +5740,6 @@
                 <a:latin typeface="Tahoma" panose="020B0604030504040204" pitchFamily="34" charset="0"/>
                 <a:ea typeface="PMingLiU" panose="02020500000000000000" pitchFamily="18" charset="-120"/>
               </a:rPr>
-              <a:pPr defTabSz="685800"/>
-              <a:t>‹#›</a:t>
             </a:fld>
             <a:endParaRPr lang="en-US" altLang="zh-CN">
               <a:solidFill>
@@ -6028,11 +5754,6 @@
         </p:txBody>
       </p:sp>
     </p:spTree>
-    <p:extLst>
-      <p:ext uri="{BB962C8B-B14F-4D97-AF65-F5344CB8AC3E}">
-        <p14:creationId xmlns:p14="http://schemas.microsoft.com/office/powerpoint/2010/main" val="2708493935"/>
-      </p:ext>
-    </p:extLst>
   </p:cSld>
   <p:clrMapOvr>
     <a:masterClrMapping/>
@@ -6143,8 +5864,6 @@
                 <a:latin typeface="Tahoma" panose="020B0604030504040204" pitchFamily="34" charset="0"/>
                 <a:ea typeface="PMingLiU" panose="02020500000000000000" pitchFamily="18" charset="-120"/>
               </a:rPr>
-              <a:pPr defTabSz="685800"/>
-              <a:t>‹#›</a:t>
             </a:fld>
             <a:endParaRPr lang="en-US" altLang="zh-CN">
               <a:solidFill>
@@ -6159,11 +5878,6 @@
         </p:txBody>
       </p:sp>
     </p:spTree>
-    <p:extLst>
-      <p:ext uri="{BB962C8B-B14F-4D97-AF65-F5344CB8AC3E}">
-        <p14:creationId xmlns:p14="http://schemas.microsoft.com/office/powerpoint/2010/main" val="4043004886"/>
-      </p:ext>
-    </p:extLst>
   </p:cSld>
   <p:clrMapOvr>
     <a:masterClrMapping/>
@@ -6273,6 +5987,7 @@
               <a:rPr lang="zh-CN" altLang="en-US"/>
               <a:t>单击此处编辑母版文本样式</a:t>
             </a:r>
+            <a:endParaRPr lang="zh-CN" altLang="en-US"/>
           </a:p>
           <a:p>
             <a:pPr lvl="1"/>
@@ -6280,6 +5995,7 @@
               <a:rPr lang="zh-CN" altLang="en-US"/>
               <a:t>第二级</a:t>
             </a:r>
+            <a:endParaRPr lang="zh-CN" altLang="en-US"/>
           </a:p>
           <a:p>
             <a:pPr lvl="2"/>
@@ -6287,6 +6003,7 @@
               <a:rPr lang="zh-CN" altLang="en-US"/>
               <a:t>第三级</a:t>
             </a:r>
+            <a:endParaRPr lang="zh-CN" altLang="en-US"/>
           </a:p>
           <a:p>
             <a:pPr lvl="3"/>
@@ -6294,6 +6011,7 @@
               <a:rPr lang="zh-CN" altLang="en-US"/>
               <a:t>第四级</a:t>
             </a:r>
+            <a:endParaRPr lang="zh-CN" altLang="en-US"/>
           </a:p>
           <a:p>
             <a:pPr lvl="4"/>
@@ -6367,6 +6085,7 @@
               <a:rPr lang="zh-CN" altLang="en-US"/>
               <a:t>单击此处编辑母版文本样式</a:t>
             </a:r>
+            <a:endParaRPr lang="zh-CN" altLang="en-US"/>
           </a:p>
         </p:txBody>
       </p:sp>
@@ -6456,8 +6175,6 @@
                 <a:latin typeface="Tahoma" panose="020B0604030504040204" pitchFamily="34" charset="0"/>
                 <a:ea typeface="PMingLiU" panose="02020500000000000000" pitchFamily="18" charset="-120"/>
               </a:rPr>
-              <a:pPr defTabSz="685800"/>
-              <a:t>‹#›</a:t>
             </a:fld>
             <a:endParaRPr lang="en-US" altLang="zh-CN">
               <a:solidFill>
@@ -6472,11 +6189,6 @@
         </p:txBody>
       </p:sp>
     </p:spTree>
-    <p:extLst>
-      <p:ext uri="{BB962C8B-B14F-4D97-AF65-F5344CB8AC3E}">
-        <p14:creationId xmlns:p14="http://schemas.microsoft.com/office/powerpoint/2010/main" val="3504989117"/>
-      </p:ext>
-    </p:extLst>
   </p:cSld>
   <p:clrMapOvr>
     <a:masterClrMapping/>
@@ -6520,6 +6232,7 @@
               <a:rPr lang="zh-CN" altLang="en-US"/>
               <a:t>单击此处编辑母版标题样式</a:t>
             </a:r>
+            <a:endParaRPr lang="zh-CN" altLang="en-US"/>
           </a:p>
         </p:txBody>
       </p:sp>
@@ -6543,6 +6256,7 @@
               <a:rPr lang="zh-CN" altLang="en-US"/>
               <a:t>单击此处编辑母版文本样式</a:t>
             </a:r>
+            <a:endParaRPr lang="zh-CN" altLang="en-US"/>
           </a:p>
           <a:p>
             <a:pPr lvl="1"/>
@@ -6550,6 +6264,7 @@
               <a:rPr lang="zh-CN" altLang="en-US"/>
               <a:t>第二级</a:t>
             </a:r>
+            <a:endParaRPr lang="zh-CN" altLang="en-US"/>
           </a:p>
           <a:p>
             <a:pPr lvl="2"/>
@@ -6557,6 +6272,7 @@
               <a:rPr lang="zh-CN" altLang="en-US"/>
               <a:t>第三级</a:t>
             </a:r>
+            <a:endParaRPr lang="zh-CN" altLang="en-US"/>
           </a:p>
           <a:p>
             <a:pPr lvl="3"/>
@@ -6564,6 +6280,7 @@
               <a:rPr lang="zh-CN" altLang="en-US"/>
               <a:t>第四级</a:t>
             </a:r>
+            <a:endParaRPr lang="zh-CN" altLang="en-US"/>
           </a:p>
           <a:p>
             <a:pPr lvl="4"/>
@@ -6571,18 +6288,13 @@
               <a:rPr lang="zh-CN" altLang="en-US"/>
               <a:t>第五级</a:t>
             </a:r>
+            <a:endParaRPr lang="zh-CN" altLang="en-US"/>
           </a:p>
         </p:txBody>
       </p:sp>
       <p:sp>
         <p:nvSpPr>
-          <p:cNvPr id="4" name="Rectangle 2">
-            <a:extLst>
-              <a:ext uri="{FF2B5EF4-FFF2-40B4-BE49-F238E27FC236}">
-                <a16:creationId xmlns:a16="http://schemas.microsoft.com/office/drawing/2014/main" id="{6EC256A9-4662-4845-907A-C3A9CEF8D697}"/>
-              </a:ext>
-            </a:extLst>
-          </p:cNvPr>
+          <p:cNvPr id="4" name="Rectangle 2"/>
           <p:cNvSpPr>
             <a:spLocks noGrp="1" noChangeArrowheads="1"/>
           </p:cNvSpPr>
@@ -6590,9 +6302,7 @@
             <p:ph type="ftr" sz="quarter" idx="10"/>
           </p:nvPr>
         </p:nvSpPr>
-        <p:spPr>
-          <a:ln/>
-        </p:spPr>
+        <p:spPr/>
         <p:txBody>
           <a:bodyPr/>
           <a:lstStyle>
@@ -6610,13 +6320,7 @@
       </p:sp>
       <p:sp>
         <p:nvSpPr>
-          <p:cNvPr id="5" name="Rectangle 3">
-            <a:extLst>
-              <a:ext uri="{FF2B5EF4-FFF2-40B4-BE49-F238E27FC236}">
-                <a16:creationId xmlns:a16="http://schemas.microsoft.com/office/drawing/2014/main" id="{B31758AC-22A4-4581-A976-0AD6624EC864}"/>
-              </a:ext>
-            </a:extLst>
-          </p:cNvPr>
+          <p:cNvPr id="5" name="Rectangle 3"/>
           <p:cNvSpPr>
             <a:spLocks noGrp="1" noChangeArrowheads="1"/>
           </p:cNvSpPr>
@@ -6624,9 +6328,7 @@
             <p:ph type="sldNum" sz="quarter" idx="11"/>
           </p:nvPr>
         </p:nvSpPr>
-        <p:spPr>
-          <a:ln/>
-        </p:spPr>
+        <p:spPr/>
         <p:txBody>
           <a:bodyPr/>
           <a:lstStyle>
@@ -6640,10 +6342,6 @@
             </a:pPr>
             <a:fld id="{E2EB9204-D738-40BB-8A2A-8DF4965D2BC7}" type="slidenum">
               <a:rPr lang="zh-CN" altLang="en-US"/>
-              <a:pPr>
-                <a:defRPr/>
-              </a:pPr>
-              <a:t>‹#›</a:t>
             </a:fld>
             <a:endParaRPr lang="en-US" altLang="zh-CN"/>
           </a:p>
@@ -6651,13 +6349,7 @@
       </p:sp>
       <p:sp>
         <p:nvSpPr>
-          <p:cNvPr id="6" name="Rectangle 16">
-            <a:extLst>
-              <a:ext uri="{FF2B5EF4-FFF2-40B4-BE49-F238E27FC236}">
-                <a16:creationId xmlns:a16="http://schemas.microsoft.com/office/drawing/2014/main" id="{647E588E-AFA9-429A-A066-DF6EAD214282}"/>
-              </a:ext>
-            </a:extLst>
-          </p:cNvPr>
+          <p:cNvPr id="6" name="Rectangle 16"/>
           <p:cNvSpPr>
             <a:spLocks noGrp="1" noChangeArrowheads="1"/>
           </p:cNvSpPr>
@@ -6665,9 +6357,7 @@
             <p:ph type="dt" sz="half" idx="12"/>
           </p:nvPr>
         </p:nvSpPr>
-        <p:spPr>
-          <a:ln/>
-        </p:spPr>
+        <p:spPr/>
         <p:txBody>
           <a:bodyPr/>
           <a:lstStyle>
@@ -6681,21 +6371,12 @@
             </a:pPr>
             <a:fld id="{7A3CC424-4D7F-4345-B024-37B4E48D9787}" type="datetimeFigureOut">
               <a:rPr lang="zh-CN" altLang="en-US"/>
-              <a:pPr>
-                <a:defRPr/>
-              </a:pPr>
-              <a:t>2022/8/29</a:t>
             </a:fld>
             <a:endParaRPr lang="en-US" altLang="zh-CN"/>
           </a:p>
         </p:txBody>
       </p:sp>
     </p:spTree>
-    <p:extLst>
-      <p:ext uri="{BB962C8B-B14F-4D97-AF65-F5344CB8AC3E}">
-        <p14:creationId xmlns:p14="http://schemas.microsoft.com/office/powerpoint/2010/main" val="1071784044"/>
-      </p:ext>
-    </p:extLst>
   </p:cSld>
   <p:clrMapOvr>
     <a:masterClrMapping/>
@@ -6882,6 +6563,7 @@
               <a:rPr lang="zh-CN" altLang="en-US"/>
               <a:t>单击此处编辑母版文本样式</a:t>
             </a:r>
+            <a:endParaRPr lang="zh-CN" altLang="en-US"/>
           </a:p>
         </p:txBody>
       </p:sp>
@@ -6971,8 +6653,6 @@
                 <a:latin typeface="Tahoma" panose="020B0604030504040204" pitchFamily="34" charset="0"/>
                 <a:ea typeface="PMingLiU" panose="02020500000000000000" pitchFamily="18" charset="-120"/>
               </a:rPr>
-              <a:pPr defTabSz="685800"/>
-              <a:t>‹#›</a:t>
             </a:fld>
             <a:endParaRPr lang="en-US" altLang="zh-CN">
               <a:solidFill>
@@ -6987,11 +6667,6 @@
         </p:txBody>
       </p:sp>
     </p:spTree>
-    <p:extLst>
-      <p:ext uri="{BB962C8B-B14F-4D97-AF65-F5344CB8AC3E}">
-        <p14:creationId xmlns:p14="http://schemas.microsoft.com/office/powerpoint/2010/main" val="105138511"/>
-      </p:ext>
-    </p:extLst>
   </p:cSld>
   <p:clrMapOvr>
     <a:masterClrMapping/>
@@ -7059,6 +6734,7 @@
               <a:rPr lang="zh-CN" altLang="en-US"/>
               <a:t>单击此处编辑母版文本样式</a:t>
             </a:r>
+            <a:endParaRPr lang="zh-CN" altLang="en-US"/>
           </a:p>
           <a:p>
             <a:pPr lvl="1"/>
@@ -7066,6 +6742,7 @@
               <a:rPr lang="zh-CN" altLang="en-US"/>
               <a:t>第二级</a:t>
             </a:r>
+            <a:endParaRPr lang="zh-CN" altLang="en-US"/>
           </a:p>
           <a:p>
             <a:pPr lvl="2"/>
@@ -7073,6 +6750,7 @@
               <a:rPr lang="zh-CN" altLang="en-US"/>
               <a:t>第三级</a:t>
             </a:r>
+            <a:endParaRPr lang="zh-CN" altLang="en-US"/>
           </a:p>
           <a:p>
             <a:pPr lvl="3"/>
@@ -7080,6 +6758,7 @@
               <a:rPr lang="zh-CN" altLang="en-US"/>
               <a:t>第四级</a:t>
             </a:r>
+            <a:endParaRPr lang="zh-CN" altLang="en-US"/>
           </a:p>
           <a:p>
             <a:pPr lvl="4"/>
@@ -7177,8 +6856,6 @@
                 <a:latin typeface="Tahoma" panose="020B0604030504040204" pitchFamily="34" charset="0"/>
                 <a:ea typeface="PMingLiU" panose="02020500000000000000" pitchFamily="18" charset="-120"/>
               </a:rPr>
-              <a:pPr defTabSz="685800"/>
-              <a:t>‹#›</a:t>
             </a:fld>
             <a:endParaRPr lang="en-US" altLang="zh-CN">
               <a:solidFill>
@@ -7193,11 +6870,6 @@
         </p:txBody>
       </p:sp>
     </p:spTree>
-    <p:extLst>
-      <p:ext uri="{BB962C8B-B14F-4D97-AF65-F5344CB8AC3E}">
-        <p14:creationId xmlns:p14="http://schemas.microsoft.com/office/powerpoint/2010/main" val="3127237949"/>
-      </p:ext>
-    </p:extLst>
   </p:cSld>
   <p:clrMapOvr>
     <a:masterClrMapping/>
@@ -7275,6 +6947,7 @@
               <a:rPr lang="zh-CN" altLang="en-US"/>
               <a:t>单击此处编辑母版文本样式</a:t>
             </a:r>
+            <a:endParaRPr lang="zh-CN" altLang="en-US"/>
           </a:p>
           <a:p>
             <a:pPr lvl="1"/>
@@ -7282,6 +6955,7 @@
               <a:rPr lang="zh-CN" altLang="en-US"/>
               <a:t>第二级</a:t>
             </a:r>
+            <a:endParaRPr lang="zh-CN" altLang="en-US"/>
           </a:p>
           <a:p>
             <a:pPr lvl="2"/>
@@ -7289,6 +6963,7 @@
               <a:rPr lang="zh-CN" altLang="en-US"/>
               <a:t>第三级</a:t>
             </a:r>
+            <a:endParaRPr lang="zh-CN" altLang="en-US"/>
           </a:p>
           <a:p>
             <a:pPr lvl="3"/>
@@ -7296,6 +6971,7 @@
               <a:rPr lang="zh-CN" altLang="en-US"/>
               <a:t>第四级</a:t>
             </a:r>
+            <a:endParaRPr lang="zh-CN" altLang="en-US"/>
           </a:p>
           <a:p>
             <a:pPr lvl="4"/>
@@ -7393,8 +7069,6 @@
                 <a:latin typeface="Tahoma" panose="020B0604030504040204" pitchFamily="34" charset="0"/>
                 <a:ea typeface="PMingLiU" panose="02020500000000000000" pitchFamily="18" charset="-120"/>
               </a:rPr>
-              <a:pPr defTabSz="685800"/>
-              <a:t>‹#›</a:t>
             </a:fld>
             <a:endParaRPr lang="en-US" altLang="zh-CN">
               <a:solidFill>
@@ -7409,11 +7083,6 @@
         </p:txBody>
       </p:sp>
     </p:spTree>
-    <p:extLst>
-      <p:ext uri="{BB962C8B-B14F-4D97-AF65-F5344CB8AC3E}">
-        <p14:creationId xmlns:p14="http://schemas.microsoft.com/office/powerpoint/2010/main" val="1538733955"/>
-      </p:ext>
-    </p:extLst>
   </p:cSld>
   <p:clrMapOvr>
     <a:masterClrMapping/>
@@ -7466,6 +7135,7 @@
               <a:rPr lang="zh-CN" altLang="en-US"/>
               <a:t>单击此处编辑母版标题样式</a:t>
             </a:r>
+            <a:endParaRPr lang="zh-CN" altLang="en-US"/>
           </a:p>
         </p:txBody>
       </p:sp>
@@ -7531,18 +7201,13 @@
               <a:rPr lang="zh-CN" altLang="en-US"/>
               <a:t>单击此处编辑母版文本样式</a:t>
             </a:r>
+            <a:endParaRPr lang="zh-CN" altLang="en-US"/>
           </a:p>
         </p:txBody>
       </p:sp>
       <p:sp>
         <p:nvSpPr>
-          <p:cNvPr id="4" name="Rectangle 2">
-            <a:extLst>
-              <a:ext uri="{FF2B5EF4-FFF2-40B4-BE49-F238E27FC236}">
-                <a16:creationId xmlns:a16="http://schemas.microsoft.com/office/drawing/2014/main" id="{6EC256A9-4662-4845-907A-C3A9CEF8D697}"/>
-              </a:ext>
-            </a:extLst>
-          </p:cNvPr>
+          <p:cNvPr id="4" name="Rectangle 2"/>
           <p:cNvSpPr>
             <a:spLocks noGrp="1" noChangeArrowheads="1"/>
           </p:cNvSpPr>
@@ -7550,9 +7215,7 @@
             <p:ph type="ftr" sz="quarter" idx="10"/>
           </p:nvPr>
         </p:nvSpPr>
-        <p:spPr>
-          <a:ln/>
-        </p:spPr>
+        <p:spPr/>
         <p:txBody>
           <a:bodyPr/>
           <a:lstStyle>
@@ -7570,13 +7233,7 @@
       </p:sp>
       <p:sp>
         <p:nvSpPr>
-          <p:cNvPr id="5" name="Rectangle 3">
-            <a:extLst>
-              <a:ext uri="{FF2B5EF4-FFF2-40B4-BE49-F238E27FC236}">
-                <a16:creationId xmlns:a16="http://schemas.microsoft.com/office/drawing/2014/main" id="{B31758AC-22A4-4581-A976-0AD6624EC864}"/>
-              </a:ext>
-            </a:extLst>
-          </p:cNvPr>
+          <p:cNvPr id="5" name="Rectangle 3"/>
           <p:cNvSpPr>
             <a:spLocks noGrp="1" noChangeArrowheads="1"/>
           </p:cNvSpPr>
@@ -7584,9 +7241,7 @@
             <p:ph type="sldNum" sz="quarter" idx="11"/>
           </p:nvPr>
         </p:nvSpPr>
-        <p:spPr>
-          <a:ln/>
-        </p:spPr>
+        <p:spPr/>
         <p:txBody>
           <a:bodyPr/>
           <a:lstStyle>
@@ -7600,10 +7255,6 @@
             </a:pPr>
             <a:fld id="{74BF9C8E-5246-4225-9177-24374C961E9C}" type="slidenum">
               <a:rPr lang="zh-CN" altLang="en-US"/>
-              <a:pPr>
-                <a:defRPr/>
-              </a:pPr>
-              <a:t>‹#›</a:t>
             </a:fld>
             <a:endParaRPr lang="en-US" altLang="zh-CN"/>
           </a:p>
@@ -7611,13 +7262,7 @@
       </p:sp>
       <p:sp>
         <p:nvSpPr>
-          <p:cNvPr id="6" name="Rectangle 16">
-            <a:extLst>
-              <a:ext uri="{FF2B5EF4-FFF2-40B4-BE49-F238E27FC236}">
-                <a16:creationId xmlns:a16="http://schemas.microsoft.com/office/drawing/2014/main" id="{647E588E-AFA9-429A-A066-DF6EAD214282}"/>
-              </a:ext>
-            </a:extLst>
-          </p:cNvPr>
+          <p:cNvPr id="6" name="Rectangle 16"/>
           <p:cNvSpPr>
             <a:spLocks noGrp="1" noChangeArrowheads="1"/>
           </p:cNvSpPr>
@@ -7625,9 +7270,7 @@
             <p:ph type="dt" sz="half" idx="12"/>
           </p:nvPr>
         </p:nvSpPr>
-        <p:spPr>
-          <a:ln/>
-        </p:spPr>
+        <p:spPr/>
         <p:txBody>
           <a:bodyPr/>
           <a:lstStyle>
@@ -7641,21 +7284,12 @@
             </a:pPr>
             <a:fld id="{030318DB-ED58-44E7-A07F-BA03F222CE00}" type="datetimeFigureOut">
               <a:rPr lang="zh-CN" altLang="en-US"/>
-              <a:pPr>
-                <a:defRPr/>
-              </a:pPr>
-              <a:t>2022/8/29</a:t>
             </a:fld>
             <a:endParaRPr lang="en-US" altLang="zh-CN"/>
           </a:p>
         </p:txBody>
       </p:sp>
     </p:spTree>
-    <p:extLst>
-      <p:ext uri="{BB962C8B-B14F-4D97-AF65-F5344CB8AC3E}">
-        <p14:creationId xmlns:p14="http://schemas.microsoft.com/office/powerpoint/2010/main" val="2926479738"/>
-      </p:ext>
-    </p:extLst>
   </p:cSld>
   <p:clrMapOvr>
     <a:masterClrMapping/>
@@ -7702,6 +7336,7 @@
               <a:rPr lang="zh-CN" altLang="en-US"/>
               <a:t>单击此处编辑母版标题样式</a:t>
             </a:r>
+            <a:endParaRPr lang="zh-CN" altLang="en-US"/>
           </a:p>
         </p:txBody>
       </p:sp>
@@ -7730,6 +7365,7 @@
               <a:rPr lang="zh-CN" altLang="en-US"/>
               <a:t>单击此处编辑母版文本样式</a:t>
             </a:r>
+            <a:endParaRPr lang="zh-CN" altLang="en-US"/>
           </a:p>
           <a:p>
             <a:pPr lvl="1"/>
@@ -7737,6 +7373,7 @@
               <a:rPr lang="zh-CN" altLang="en-US"/>
               <a:t>第二级</a:t>
             </a:r>
+            <a:endParaRPr lang="zh-CN" altLang="en-US"/>
           </a:p>
           <a:p>
             <a:pPr lvl="2"/>
@@ -7744,6 +7381,7 @@
               <a:rPr lang="zh-CN" altLang="en-US"/>
               <a:t>第三级</a:t>
             </a:r>
+            <a:endParaRPr lang="zh-CN" altLang="en-US"/>
           </a:p>
           <a:p>
             <a:pPr lvl="3"/>
@@ -7751,6 +7389,7 @@
               <a:rPr lang="zh-CN" altLang="en-US"/>
               <a:t>第四级</a:t>
             </a:r>
+            <a:endParaRPr lang="zh-CN" altLang="en-US"/>
           </a:p>
           <a:p>
             <a:pPr lvl="4"/>
@@ -7758,6 +7397,7 @@
               <a:rPr lang="zh-CN" altLang="en-US"/>
               <a:t>第五级</a:t>
             </a:r>
+            <a:endParaRPr lang="zh-CN" altLang="en-US"/>
           </a:p>
         </p:txBody>
       </p:sp>
@@ -7786,6 +7426,7 @@
               <a:rPr lang="zh-CN" altLang="en-US"/>
               <a:t>单击此处编辑母版文本样式</a:t>
             </a:r>
+            <a:endParaRPr lang="zh-CN" altLang="en-US"/>
           </a:p>
           <a:p>
             <a:pPr lvl="1"/>
@@ -7793,6 +7434,7 @@
               <a:rPr lang="zh-CN" altLang="en-US"/>
               <a:t>第二级</a:t>
             </a:r>
+            <a:endParaRPr lang="zh-CN" altLang="en-US"/>
           </a:p>
           <a:p>
             <a:pPr lvl="2"/>
@@ -7800,6 +7442,7 @@
               <a:rPr lang="zh-CN" altLang="en-US"/>
               <a:t>第三级</a:t>
             </a:r>
+            <a:endParaRPr lang="zh-CN" altLang="en-US"/>
           </a:p>
           <a:p>
             <a:pPr lvl="3"/>
@@ -7807,6 +7450,7 @@
               <a:rPr lang="zh-CN" altLang="en-US"/>
               <a:t>第四级</a:t>
             </a:r>
+            <a:endParaRPr lang="zh-CN" altLang="en-US"/>
           </a:p>
           <a:p>
             <a:pPr lvl="4"/>
@@ -7814,18 +7458,13 @@
               <a:rPr lang="zh-CN" altLang="en-US"/>
               <a:t>第五级</a:t>
             </a:r>
+            <a:endParaRPr lang="zh-CN" altLang="en-US"/>
           </a:p>
         </p:txBody>
       </p:sp>
       <p:sp>
         <p:nvSpPr>
-          <p:cNvPr id="5" name="Rectangle 2">
-            <a:extLst>
-              <a:ext uri="{FF2B5EF4-FFF2-40B4-BE49-F238E27FC236}">
-                <a16:creationId xmlns:a16="http://schemas.microsoft.com/office/drawing/2014/main" id="{6EC256A9-4662-4845-907A-C3A9CEF8D697}"/>
-              </a:ext>
-            </a:extLst>
-          </p:cNvPr>
+          <p:cNvPr id="5" name="Rectangle 2"/>
           <p:cNvSpPr>
             <a:spLocks noGrp="1" noChangeArrowheads="1"/>
           </p:cNvSpPr>
@@ -7833,9 +7472,7 @@
             <p:ph type="ftr" sz="quarter" idx="10"/>
           </p:nvPr>
         </p:nvSpPr>
-        <p:spPr>
-          <a:ln/>
-        </p:spPr>
+        <p:spPr/>
         <p:txBody>
           <a:bodyPr/>
           <a:lstStyle>
@@ -7853,13 +7490,7 @@
       </p:sp>
       <p:sp>
         <p:nvSpPr>
-          <p:cNvPr id="6" name="Rectangle 3">
-            <a:extLst>
-              <a:ext uri="{FF2B5EF4-FFF2-40B4-BE49-F238E27FC236}">
-                <a16:creationId xmlns:a16="http://schemas.microsoft.com/office/drawing/2014/main" id="{B31758AC-22A4-4581-A976-0AD6624EC864}"/>
-              </a:ext>
-            </a:extLst>
-          </p:cNvPr>
+          <p:cNvPr id="6" name="Rectangle 3"/>
           <p:cNvSpPr>
             <a:spLocks noGrp="1" noChangeArrowheads="1"/>
           </p:cNvSpPr>
@@ -7867,9 +7498,7 @@
             <p:ph type="sldNum" sz="quarter" idx="11"/>
           </p:nvPr>
         </p:nvSpPr>
-        <p:spPr>
-          <a:ln/>
-        </p:spPr>
+        <p:spPr/>
         <p:txBody>
           <a:bodyPr/>
           <a:lstStyle>
@@ -7883,10 +7512,6 @@
             </a:pPr>
             <a:fld id="{CD19EF8A-CBAA-4D8E-A940-A9D104F5A120}" type="slidenum">
               <a:rPr lang="zh-CN" altLang="en-US"/>
-              <a:pPr>
-                <a:defRPr/>
-              </a:pPr>
-              <a:t>‹#›</a:t>
             </a:fld>
             <a:endParaRPr lang="en-US" altLang="zh-CN"/>
           </a:p>
@@ -7894,13 +7519,7 @@
       </p:sp>
       <p:sp>
         <p:nvSpPr>
-          <p:cNvPr id="7" name="Rectangle 16">
-            <a:extLst>
-              <a:ext uri="{FF2B5EF4-FFF2-40B4-BE49-F238E27FC236}">
-                <a16:creationId xmlns:a16="http://schemas.microsoft.com/office/drawing/2014/main" id="{647E588E-AFA9-429A-A066-DF6EAD214282}"/>
-              </a:ext>
-            </a:extLst>
-          </p:cNvPr>
+          <p:cNvPr id="7" name="Rectangle 16"/>
           <p:cNvSpPr>
             <a:spLocks noGrp="1" noChangeArrowheads="1"/>
           </p:cNvSpPr>
@@ -7908,9 +7527,7 @@
             <p:ph type="dt" sz="half" idx="12"/>
           </p:nvPr>
         </p:nvSpPr>
-        <p:spPr>
-          <a:ln/>
-        </p:spPr>
+        <p:spPr/>
         <p:txBody>
           <a:bodyPr/>
           <a:lstStyle>
@@ -7924,21 +7541,12 @@
             </a:pPr>
             <a:fld id="{8F7F1730-6447-4BBB-8C0D-358017CFCF43}" type="datetimeFigureOut">
               <a:rPr lang="zh-CN" altLang="en-US"/>
-              <a:pPr>
-                <a:defRPr/>
-              </a:pPr>
-              <a:t>2022/8/29</a:t>
             </a:fld>
             <a:endParaRPr lang="en-US" altLang="zh-CN"/>
           </a:p>
         </p:txBody>
       </p:sp>
     </p:spTree>
-    <p:extLst>
-      <p:ext uri="{BB962C8B-B14F-4D97-AF65-F5344CB8AC3E}">
-        <p14:creationId xmlns:p14="http://schemas.microsoft.com/office/powerpoint/2010/main" val="2389543130"/>
-      </p:ext>
-    </p:extLst>
   </p:cSld>
   <p:clrMapOvr>
     <a:masterClrMapping/>
@@ -7990,6 +7598,7 @@
               <a:rPr lang="zh-CN" altLang="en-US"/>
               <a:t>单击此处编辑母版标题样式</a:t>
             </a:r>
+            <a:endParaRPr lang="zh-CN" altLang="en-US"/>
           </a:p>
         </p:txBody>
       </p:sp>
@@ -8055,6 +7664,7 @@
               <a:rPr lang="zh-CN" altLang="en-US"/>
               <a:t>单击此处编辑母版文本样式</a:t>
             </a:r>
+            <a:endParaRPr lang="zh-CN" altLang="en-US"/>
           </a:p>
         </p:txBody>
       </p:sp>
@@ -8083,6 +7693,7 @@
               <a:rPr lang="zh-CN" altLang="en-US"/>
               <a:t>单击此处编辑母版文本样式</a:t>
             </a:r>
+            <a:endParaRPr lang="zh-CN" altLang="en-US"/>
           </a:p>
           <a:p>
             <a:pPr lvl="1"/>
@@ -8090,6 +7701,7 @@
               <a:rPr lang="zh-CN" altLang="en-US"/>
               <a:t>第二级</a:t>
             </a:r>
+            <a:endParaRPr lang="zh-CN" altLang="en-US"/>
           </a:p>
           <a:p>
             <a:pPr lvl="2"/>
@@ -8097,6 +7709,7 @@
               <a:rPr lang="zh-CN" altLang="en-US"/>
               <a:t>第三级</a:t>
             </a:r>
+            <a:endParaRPr lang="zh-CN" altLang="en-US"/>
           </a:p>
           <a:p>
             <a:pPr lvl="3"/>
@@ -8104,6 +7717,7 @@
               <a:rPr lang="zh-CN" altLang="en-US"/>
               <a:t>第四级</a:t>
             </a:r>
+            <a:endParaRPr lang="zh-CN" altLang="en-US"/>
           </a:p>
           <a:p>
             <a:pPr lvl="4"/>
@@ -8111,6 +7725,7 @@
               <a:rPr lang="zh-CN" altLang="en-US"/>
               <a:t>第五级</a:t>
             </a:r>
+            <a:endParaRPr lang="zh-CN" altLang="en-US"/>
           </a:p>
         </p:txBody>
       </p:sp>
@@ -8176,6 +7791,7 @@
               <a:rPr lang="zh-CN" altLang="en-US"/>
               <a:t>单击此处编辑母版文本样式</a:t>
             </a:r>
+            <a:endParaRPr lang="zh-CN" altLang="en-US"/>
           </a:p>
         </p:txBody>
       </p:sp>
@@ -8204,6 +7820,7 @@
               <a:rPr lang="zh-CN" altLang="en-US"/>
               <a:t>单击此处编辑母版文本样式</a:t>
             </a:r>
+            <a:endParaRPr lang="zh-CN" altLang="en-US"/>
           </a:p>
           <a:p>
             <a:pPr lvl="1"/>
@@ -8211,6 +7828,7 @@
               <a:rPr lang="zh-CN" altLang="en-US"/>
               <a:t>第二级</a:t>
             </a:r>
+            <a:endParaRPr lang="zh-CN" altLang="en-US"/>
           </a:p>
           <a:p>
             <a:pPr lvl="2"/>
@@ -8218,6 +7836,7 @@
               <a:rPr lang="zh-CN" altLang="en-US"/>
               <a:t>第三级</a:t>
             </a:r>
+            <a:endParaRPr lang="zh-CN" altLang="en-US"/>
           </a:p>
           <a:p>
             <a:pPr lvl="3"/>
@@ -8225,6 +7844,7 @@
               <a:rPr lang="zh-CN" altLang="en-US"/>
               <a:t>第四级</a:t>
             </a:r>
+            <a:endParaRPr lang="zh-CN" altLang="en-US"/>
           </a:p>
           <a:p>
             <a:pPr lvl="4"/>
@@ -8232,18 +7852,13 @@
               <a:rPr lang="zh-CN" altLang="en-US"/>
               <a:t>第五级</a:t>
             </a:r>
+            <a:endParaRPr lang="zh-CN" altLang="en-US"/>
           </a:p>
         </p:txBody>
       </p:sp>
       <p:sp>
         <p:nvSpPr>
-          <p:cNvPr id="7" name="Rectangle 2">
-            <a:extLst>
-              <a:ext uri="{FF2B5EF4-FFF2-40B4-BE49-F238E27FC236}">
-                <a16:creationId xmlns:a16="http://schemas.microsoft.com/office/drawing/2014/main" id="{6EC256A9-4662-4845-907A-C3A9CEF8D697}"/>
-              </a:ext>
-            </a:extLst>
-          </p:cNvPr>
+          <p:cNvPr id="7" name="Rectangle 2"/>
           <p:cNvSpPr>
             <a:spLocks noGrp="1" noChangeArrowheads="1"/>
           </p:cNvSpPr>
@@ -8251,9 +7866,7 @@
             <p:ph type="ftr" sz="quarter" idx="10"/>
           </p:nvPr>
         </p:nvSpPr>
-        <p:spPr>
-          <a:ln/>
-        </p:spPr>
+        <p:spPr/>
         <p:txBody>
           <a:bodyPr/>
           <a:lstStyle>
@@ -8271,13 +7884,7 @@
       </p:sp>
       <p:sp>
         <p:nvSpPr>
-          <p:cNvPr id="8" name="Rectangle 3">
-            <a:extLst>
-              <a:ext uri="{FF2B5EF4-FFF2-40B4-BE49-F238E27FC236}">
-                <a16:creationId xmlns:a16="http://schemas.microsoft.com/office/drawing/2014/main" id="{B31758AC-22A4-4581-A976-0AD6624EC864}"/>
-              </a:ext>
-            </a:extLst>
-          </p:cNvPr>
+          <p:cNvPr id="8" name="Rectangle 3"/>
           <p:cNvSpPr>
             <a:spLocks noGrp="1" noChangeArrowheads="1"/>
           </p:cNvSpPr>
@@ -8285,9 +7892,7 @@
             <p:ph type="sldNum" sz="quarter" idx="11"/>
           </p:nvPr>
         </p:nvSpPr>
-        <p:spPr>
-          <a:ln/>
-        </p:spPr>
+        <p:spPr/>
         <p:txBody>
           <a:bodyPr/>
           <a:lstStyle>
@@ -8301,10 +7906,6 @@
             </a:pPr>
             <a:fld id="{57A68213-BB7C-4218-AF6B-18DB1066AEBC}" type="slidenum">
               <a:rPr lang="zh-CN" altLang="en-US"/>
-              <a:pPr>
-                <a:defRPr/>
-              </a:pPr>
-              <a:t>‹#›</a:t>
             </a:fld>
             <a:endParaRPr lang="en-US" altLang="zh-CN"/>
           </a:p>
@@ -8312,13 +7913,7 @@
       </p:sp>
       <p:sp>
         <p:nvSpPr>
-          <p:cNvPr id="9" name="Rectangle 16">
-            <a:extLst>
-              <a:ext uri="{FF2B5EF4-FFF2-40B4-BE49-F238E27FC236}">
-                <a16:creationId xmlns:a16="http://schemas.microsoft.com/office/drawing/2014/main" id="{647E588E-AFA9-429A-A066-DF6EAD214282}"/>
-              </a:ext>
-            </a:extLst>
-          </p:cNvPr>
+          <p:cNvPr id="9" name="Rectangle 16"/>
           <p:cNvSpPr>
             <a:spLocks noGrp="1" noChangeArrowheads="1"/>
           </p:cNvSpPr>
@@ -8326,9 +7921,7 @@
             <p:ph type="dt" sz="half" idx="12"/>
           </p:nvPr>
         </p:nvSpPr>
-        <p:spPr>
-          <a:ln/>
-        </p:spPr>
+        <p:spPr/>
         <p:txBody>
           <a:bodyPr/>
           <a:lstStyle>
@@ -8342,21 +7935,12 @@
             </a:pPr>
             <a:fld id="{51578110-6FAF-4562-AD6B-B52B79409EE2}" type="datetimeFigureOut">
               <a:rPr lang="zh-CN" altLang="en-US"/>
-              <a:pPr>
-                <a:defRPr/>
-              </a:pPr>
-              <a:t>2022/8/29</a:t>
             </a:fld>
             <a:endParaRPr lang="en-US" altLang="zh-CN"/>
           </a:p>
         </p:txBody>
       </p:sp>
     </p:spTree>
-    <p:extLst>
-      <p:ext uri="{BB962C8B-B14F-4D97-AF65-F5344CB8AC3E}">
-        <p14:creationId xmlns:p14="http://schemas.microsoft.com/office/powerpoint/2010/main" val="3855035980"/>
-      </p:ext>
-    </p:extLst>
   </p:cSld>
   <p:clrMapOvr>
     <a:masterClrMapping/>
@@ -8403,18 +7987,13 @@
               <a:rPr lang="zh-CN" altLang="en-US"/>
               <a:t>单击此处编辑母版标题样式</a:t>
             </a:r>
+            <a:endParaRPr lang="zh-CN" altLang="en-US"/>
           </a:p>
         </p:txBody>
       </p:sp>
       <p:sp>
         <p:nvSpPr>
-          <p:cNvPr id="3" name="Rectangle 2">
-            <a:extLst>
-              <a:ext uri="{FF2B5EF4-FFF2-40B4-BE49-F238E27FC236}">
-                <a16:creationId xmlns:a16="http://schemas.microsoft.com/office/drawing/2014/main" id="{6EC256A9-4662-4845-907A-C3A9CEF8D697}"/>
-              </a:ext>
-            </a:extLst>
-          </p:cNvPr>
+          <p:cNvPr id="3" name="Rectangle 2"/>
           <p:cNvSpPr>
             <a:spLocks noGrp="1" noChangeArrowheads="1"/>
           </p:cNvSpPr>
@@ -8422,9 +8001,7 @@
             <p:ph type="ftr" sz="quarter" idx="10"/>
           </p:nvPr>
         </p:nvSpPr>
-        <p:spPr>
-          <a:ln/>
-        </p:spPr>
+        <p:spPr/>
         <p:txBody>
           <a:bodyPr/>
           <a:lstStyle>
@@ -8442,13 +8019,7 @@
       </p:sp>
       <p:sp>
         <p:nvSpPr>
-          <p:cNvPr id="4" name="Rectangle 3">
-            <a:extLst>
-              <a:ext uri="{FF2B5EF4-FFF2-40B4-BE49-F238E27FC236}">
-                <a16:creationId xmlns:a16="http://schemas.microsoft.com/office/drawing/2014/main" id="{B31758AC-22A4-4581-A976-0AD6624EC864}"/>
-              </a:ext>
-            </a:extLst>
-          </p:cNvPr>
+          <p:cNvPr id="4" name="Rectangle 3"/>
           <p:cNvSpPr>
             <a:spLocks noGrp="1" noChangeArrowheads="1"/>
           </p:cNvSpPr>
@@ -8456,9 +8027,7 @@
             <p:ph type="sldNum" sz="quarter" idx="11"/>
           </p:nvPr>
         </p:nvSpPr>
-        <p:spPr>
-          <a:ln/>
-        </p:spPr>
+        <p:spPr/>
         <p:txBody>
           <a:bodyPr/>
           <a:lstStyle>
@@ -8472,10 +8041,6 @@
             </a:pPr>
             <a:fld id="{093A84C8-CED7-433F-AE30-070254740F5F}" type="slidenum">
               <a:rPr lang="zh-CN" altLang="en-US"/>
-              <a:pPr>
-                <a:defRPr/>
-              </a:pPr>
-              <a:t>‹#›</a:t>
             </a:fld>
             <a:endParaRPr lang="en-US" altLang="zh-CN"/>
           </a:p>
@@ -8483,13 +8048,7 @@
       </p:sp>
       <p:sp>
         <p:nvSpPr>
-          <p:cNvPr id="5" name="Rectangle 16">
-            <a:extLst>
-              <a:ext uri="{FF2B5EF4-FFF2-40B4-BE49-F238E27FC236}">
-                <a16:creationId xmlns:a16="http://schemas.microsoft.com/office/drawing/2014/main" id="{647E588E-AFA9-429A-A066-DF6EAD214282}"/>
-              </a:ext>
-            </a:extLst>
-          </p:cNvPr>
+          <p:cNvPr id="5" name="Rectangle 16"/>
           <p:cNvSpPr>
             <a:spLocks noGrp="1" noChangeArrowheads="1"/>
           </p:cNvSpPr>
@@ -8497,9 +8056,7 @@
             <p:ph type="dt" sz="half" idx="12"/>
           </p:nvPr>
         </p:nvSpPr>
-        <p:spPr>
-          <a:ln/>
-        </p:spPr>
+        <p:spPr/>
         <p:txBody>
           <a:bodyPr/>
           <a:lstStyle>
@@ -8513,21 +8070,12 @@
             </a:pPr>
             <a:fld id="{AF718E84-CE16-4FBA-83EA-F5E3222D894C}" type="datetimeFigureOut">
               <a:rPr lang="zh-CN" altLang="en-US"/>
-              <a:pPr>
-                <a:defRPr/>
-              </a:pPr>
-              <a:t>2022/8/29</a:t>
             </a:fld>
             <a:endParaRPr lang="en-US" altLang="zh-CN"/>
           </a:p>
         </p:txBody>
       </p:sp>
     </p:spTree>
-    <p:extLst>
-      <p:ext uri="{BB962C8B-B14F-4D97-AF65-F5344CB8AC3E}">
-        <p14:creationId xmlns:p14="http://schemas.microsoft.com/office/powerpoint/2010/main" val="3499914914"/>
-      </p:ext>
-    </p:extLst>
   </p:cSld>
   <p:clrMapOvr>
     <a:masterClrMapping/>
@@ -8557,13 +8105,7 @@
       </p:grpSpPr>
       <p:sp>
         <p:nvSpPr>
-          <p:cNvPr id="2" name="Rectangle 2">
-            <a:extLst>
-              <a:ext uri="{FF2B5EF4-FFF2-40B4-BE49-F238E27FC236}">
-                <a16:creationId xmlns:a16="http://schemas.microsoft.com/office/drawing/2014/main" id="{6EC256A9-4662-4845-907A-C3A9CEF8D697}"/>
-              </a:ext>
-            </a:extLst>
-          </p:cNvPr>
+          <p:cNvPr id="2" name="Rectangle 2"/>
           <p:cNvSpPr>
             <a:spLocks noGrp="1" noChangeArrowheads="1"/>
           </p:cNvSpPr>
@@ -8571,9 +8113,7 @@
             <p:ph type="ftr" sz="quarter" idx="10"/>
           </p:nvPr>
         </p:nvSpPr>
-        <p:spPr>
-          <a:ln/>
-        </p:spPr>
+        <p:spPr/>
         <p:txBody>
           <a:bodyPr/>
           <a:lstStyle>
@@ -8591,13 +8131,7 @@
       </p:sp>
       <p:sp>
         <p:nvSpPr>
-          <p:cNvPr id="3" name="Rectangle 3">
-            <a:extLst>
-              <a:ext uri="{FF2B5EF4-FFF2-40B4-BE49-F238E27FC236}">
-                <a16:creationId xmlns:a16="http://schemas.microsoft.com/office/drawing/2014/main" id="{B31758AC-22A4-4581-A976-0AD6624EC864}"/>
-              </a:ext>
-            </a:extLst>
-          </p:cNvPr>
+          <p:cNvPr id="3" name="Rectangle 3"/>
           <p:cNvSpPr>
             <a:spLocks noGrp="1" noChangeArrowheads="1"/>
           </p:cNvSpPr>
@@ -8605,9 +8139,7 @@
             <p:ph type="sldNum" sz="quarter" idx="11"/>
           </p:nvPr>
         </p:nvSpPr>
-        <p:spPr>
-          <a:ln/>
-        </p:spPr>
+        <p:spPr/>
         <p:txBody>
           <a:bodyPr/>
           <a:lstStyle>
@@ -8621,10 +8153,6 @@
             </a:pPr>
             <a:fld id="{4BC240B4-3CD1-4907-B085-BF39DC586179}" type="slidenum">
               <a:rPr lang="zh-CN" altLang="en-US"/>
-              <a:pPr>
-                <a:defRPr/>
-              </a:pPr>
-              <a:t>‹#›</a:t>
             </a:fld>
             <a:endParaRPr lang="en-US" altLang="zh-CN"/>
           </a:p>
@@ -8632,13 +8160,7 @@
       </p:sp>
       <p:sp>
         <p:nvSpPr>
-          <p:cNvPr id="4" name="Rectangle 16">
-            <a:extLst>
-              <a:ext uri="{FF2B5EF4-FFF2-40B4-BE49-F238E27FC236}">
-                <a16:creationId xmlns:a16="http://schemas.microsoft.com/office/drawing/2014/main" id="{647E588E-AFA9-429A-A066-DF6EAD214282}"/>
-              </a:ext>
-            </a:extLst>
-          </p:cNvPr>
+          <p:cNvPr id="4" name="Rectangle 16"/>
           <p:cNvSpPr>
             <a:spLocks noGrp="1" noChangeArrowheads="1"/>
           </p:cNvSpPr>
@@ -8646,9 +8168,7 @@
             <p:ph type="dt" sz="half" idx="12"/>
           </p:nvPr>
         </p:nvSpPr>
-        <p:spPr>
-          <a:ln/>
-        </p:spPr>
+        <p:spPr/>
         <p:txBody>
           <a:bodyPr/>
           <a:lstStyle>
@@ -8662,21 +8182,12 @@
             </a:pPr>
             <a:fld id="{E501BC0E-D2D9-4636-82C3-E86B2709AB0D}" type="datetimeFigureOut">
               <a:rPr lang="zh-CN" altLang="en-US"/>
-              <a:pPr>
-                <a:defRPr/>
-              </a:pPr>
-              <a:t>2022/8/29</a:t>
             </a:fld>
             <a:endParaRPr lang="en-US" altLang="zh-CN"/>
           </a:p>
         </p:txBody>
       </p:sp>
     </p:spTree>
-    <p:extLst>
-      <p:ext uri="{BB962C8B-B14F-4D97-AF65-F5344CB8AC3E}">
-        <p14:creationId xmlns:p14="http://schemas.microsoft.com/office/powerpoint/2010/main" val="1610139181"/>
-      </p:ext>
-    </p:extLst>
   </p:cSld>
   <p:clrMapOvr>
     <a:masterClrMapping/>
@@ -8732,6 +8243,7 @@
               <a:rPr lang="zh-CN" altLang="en-US"/>
               <a:t>单击此处编辑母版标题样式</a:t>
             </a:r>
+            <a:endParaRPr lang="zh-CN" altLang="en-US"/>
           </a:p>
         </p:txBody>
       </p:sp>
@@ -8788,6 +8300,7 @@
               <a:rPr lang="zh-CN" altLang="en-US"/>
               <a:t>单击此处编辑母版文本样式</a:t>
             </a:r>
+            <a:endParaRPr lang="zh-CN" altLang="en-US"/>
           </a:p>
           <a:p>
             <a:pPr lvl="1"/>
@@ -8795,6 +8308,7 @@
               <a:rPr lang="zh-CN" altLang="en-US"/>
               <a:t>第二级</a:t>
             </a:r>
+            <a:endParaRPr lang="zh-CN" altLang="en-US"/>
           </a:p>
           <a:p>
             <a:pPr lvl="2"/>
@@ -8802,6 +8316,7 @@
               <a:rPr lang="zh-CN" altLang="en-US"/>
               <a:t>第三级</a:t>
             </a:r>
+            <a:endParaRPr lang="zh-CN" altLang="en-US"/>
           </a:p>
           <a:p>
             <a:pPr lvl="3"/>
@@ -8809,6 +8324,7 @@
               <a:rPr lang="zh-CN" altLang="en-US"/>
               <a:t>第四级</a:t>
             </a:r>
+            <a:endParaRPr lang="zh-CN" altLang="en-US"/>
           </a:p>
           <a:p>
             <a:pPr lvl="4"/>
@@ -8816,6 +8332,7 @@
               <a:rPr lang="zh-CN" altLang="en-US"/>
               <a:t>第五级</a:t>
             </a:r>
+            <a:endParaRPr lang="zh-CN" altLang="en-US"/>
           </a:p>
         </p:txBody>
       </p:sp>
@@ -8881,18 +8398,13 @@
               <a:rPr lang="zh-CN" altLang="en-US"/>
               <a:t>单击此处编辑母版文本样式</a:t>
             </a:r>
+            <a:endParaRPr lang="zh-CN" altLang="en-US"/>
           </a:p>
         </p:txBody>
       </p:sp>
       <p:sp>
         <p:nvSpPr>
-          <p:cNvPr id="5" name="Rectangle 2">
-            <a:extLst>
-              <a:ext uri="{FF2B5EF4-FFF2-40B4-BE49-F238E27FC236}">
-                <a16:creationId xmlns:a16="http://schemas.microsoft.com/office/drawing/2014/main" id="{6EC256A9-4662-4845-907A-C3A9CEF8D697}"/>
-              </a:ext>
-            </a:extLst>
-          </p:cNvPr>
+          <p:cNvPr id="5" name="Rectangle 2"/>
           <p:cNvSpPr>
             <a:spLocks noGrp="1" noChangeArrowheads="1"/>
           </p:cNvSpPr>
@@ -8900,9 +8412,7 @@
             <p:ph type="ftr" sz="quarter" idx="10"/>
           </p:nvPr>
         </p:nvSpPr>
-        <p:spPr>
-          <a:ln/>
-        </p:spPr>
+        <p:spPr/>
         <p:txBody>
           <a:bodyPr/>
           <a:lstStyle>
@@ -8920,13 +8430,7 @@
       </p:sp>
       <p:sp>
         <p:nvSpPr>
-          <p:cNvPr id="6" name="Rectangle 3">
-            <a:extLst>
-              <a:ext uri="{FF2B5EF4-FFF2-40B4-BE49-F238E27FC236}">
-                <a16:creationId xmlns:a16="http://schemas.microsoft.com/office/drawing/2014/main" id="{B31758AC-22A4-4581-A976-0AD6624EC864}"/>
-              </a:ext>
-            </a:extLst>
-          </p:cNvPr>
+          <p:cNvPr id="6" name="Rectangle 3"/>
           <p:cNvSpPr>
             <a:spLocks noGrp="1" noChangeArrowheads="1"/>
           </p:cNvSpPr>
@@ -8934,9 +8438,7 @@
             <p:ph type="sldNum" sz="quarter" idx="11"/>
           </p:nvPr>
         </p:nvSpPr>
-        <p:spPr>
-          <a:ln/>
-        </p:spPr>
+        <p:spPr/>
         <p:txBody>
           <a:bodyPr/>
           <a:lstStyle>
@@ -8950,10 +8452,6 @@
             </a:pPr>
             <a:fld id="{0D5770FB-B0D0-4527-939E-A4FCF2889608}" type="slidenum">
               <a:rPr lang="zh-CN" altLang="en-US"/>
-              <a:pPr>
-                <a:defRPr/>
-              </a:pPr>
-              <a:t>‹#›</a:t>
             </a:fld>
             <a:endParaRPr lang="en-US" altLang="zh-CN"/>
           </a:p>
@@ -8961,13 +8459,7 @@
       </p:sp>
       <p:sp>
         <p:nvSpPr>
-          <p:cNvPr id="7" name="Rectangle 16">
-            <a:extLst>
-              <a:ext uri="{FF2B5EF4-FFF2-40B4-BE49-F238E27FC236}">
-                <a16:creationId xmlns:a16="http://schemas.microsoft.com/office/drawing/2014/main" id="{647E588E-AFA9-429A-A066-DF6EAD214282}"/>
-              </a:ext>
-            </a:extLst>
-          </p:cNvPr>
+          <p:cNvPr id="7" name="Rectangle 16"/>
           <p:cNvSpPr>
             <a:spLocks noGrp="1" noChangeArrowheads="1"/>
           </p:cNvSpPr>
@@ -8975,9 +8467,7 @@
             <p:ph type="dt" sz="half" idx="12"/>
           </p:nvPr>
         </p:nvSpPr>
-        <p:spPr>
-          <a:ln/>
-        </p:spPr>
+        <p:spPr/>
         <p:txBody>
           <a:bodyPr/>
           <a:lstStyle>
@@ -8991,21 +8481,12 @@
             </a:pPr>
             <a:fld id="{2C7EDB88-320F-4FC8-BFFD-C7622442E03F}" type="datetimeFigureOut">
               <a:rPr lang="zh-CN" altLang="en-US"/>
-              <a:pPr>
-                <a:defRPr/>
-              </a:pPr>
-              <a:t>2022/8/29</a:t>
             </a:fld>
             <a:endParaRPr lang="en-US" altLang="zh-CN"/>
           </a:p>
         </p:txBody>
       </p:sp>
     </p:spTree>
-    <p:extLst>
-      <p:ext uri="{BB962C8B-B14F-4D97-AF65-F5344CB8AC3E}">
-        <p14:creationId xmlns:p14="http://schemas.microsoft.com/office/powerpoint/2010/main" val="1351282780"/>
-      </p:ext>
-    </p:extLst>
   </p:cSld>
   <p:clrMapOvr>
     <a:masterClrMapping/>
@@ -9061,6 +8542,7 @@
               <a:rPr lang="zh-CN" altLang="en-US"/>
               <a:t>单击此处编辑母版标题样式</a:t>
             </a:r>
+            <a:endParaRPr lang="zh-CN" altLang="en-US"/>
           </a:p>
         </p:txBody>
       </p:sp>
@@ -9188,18 +8670,13 @@
               <a:rPr lang="zh-CN" altLang="en-US"/>
               <a:t>单击此处编辑母版文本样式</a:t>
             </a:r>
+            <a:endParaRPr lang="zh-CN" altLang="en-US"/>
           </a:p>
         </p:txBody>
       </p:sp>
       <p:sp>
         <p:nvSpPr>
-          <p:cNvPr id="5" name="Rectangle 2">
-            <a:extLst>
-              <a:ext uri="{FF2B5EF4-FFF2-40B4-BE49-F238E27FC236}">
-                <a16:creationId xmlns:a16="http://schemas.microsoft.com/office/drawing/2014/main" id="{6EC256A9-4662-4845-907A-C3A9CEF8D697}"/>
-              </a:ext>
-            </a:extLst>
-          </p:cNvPr>
+          <p:cNvPr id="5" name="Rectangle 2"/>
           <p:cNvSpPr>
             <a:spLocks noGrp="1" noChangeArrowheads="1"/>
           </p:cNvSpPr>
@@ -9207,9 +8684,7 @@
             <p:ph type="ftr" sz="quarter" idx="10"/>
           </p:nvPr>
         </p:nvSpPr>
-        <p:spPr>
-          <a:ln/>
-        </p:spPr>
+        <p:spPr/>
         <p:txBody>
           <a:bodyPr/>
           <a:lstStyle>
@@ -9227,13 +8702,7 @@
       </p:sp>
       <p:sp>
         <p:nvSpPr>
-          <p:cNvPr id="6" name="Rectangle 3">
-            <a:extLst>
-              <a:ext uri="{FF2B5EF4-FFF2-40B4-BE49-F238E27FC236}">
-                <a16:creationId xmlns:a16="http://schemas.microsoft.com/office/drawing/2014/main" id="{B31758AC-22A4-4581-A976-0AD6624EC864}"/>
-              </a:ext>
-            </a:extLst>
-          </p:cNvPr>
+          <p:cNvPr id="6" name="Rectangle 3"/>
           <p:cNvSpPr>
             <a:spLocks noGrp="1" noChangeArrowheads="1"/>
           </p:cNvSpPr>
@@ -9241,9 +8710,7 @@
             <p:ph type="sldNum" sz="quarter" idx="11"/>
           </p:nvPr>
         </p:nvSpPr>
-        <p:spPr>
-          <a:ln/>
-        </p:spPr>
+        <p:spPr/>
         <p:txBody>
           <a:bodyPr/>
           <a:lstStyle>
@@ -9257,10 +8724,6 @@
             </a:pPr>
             <a:fld id="{E2731EC2-20FD-4771-B98E-6F2F2992A216}" type="slidenum">
               <a:rPr lang="zh-CN" altLang="en-US"/>
-              <a:pPr>
-                <a:defRPr/>
-              </a:pPr>
-              <a:t>‹#›</a:t>
             </a:fld>
             <a:endParaRPr lang="en-US" altLang="zh-CN"/>
           </a:p>
@@ -9268,13 +8731,7 @@
       </p:sp>
       <p:sp>
         <p:nvSpPr>
-          <p:cNvPr id="7" name="Rectangle 16">
-            <a:extLst>
-              <a:ext uri="{FF2B5EF4-FFF2-40B4-BE49-F238E27FC236}">
-                <a16:creationId xmlns:a16="http://schemas.microsoft.com/office/drawing/2014/main" id="{647E588E-AFA9-429A-A066-DF6EAD214282}"/>
-              </a:ext>
-            </a:extLst>
-          </p:cNvPr>
+          <p:cNvPr id="7" name="Rectangle 16"/>
           <p:cNvSpPr>
             <a:spLocks noGrp="1" noChangeArrowheads="1"/>
           </p:cNvSpPr>
@@ -9282,9 +8739,7 @@
             <p:ph type="dt" sz="half" idx="12"/>
           </p:nvPr>
         </p:nvSpPr>
-        <p:spPr>
-          <a:ln/>
-        </p:spPr>
+        <p:spPr/>
         <p:txBody>
           <a:bodyPr/>
           <a:lstStyle>
@@ -9298,21 +8753,12 @@
             </a:pPr>
             <a:fld id="{2BA7ECD5-E5CA-4BD4-8168-9D26499F06AF}" type="datetimeFigureOut">
               <a:rPr lang="zh-CN" altLang="en-US"/>
-              <a:pPr>
-                <a:defRPr/>
-              </a:pPr>
-              <a:t>2022/8/29</a:t>
             </a:fld>
             <a:endParaRPr lang="en-US" altLang="zh-CN"/>
           </a:p>
         </p:txBody>
       </p:sp>
     </p:spTree>
-    <p:extLst>
-      <p:ext uri="{BB962C8B-B14F-4D97-AF65-F5344CB8AC3E}">
-        <p14:creationId xmlns:p14="http://schemas.microsoft.com/office/powerpoint/2010/main" val="169512308"/>
-      </p:ext>
-    </p:extLst>
   </p:cSld>
   <p:clrMapOvr>
     <a:masterClrMapping/>
@@ -9350,13 +8796,7 @@
       </p:grpSpPr>
       <p:sp>
         <p:nvSpPr>
-          <p:cNvPr id="128002" name="Rectangle 2">
-            <a:extLst>
-              <a:ext uri="{FF2B5EF4-FFF2-40B4-BE49-F238E27FC236}">
-                <a16:creationId xmlns:a16="http://schemas.microsoft.com/office/drawing/2014/main" id="{6EC256A9-4662-4845-907A-C3A9CEF8D697}"/>
-              </a:ext>
-            </a:extLst>
-          </p:cNvPr>
+          <p:cNvPr id="128002" name="Rectangle 2"/>
           <p:cNvSpPr>
             <a:spLocks noGrp="1" noChangeArrowheads="1"/>
           </p:cNvSpPr>
@@ -9407,11 +8847,7 @@
           </a:extLst>
         </p:spPr>
         <p:txBody>
-          <a:bodyPr vert="horz" wrap="square" lIns="91440" tIns="45720" rIns="91440" bIns="45720" numCol="1" anchor="b" anchorCtr="0" compatLnSpc="1">
-            <a:prstTxWarp prst="textNoShape">
-              <a:avLst/>
-            </a:prstTxWarp>
-          </a:bodyPr>
+          <a:bodyPr vert="horz" wrap="square" lIns="91440" tIns="45720" rIns="91440" bIns="45720" numCol="1" anchor="b" anchorCtr="0" compatLnSpc="1"/>
           <a:lstStyle>
             <a:lvl1pPr algn="ctr" eaLnBrk="1" hangingPunct="1">
               <a:defRPr sz="1200"/>
@@ -9427,13 +8863,7 @@
       </p:sp>
       <p:sp>
         <p:nvSpPr>
-          <p:cNvPr id="128003" name="Rectangle 3">
-            <a:extLst>
-              <a:ext uri="{FF2B5EF4-FFF2-40B4-BE49-F238E27FC236}">
-                <a16:creationId xmlns:a16="http://schemas.microsoft.com/office/drawing/2014/main" id="{B31758AC-22A4-4581-A976-0AD6624EC864}"/>
-              </a:ext>
-            </a:extLst>
-          </p:cNvPr>
+          <p:cNvPr id="128003" name="Rectangle 3"/>
           <p:cNvSpPr>
             <a:spLocks noGrp="1" noChangeArrowheads="1"/>
           </p:cNvSpPr>
@@ -9484,11 +8914,7 @@
           </a:extLst>
         </p:spPr>
         <p:txBody>
-          <a:bodyPr vert="horz" wrap="square" lIns="91440" tIns="45720" rIns="91440" bIns="45720" numCol="1" anchor="b" anchorCtr="0" compatLnSpc="1">
-            <a:prstTxWarp prst="textNoShape">
-              <a:avLst/>
-            </a:prstTxWarp>
-          </a:bodyPr>
+          <a:bodyPr vert="horz" wrap="square" lIns="91440" tIns="45720" rIns="91440" bIns="45720" numCol="1" anchor="b" anchorCtr="0" compatLnSpc="1"/>
           <a:lstStyle>
             <a:lvl1pPr algn="r" eaLnBrk="1" hangingPunct="1">
               <a:defRPr sz="1200">
@@ -9502,10 +8928,6 @@
             </a:pPr>
             <a:fld id="{CFE63DE1-B8F7-4B69-AAE4-306D1A40A462}" type="slidenum">
               <a:rPr lang="zh-CN" altLang="en-US"/>
-              <a:pPr>
-                <a:defRPr/>
-              </a:pPr>
-              <a:t>‹#›</a:t>
             </a:fld>
             <a:endParaRPr lang="en-US" altLang="zh-CN"/>
           </a:p>
@@ -9514,9 +8936,7 @@
       <p:grpSp>
         <p:nvGrpSpPr>
           <p:cNvPr id="1028" name="Group 4"/>
-          <p:cNvGrpSpPr>
-            <a:grpSpLocks/>
-          </p:cNvGrpSpPr>
+          <p:cNvGrpSpPr/>
           <p:nvPr/>
         </p:nvGrpSpPr>
         <p:grpSpPr bwMode="auto">
@@ -9529,13 +8949,7 @@
         </p:grpSpPr>
         <p:sp>
           <p:nvSpPr>
-            <p:cNvPr id="2" name="Rectangle 5">
-              <a:extLst>
-                <a:ext uri="{FF2B5EF4-FFF2-40B4-BE49-F238E27FC236}">
-                  <a16:creationId xmlns:a16="http://schemas.microsoft.com/office/drawing/2014/main" id="{F6557A96-A9E4-4AAF-BEDA-66EEAF59B538}"/>
-                </a:ext>
-              </a:extLst>
-            </p:cNvPr>
+            <p:cNvPr id="2" name="Rectangle 5"/>
             <p:cNvSpPr>
               <a:spLocks noChangeArrowheads="1"/>
             </p:cNvSpPr>
@@ -9707,13 +9121,7 @@
         </p:sp>
         <p:sp>
           <p:nvSpPr>
-            <p:cNvPr id="1033" name="Rectangle 6">
-              <a:extLst>
-                <a:ext uri="{FF2B5EF4-FFF2-40B4-BE49-F238E27FC236}">
-                  <a16:creationId xmlns:a16="http://schemas.microsoft.com/office/drawing/2014/main" id="{A47E067C-F053-45E0-98D7-3E8DB28585C4}"/>
-                </a:ext>
-              </a:extLst>
-            </p:cNvPr>
+            <p:cNvPr id="1033" name="Rectangle 6"/>
             <p:cNvSpPr>
               <a:spLocks noChangeArrowheads="1"/>
             </p:cNvSpPr>
@@ -9875,13 +9283,7 @@
         </p:sp>
         <p:sp>
           <p:nvSpPr>
-            <p:cNvPr id="1034" name="Rectangle 7">
-              <a:extLst>
-                <a:ext uri="{FF2B5EF4-FFF2-40B4-BE49-F238E27FC236}">
-                  <a16:creationId xmlns:a16="http://schemas.microsoft.com/office/drawing/2014/main" id="{5B66AC16-261A-40DC-9C63-D500A0D5DD90}"/>
-                </a:ext>
-              </a:extLst>
-            </p:cNvPr>
+            <p:cNvPr id="1034" name="Rectangle 7"/>
             <p:cNvSpPr>
               <a:spLocks noChangeArrowheads="1"/>
             </p:cNvSpPr>
@@ -10037,13 +9439,7 @@
         </p:sp>
         <p:sp>
           <p:nvSpPr>
-            <p:cNvPr id="1035" name="Rectangle 8">
-              <a:extLst>
-                <a:ext uri="{FF2B5EF4-FFF2-40B4-BE49-F238E27FC236}">
-                  <a16:creationId xmlns:a16="http://schemas.microsoft.com/office/drawing/2014/main" id="{9B400B37-5266-412E-8167-06EB6F1D4C63}"/>
-                </a:ext>
-              </a:extLst>
-            </p:cNvPr>
+            <p:cNvPr id="1035" name="Rectangle 8"/>
             <p:cNvSpPr>
               <a:spLocks noChangeArrowheads="1"/>
             </p:cNvSpPr>
@@ -10199,13 +9595,7 @@
         </p:sp>
         <p:sp>
           <p:nvSpPr>
-            <p:cNvPr id="1036" name="Rectangle 9">
-              <a:extLst>
-                <a:ext uri="{FF2B5EF4-FFF2-40B4-BE49-F238E27FC236}">
-                  <a16:creationId xmlns:a16="http://schemas.microsoft.com/office/drawing/2014/main" id="{68B11916-0B54-490F-993B-0E263801A7E4}"/>
-                </a:ext>
-              </a:extLst>
-            </p:cNvPr>
+            <p:cNvPr id="1036" name="Rectangle 9"/>
             <p:cNvSpPr>
               <a:spLocks noChangeArrowheads="1"/>
             </p:cNvSpPr>
@@ -10361,13 +9751,7 @@
         </p:sp>
         <p:sp>
           <p:nvSpPr>
-            <p:cNvPr id="1037" name="Rectangle 10">
-              <a:extLst>
-                <a:ext uri="{FF2B5EF4-FFF2-40B4-BE49-F238E27FC236}">
-                  <a16:creationId xmlns:a16="http://schemas.microsoft.com/office/drawing/2014/main" id="{10945A12-D8F5-4E13-9F81-A6C6B4CD57E9}"/>
-                </a:ext>
-              </a:extLst>
-            </p:cNvPr>
+            <p:cNvPr id="1037" name="Rectangle 10"/>
             <p:cNvSpPr>
               <a:spLocks noChangeArrowheads="1"/>
             </p:cNvSpPr>
@@ -10523,13 +9907,7 @@
         </p:sp>
         <p:sp>
           <p:nvSpPr>
-            <p:cNvPr id="1038" name="Rectangle 11">
-              <a:extLst>
-                <a:ext uri="{FF2B5EF4-FFF2-40B4-BE49-F238E27FC236}">
-                  <a16:creationId xmlns:a16="http://schemas.microsoft.com/office/drawing/2014/main" id="{911D8AB3-DCCD-45E9-9B32-0EEE44CB1A02}"/>
-                </a:ext>
-              </a:extLst>
-            </p:cNvPr>
+            <p:cNvPr id="1038" name="Rectangle 11"/>
             <p:cNvSpPr>
               <a:spLocks noChangeArrowheads="1"/>
             </p:cNvSpPr>
@@ -10683,13 +10061,7 @@
         </p:sp>
         <p:sp>
           <p:nvSpPr>
-            <p:cNvPr id="1039" name="Rectangle 12">
-              <a:extLst>
-                <a:ext uri="{FF2B5EF4-FFF2-40B4-BE49-F238E27FC236}">
-                  <a16:creationId xmlns:a16="http://schemas.microsoft.com/office/drawing/2014/main" id="{BCBBA378-E24D-4D26-8683-C03984E7AAA7}"/>
-                </a:ext>
-              </a:extLst>
-            </p:cNvPr>
+            <p:cNvPr id="1039" name="Rectangle 12"/>
             <p:cNvSpPr>
               <a:spLocks noChangeArrowheads="1"/>
             </p:cNvSpPr>
@@ -10845,13 +10217,7 @@
         </p:sp>
         <p:sp>
           <p:nvSpPr>
-            <p:cNvPr id="1040" name="Rectangle 13">
-              <a:extLst>
-                <a:ext uri="{FF2B5EF4-FFF2-40B4-BE49-F238E27FC236}">
-                  <a16:creationId xmlns:a16="http://schemas.microsoft.com/office/drawing/2014/main" id="{7EAAFAAF-CE66-4139-AC76-ACF3319BFEE8}"/>
-                </a:ext>
-              </a:extLst>
-            </p:cNvPr>
+            <p:cNvPr id="1040" name="Rectangle 13"/>
             <p:cNvSpPr>
               <a:spLocks noChangeArrowheads="1"/>
             </p:cNvSpPr>
@@ -11059,11 +10425,7 @@
           </a:extLst>
         </p:spPr>
         <p:txBody>
-          <a:bodyPr vert="horz" wrap="square" lIns="91440" tIns="45720" rIns="91440" bIns="45720" numCol="1" anchor="ctr" anchorCtr="0" compatLnSpc="1">
-            <a:prstTxWarp prst="textNoShape">
-              <a:avLst/>
-            </a:prstTxWarp>
-          </a:bodyPr>
+          <a:bodyPr vert="horz" wrap="square" lIns="91440" tIns="45720" rIns="91440" bIns="45720" numCol="1" anchor="ctr" anchorCtr="0" compatLnSpc="1"/>
           <a:lstStyle/>
           <a:p>
             <a:pPr lvl="0"/>
@@ -11071,6 +10433,7 @@
               <a:rPr lang="zh-CN" altLang="en-US"/>
               <a:t>单击此处编辑母版标题样式</a:t>
             </a:r>
+            <a:endParaRPr lang="zh-CN" altLang="en-US"/>
           </a:p>
         </p:txBody>
       </p:sp>
@@ -11127,11 +10490,7 @@
           </a:extLst>
         </p:spPr>
         <p:txBody>
-          <a:bodyPr vert="horz" wrap="square" lIns="91440" tIns="45720" rIns="91440" bIns="45720" numCol="1" anchor="t" anchorCtr="0" compatLnSpc="1">
-            <a:prstTxWarp prst="textNoShape">
-              <a:avLst/>
-            </a:prstTxWarp>
-          </a:bodyPr>
+          <a:bodyPr vert="horz" wrap="square" lIns="91440" tIns="45720" rIns="91440" bIns="45720" numCol="1" anchor="t" anchorCtr="0" compatLnSpc="1"/>
           <a:lstStyle/>
           <a:p>
             <a:pPr lvl="0"/>
@@ -11139,6 +10498,7 @@
               <a:rPr lang="zh-CN" altLang="en-US"/>
               <a:t>单击此处编辑母版文本样式</a:t>
             </a:r>
+            <a:endParaRPr lang="zh-CN" altLang="en-US"/>
           </a:p>
           <a:p>
             <a:pPr lvl="1"/>
@@ -11146,6 +10506,7 @@
               <a:rPr lang="zh-CN" altLang="en-US"/>
               <a:t>第二级</a:t>
             </a:r>
+            <a:endParaRPr lang="zh-CN" altLang="en-US"/>
           </a:p>
           <a:p>
             <a:pPr lvl="2"/>
@@ -11153,6 +10514,7 @@
               <a:rPr lang="zh-CN" altLang="en-US"/>
               <a:t>第三级</a:t>
             </a:r>
+            <a:endParaRPr lang="zh-CN" altLang="en-US"/>
           </a:p>
           <a:p>
             <a:pPr lvl="3"/>
@@ -11160,6 +10522,7 @@
               <a:rPr lang="zh-CN" altLang="en-US"/>
               <a:t>第四级</a:t>
             </a:r>
+            <a:endParaRPr lang="zh-CN" altLang="en-US"/>
           </a:p>
           <a:p>
             <a:pPr lvl="4"/>
@@ -11167,18 +10530,13 @@
               <a:rPr lang="zh-CN" altLang="en-US"/>
               <a:t>第五级</a:t>
             </a:r>
+            <a:endParaRPr lang="zh-CN" altLang="en-US"/>
           </a:p>
         </p:txBody>
       </p:sp>
       <p:sp>
         <p:nvSpPr>
-          <p:cNvPr id="128016" name="Rectangle 16">
-            <a:extLst>
-              <a:ext uri="{FF2B5EF4-FFF2-40B4-BE49-F238E27FC236}">
-                <a16:creationId xmlns:a16="http://schemas.microsoft.com/office/drawing/2014/main" id="{647E588E-AFA9-429A-A066-DF6EAD214282}"/>
-              </a:ext>
-            </a:extLst>
-          </p:cNvPr>
+          <p:cNvPr id="128016" name="Rectangle 16"/>
           <p:cNvSpPr>
             <a:spLocks noGrp="1" noChangeArrowheads="1"/>
           </p:cNvSpPr>
@@ -11229,11 +10587,7 @@
           </a:extLst>
         </p:spPr>
         <p:txBody>
-          <a:bodyPr vert="horz" wrap="square" lIns="91440" tIns="45720" rIns="91440" bIns="45720" numCol="1" anchor="b" anchorCtr="0" compatLnSpc="1">
-            <a:prstTxWarp prst="textNoShape">
-              <a:avLst/>
-            </a:prstTxWarp>
-          </a:bodyPr>
+          <a:bodyPr vert="horz" wrap="square" lIns="91440" tIns="45720" rIns="91440" bIns="45720" numCol="1" anchor="b" anchorCtr="0" compatLnSpc="1"/>
           <a:lstStyle>
             <a:lvl1pPr eaLnBrk="1" hangingPunct="1">
               <a:defRPr sz="1200"/>
@@ -11245,10 +10599,6 @@
             </a:pPr>
             <a:fld id="{613B4156-EFEF-447F-A06F-06E79470BECD}" type="datetimeFigureOut">
               <a:rPr lang="zh-CN" altLang="en-US"/>
-              <a:pPr>
-                <a:defRPr/>
-              </a:pPr>
-              <a:t>2022/8/29</a:t>
             </a:fld>
             <a:endParaRPr lang="en-US" altLang="zh-CN"/>
           </a:p>
@@ -11263,7 +10613,7 @@
           <p:nvPr userDrawn="1"/>
         </p:nvPicPr>
         <p:blipFill>
-          <a:blip r:embed="rId13" cstate="print">
+          <a:blip r:embed="rId12" cstate="print">
             <a:extLst>
               <a:ext uri="{28A0092B-C50C-407E-A947-70E740481C1C}">
                 <a14:useLocalDpi xmlns:a14="http://schemas.microsoft.com/office/drawing/2010/main" val="0"/>
@@ -11312,17 +10662,17 @@
   </p:cSld>
   <p:clrMap bg1="lt1" tx1="dk1" bg2="lt2" tx2="dk2" accent1="accent1" accent2="accent2" accent3="accent3" accent4="accent4" accent5="accent5" accent6="accent6" hlink="hlink" folHlink="folHlink"/>
   <p:sldLayoutIdLst>
-    <p:sldLayoutId id="2147484112" r:id="rId1"/>
-    <p:sldLayoutId id="2147484102" r:id="rId2"/>
-    <p:sldLayoutId id="2147484103" r:id="rId3"/>
-    <p:sldLayoutId id="2147484104" r:id="rId4"/>
-    <p:sldLayoutId id="2147484105" r:id="rId5"/>
-    <p:sldLayoutId id="2147484106" r:id="rId6"/>
-    <p:sldLayoutId id="2147484107" r:id="rId7"/>
-    <p:sldLayoutId id="2147484108" r:id="rId8"/>
-    <p:sldLayoutId id="2147484109" r:id="rId9"/>
-    <p:sldLayoutId id="2147484110" r:id="rId10"/>
-    <p:sldLayoutId id="2147484111" r:id="rId11"/>
+    <p:sldLayoutId id="2147483649" r:id="rId1"/>
+    <p:sldLayoutId id="2147483650" r:id="rId2"/>
+    <p:sldLayoutId id="2147483651" r:id="rId3"/>
+    <p:sldLayoutId id="2147483652" r:id="rId4"/>
+    <p:sldLayoutId id="2147483653" r:id="rId5"/>
+    <p:sldLayoutId id="2147483654" r:id="rId6"/>
+    <p:sldLayoutId id="2147483655" r:id="rId7"/>
+    <p:sldLayoutId id="2147483656" r:id="rId8"/>
+    <p:sldLayoutId id="2147483657" r:id="rId9"/>
+    <p:sldLayoutId id="2147483658" r:id="rId10"/>
+    <p:sldLayoutId id="2147483659" r:id="rId11"/>
   </p:sldLayoutIdLst>
   <p:transition>
     <p:push/>
@@ -11833,6 +11183,7 @@
               <a:rPr lang="zh-CN" altLang="en-US"/>
               <a:t>单击此处编辑母版文本样式</a:t>
             </a:r>
+            <a:endParaRPr lang="zh-CN" altLang="en-US"/>
           </a:p>
           <a:p>
             <a:pPr lvl="1"/>
@@ -11840,6 +11191,7 @@
               <a:rPr lang="zh-CN" altLang="en-US"/>
               <a:t>第二级</a:t>
             </a:r>
+            <a:endParaRPr lang="zh-CN" altLang="en-US"/>
           </a:p>
           <a:p>
             <a:pPr lvl="2"/>
@@ -11847,6 +11199,7 @@
               <a:rPr lang="zh-CN" altLang="en-US"/>
               <a:t>第三级</a:t>
             </a:r>
+            <a:endParaRPr lang="zh-CN" altLang="en-US"/>
           </a:p>
           <a:p>
             <a:pPr lvl="3"/>
@@ -11854,6 +11207,7 @@
               <a:rPr lang="zh-CN" altLang="en-US"/>
               <a:t>第四级</a:t>
             </a:r>
+            <a:endParaRPr lang="zh-CN" altLang="en-US"/>
           </a:p>
           <a:p>
             <a:pPr lvl="4"/>
@@ -12005,8 +11359,6 @@
                 <a:latin typeface="Tahoma" panose="020B0604030504040204" pitchFamily="34" charset="0"/>
                 <a:ea typeface="PMingLiU" panose="02020500000000000000" pitchFamily="18" charset="-120"/>
               </a:rPr>
-              <a:pPr defTabSz="685800"/>
-              <a:t>‹#›</a:t>
             </a:fld>
             <a:endParaRPr lang="en-US" altLang="zh-CN">
               <a:solidFill>
@@ -12021,25 +11373,20 @@
         </p:txBody>
       </p:sp>
     </p:spTree>
-    <p:extLst>
-      <p:ext uri="{BB962C8B-B14F-4D97-AF65-F5344CB8AC3E}">
-        <p14:creationId xmlns:p14="http://schemas.microsoft.com/office/powerpoint/2010/main" val="3276391494"/>
-      </p:ext>
-    </p:extLst>
   </p:cSld>
   <p:clrMap bg1="lt1" tx1="dk1" bg2="lt2" tx2="dk2" accent1="accent1" accent2="accent2" accent3="accent3" accent4="accent4" accent5="accent5" accent6="accent6" hlink="hlink" folHlink="folHlink"/>
   <p:sldLayoutIdLst>
-    <p:sldLayoutId id="2147484114" r:id="rId1"/>
-    <p:sldLayoutId id="2147484115" r:id="rId2"/>
-    <p:sldLayoutId id="2147484116" r:id="rId3"/>
-    <p:sldLayoutId id="2147484117" r:id="rId4"/>
-    <p:sldLayoutId id="2147484118" r:id="rId5"/>
-    <p:sldLayoutId id="2147484119" r:id="rId6"/>
-    <p:sldLayoutId id="2147484120" r:id="rId7"/>
-    <p:sldLayoutId id="2147484121" r:id="rId8"/>
-    <p:sldLayoutId id="2147484122" r:id="rId9"/>
-    <p:sldLayoutId id="2147484123" r:id="rId10"/>
-    <p:sldLayoutId id="2147484124" r:id="rId11"/>
+    <p:sldLayoutId id="2147483661" r:id="rId1"/>
+    <p:sldLayoutId id="2147483662" r:id="rId2"/>
+    <p:sldLayoutId id="2147483663" r:id="rId3"/>
+    <p:sldLayoutId id="2147483664" r:id="rId4"/>
+    <p:sldLayoutId id="2147483665" r:id="rId5"/>
+    <p:sldLayoutId id="2147483666" r:id="rId6"/>
+    <p:sldLayoutId id="2147483667" r:id="rId7"/>
+    <p:sldLayoutId id="2147483668" r:id="rId8"/>
+    <p:sldLayoutId id="2147483669" r:id="rId9"/>
+    <p:sldLayoutId id="2147483670" r:id="rId10"/>
+    <p:sldLayoutId id="2147483671" r:id="rId11"/>
   </p:sldLayoutIdLst>
   <p:hf hdr="0" ftr="0" dt="0"/>
   <p:txStyles>
@@ -12501,7 +11848,6 @@
               <a:buSzTx/>
               <a:buFontTx/>
               <a:buNone/>
-              <a:tabLst/>
               <a:defRPr/>
             </a:pPr>
             <a:endParaRPr kumimoji="0" lang="zh-CN" altLang="en-US" sz="1800" b="0" i="0" u="none" strike="noStrike" kern="1200" cap="none" spc="0" normalizeH="0" baseline="0" noProof="0">
@@ -12680,7 +12026,6 @@
               <a:buSzTx/>
               <a:buFontTx/>
               <a:buNone/>
-              <a:tabLst/>
               <a:defRPr/>
             </a:pPr>
             <a:endParaRPr kumimoji="0" lang="zh-CN" altLang="en-US" sz="1800" b="0" i="0" u="none" strike="noStrike" kern="1200" cap="none" spc="0" normalizeH="0" baseline="0" noProof="0">
@@ -12754,9 +12099,7 @@
       <p:sp>
         <p:nvSpPr>
           <p:cNvPr id="10" name="标题 1"/>
-          <p:cNvSpPr txBox="1">
-            <a:spLocks/>
-          </p:cNvSpPr>
+          <p:cNvSpPr txBox="1"/>
           <p:nvPr/>
         </p:nvSpPr>
         <p:spPr>
@@ -12806,7 +12149,6 @@
               <a:buSzTx/>
               <a:buFontTx/>
               <a:buNone/>
-              <a:tabLst/>
               <a:defRPr/>
             </a:pPr>
             <a:r>
@@ -12857,13 +12199,7 @@
       </p:sp>
       <p:sp>
         <p:nvSpPr>
-          <p:cNvPr id="2" name="Text Box 5">
-            <a:extLst>
-              <a:ext uri="{FF2B5EF4-FFF2-40B4-BE49-F238E27FC236}">
-                <a16:creationId xmlns:a16="http://schemas.microsoft.com/office/drawing/2014/main" id="{70E81591-4BC7-4C72-89E7-7334CA2DA9FE}"/>
-              </a:ext>
-            </a:extLst>
-          </p:cNvPr>
+          <p:cNvPr id="2" name="Text Box 5"/>
           <p:cNvSpPr txBox="1">
             <a:spLocks noChangeArrowheads="1"/>
           </p:cNvSpPr>
@@ -13070,7 +12406,6 @@
               <a:buSzTx/>
               <a:buFontTx/>
               <a:buNone/>
-              <a:tabLst/>
               <a:defRPr/>
             </a:pPr>
             <a:r>
@@ -13120,7 +12455,6 @@
               <a:buSzTx/>
               <a:buFontTx/>
               <a:buNone/>
-              <a:tabLst/>
               <a:defRPr/>
             </a:pPr>
             <a:r>
@@ -13139,42 +12473,6 @@
                 <a:cs typeface="+mn-cs"/>
               </a:rPr>
               <a:t>jlong@csu.edu.cn  18673197878</a:t>
-            </a:r>
-          </a:p>
-          <a:p>
-            <a:pPr marL="0" marR="0" lvl="0" indent="0" algn="ctr" defTabSz="914400" rtl="0" eaLnBrk="1" fontAlgn="base" latinLnBrk="0" hangingPunct="1">
-              <a:lnSpc>
-                <a:spcPct val="150000"/>
-              </a:lnSpc>
-              <a:spcBef>
-                <a:spcPts val="0"/>
-              </a:spcBef>
-              <a:spcAft>
-                <a:spcPct val="0"/>
-              </a:spcAft>
-              <a:buClrTx/>
-              <a:buSzTx/>
-              <a:buFontTx/>
-              <a:buNone/>
-              <a:tabLst/>
-              <a:defRPr/>
-            </a:pPr>
-            <a:r>
-              <a:rPr kumimoji="0" lang="zh-CN" altLang="en-US" sz="2800" b="1" i="0" u="none" strike="noStrike" kern="1200" cap="none" spc="0" normalizeH="0" baseline="0" noProof="0" dirty="0">
-                <a:ln>
-                  <a:noFill/>
-                </a:ln>
-                <a:solidFill>
-                  <a:srgbClr val="1F497D"/>
-                </a:solidFill>
-                <a:effectLst/>
-                <a:uLnTx/>
-                <a:uFillTx/>
-                <a:latin typeface="微软雅黑" panose="020B0503020204020204" pitchFamily="34" charset="-122"/>
-                <a:ea typeface="微软雅黑" panose="020B0503020204020204" pitchFamily="34" charset="-122"/>
-                <a:cs typeface="+mn-cs"/>
-              </a:rPr>
-              <a:t>计算机学院数据科学与工程系</a:t>
             </a:r>
             <a:endParaRPr kumimoji="0" lang="en-US" altLang="zh-CN" sz="2800" b="1" i="0" u="none" strike="noStrike" kern="1200" cap="none" spc="0" normalizeH="0" baseline="0" noProof="0" dirty="0">
               <a:ln>
@@ -13191,30 +12489,67 @@
               <a:cs typeface="+mn-cs"/>
             </a:endParaRPr>
           </a:p>
+          <a:p>
+            <a:pPr marL="0" marR="0" lvl="0" indent="0" algn="ctr" defTabSz="914400" rtl="0" eaLnBrk="1" fontAlgn="base" latinLnBrk="0" hangingPunct="1">
+              <a:lnSpc>
+                <a:spcPct val="150000"/>
+              </a:lnSpc>
+              <a:spcBef>
+                <a:spcPts val="0"/>
+              </a:spcBef>
+              <a:spcAft>
+                <a:spcPct val="0"/>
+              </a:spcAft>
+              <a:buClrTx/>
+              <a:buSzTx/>
+              <a:buFontTx/>
+              <a:buNone/>
+              <a:defRPr/>
+            </a:pPr>
+            <a:r>
+              <a:rPr kumimoji="0" lang="zh-CN" altLang="en-US" sz="2800" b="1" i="0" u="none" strike="noStrike" kern="1200" cap="none" spc="0" normalizeH="0" baseline="0" noProof="0" dirty="0">
+                <a:ln>
+                  <a:noFill/>
+                </a:ln>
+                <a:solidFill>
+                  <a:srgbClr val="1F497D"/>
+                </a:solidFill>
+                <a:effectLst/>
+                <a:uLnTx/>
+                <a:uFillTx/>
+                <a:latin typeface="微软雅黑" panose="020B0503020204020204" pitchFamily="34" charset="-122"/>
+                <a:ea typeface="微软雅黑" panose="020B0503020204020204" pitchFamily="34" charset="-122"/>
+                <a:cs typeface="+mn-cs"/>
+              </a:rPr>
+              <a:t>计算机学院数据科学与工程系</a:t>
+            </a:r>
+            <a:endParaRPr kumimoji="0" lang="en-US" altLang="zh-CN" sz="2800" b="1" i="0" u="none" strike="noStrike" kern="1200" cap="none" spc="0" normalizeH="0" baseline="0" noProof="0" dirty="0">
+              <a:ln>
+                <a:noFill/>
+              </a:ln>
+              <a:solidFill>
+                <a:srgbClr val="1F497D"/>
+              </a:solidFill>
+              <a:effectLst/>
+              <a:uLnTx/>
+              <a:uFillTx/>
+              <a:latin typeface="微软雅黑" panose="020B0503020204020204" pitchFamily="34" charset="-122"/>
+              <a:ea typeface="微软雅黑" panose="020B0503020204020204" pitchFamily="34" charset="-122"/>
+              <a:cs typeface="+mn-cs"/>
+            </a:endParaRPr>
+          </a:p>
         </p:txBody>
       </p:sp>
       <p:pic>
         <p:nvPicPr>
-          <p:cNvPr id="3" name="图片 2" descr="（蓝）大数据研究院LOGO">
-            <a:extLst>
-              <a:ext uri="{FF2B5EF4-FFF2-40B4-BE49-F238E27FC236}">
-                <a16:creationId xmlns:a16="http://schemas.microsoft.com/office/drawing/2014/main" id="{59227CFE-FCE8-14BC-C344-2E36DC42809D}"/>
-              </a:ext>
-            </a:extLst>
-          </p:cNvPr>
+          <p:cNvPr id="3" name="图片 2" descr="（蓝）大数据研究院LOGO"/>
           <p:cNvPicPr>
             <a:picLocks noChangeAspect="1"/>
           </p:cNvPicPr>
           <p:nvPr/>
         </p:nvPicPr>
         <p:blipFill>
-          <a:blip r:embed="rId3" cstate="screen">
-            <a:extLst>
-              <a:ext uri="{28A0092B-C50C-407E-A947-70E740481C1C}">
-                <a14:useLocalDpi xmlns:a14="http://schemas.microsoft.com/office/drawing/2010/main"/>
-              </a:ext>
-            </a:extLst>
-          </a:blip>
+          <a:blip r:embed="rId1" cstate="screen"/>
           <a:stretch>
             <a:fillRect/>
           </a:stretch>
@@ -13230,20 +12565,15 @@
         </p:spPr>
       </p:pic>
     </p:spTree>
-    <p:extLst>
-      <p:ext uri="{BB962C8B-B14F-4D97-AF65-F5344CB8AC3E}">
-        <p14:creationId xmlns:p14="http://schemas.microsoft.com/office/powerpoint/2010/main" val="1075809871"/>
-      </p:ext>
-    </p:extLst>
   </p:cSld>
   <p:clrMapOvr>
     <a:masterClrMapping/>
   </p:clrMapOvr>
-  <mc:AlternateContent xmlns:mc="http://schemas.openxmlformats.org/markup-compatibility/2006" xmlns:p14="http://schemas.microsoft.com/office/powerpoint/2010/main">
-    <mc:Choice Requires="p14">
+  <mc:AlternateContent xmlns:mc="http://schemas.openxmlformats.org/markup-compatibility/2006">
+    <mc:Choice xmlns:p14="http://schemas.microsoft.com/office/powerpoint/2010/main" Requires="p14">
       <p:transition spd="slow" p14:dur="2000" advTm="542"/>
     </mc:Choice>
-    <mc:Fallback xmlns="">
+    <mc:Fallback>
       <p:transition spd="slow" advTm="542"/>
     </mc:Fallback>
   </mc:AlternateContent>
@@ -13514,6 +12844,9 @@
               </a:rPr>
               <a:t>的处理过程。</a:t>
             </a:r>
+            <a:endParaRPr lang="zh-CN" altLang="en-US" sz="2800" dirty="0">
+              <a:latin typeface="宋体" panose="02010600030101010101" pitchFamily="2" charset="-122"/>
+            </a:endParaRPr>
           </a:p>
         </p:txBody>
       </p:sp>
@@ -13526,7 +12859,7 @@
           <p:nvPr/>
         </p:nvPicPr>
         <p:blipFill>
-          <a:blip r:embed="rId2">
+          <a:blip r:embed="rId1">
             <a:extLst>
               <a:ext uri="{28A0092B-C50C-407E-A947-70E740481C1C}">
                 <a14:useLocalDpi xmlns:a14="http://schemas.microsoft.com/office/drawing/2010/main" val="0"/>
@@ -13573,13 +12906,7 @@
       </p:pic>
       <p:sp>
         <p:nvSpPr>
-          <p:cNvPr id="5" name="标题 1">
-            <a:extLst>
-              <a:ext uri="{FF2B5EF4-FFF2-40B4-BE49-F238E27FC236}">
-                <a16:creationId xmlns:a16="http://schemas.microsoft.com/office/drawing/2014/main" id="{4FFA130D-3895-426D-9C7A-BD8372AAD18A}"/>
-              </a:ext>
-            </a:extLst>
-          </p:cNvPr>
+          <p:cNvPr id="5" name="标题 1"/>
           <p:cNvSpPr txBox="1">
             <a:spLocks noChangeArrowheads="1"/>
           </p:cNvSpPr>
@@ -13761,18 +13088,22 @@
               </a:rPr>
               <a:t> 数据挖掘的概述</a:t>
             </a:r>
+            <a:endParaRPr lang="zh-CN" altLang="en-US" sz="3200" b="1" dirty="0">
+              <a:effectLst>
+                <a:outerShdw blurRad="38100" dist="38100" dir="2700000" algn="tl">
+                  <a:srgbClr val="000000">
+                    <a:alpha val="43137"/>
+                  </a:srgbClr>
+                </a:outerShdw>
+              </a:effectLst>
+              <a:latin typeface="+mj-ea"/>
+            </a:endParaRPr>
           </a:p>
         </p:txBody>
       </p:sp>
       <p:sp>
         <p:nvSpPr>
-          <p:cNvPr id="2" name="文本框 1">
-            <a:extLst>
-              <a:ext uri="{FF2B5EF4-FFF2-40B4-BE49-F238E27FC236}">
-                <a16:creationId xmlns:a16="http://schemas.microsoft.com/office/drawing/2014/main" id="{0D051C02-2866-4B47-8568-8C60521610C6}"/>
-              </a:ext>
-            </a:extLst>
-          </p:cNvPr>
+          <p:cNvPr id="2" name="文本框 1"/>
           <p:cNvSpPr txBox="1"/>
           <p:nvPr/>
         </p:nvSpPr>
@@ -13800,6 +13131,11 @@
               </a:rPr>
               <a:t>数据挖掘与数据仓库密不可分</a:t>
             </a:r>
+            <a:endParaRPr lang="zh-CN" altLang="en-US" sz="2800" b="1" dirty="0">
+              <a:solidFill>
+                <a:srgbClr val="FF0000"/>
+              </a:solidFill>
+            </a:endParaRPr>
           </a:p>
         </p:txBody>
       </p:sp>
@@ -13840,7 +13176,7 @@
           <p:nvPr/>
         </p:nvPicPr>
         <p:blipFill>
-          <a:blip r:embed="rId3">
+          <a:blip r:embed="rId1">
             <a:extLst>
               <a:ext uri="{28A0092B-C50C-407E-A947-70E740481C1C}">
                 <a14:useLocalDpi xmlns:a14="http://schemas.microsoft.com/office/drawing/2010/main" val="0"/>
@@ -14231,18 +13567,18 @@
               </a:rPr>
               <a:t>应用</a:t>
             </a:r>
+            <a:endParaRPr lang="zh-CN" altLang="en-US" sz="2400" b="1" dirty="0">
+              <a:solidFill>
+                <a:srgbClr val="FF0000"/>
+              </a:solidFill>
+              <a:latin typeface="宋体" panose="02010600030101010101" pitchFamily="2" charset="-122"/>
+            </a:endParaRPr>
           </a:p>
         </p:txBody>
       </p:sp>
       <p:sp>
         <p:nvSpPr>
-          <p:cNvPr id="5" name="标题 1">
-            <a:extLst>
-              <a:ext uri="{FF2B5EF4-FFF2-40B4-BE49-F238E27FC236}">
-                <a16:creationId xmlns:a16="http://schemas.microsoft.com/office/drawing/2014/main" id="{B8DB9B4A-7D7D-4C46-8569-9167A96B03E6}"/>
-              </a:ext>
-            </a:extLst>
-          </p:cNvPr>
+          <p:cNvPr id="5" name="标题 1"/>
           <p:cNvSpPr txBox="1">
             <a:spLocks noChangeArrowheads="1"/>
           </p:cNvSpPr>
@@ -14424,6 +13760,16 @@
               </a:rPr>
               <a:t> 数据挖掘的概述</a:t>
             </a:r>
+            <a:endParaRPr lang="zh-CN" altLang="en-US" sz="3200" b="1" dirty="0">
+              <a:effectLst>
+                <a:outerShdw blurRad="38100" dist="38100" dir="2700000" algn="tl">
+                  <a:srgbClr val="000000">
+                    <a:alpha val="43137"/>
+                  </a:srgbClr>
+                </a:outerShdw>
+              </a:effectLst>
+              <a:latin typeface="+mj-ea"/>
+            </a:endParaRPr>
           </a:p>
         </p:txBody>
       </p:sp>
@@ -14457,13 +13803,7 @@
       </p:grpSpPr>
       <p:sp>
         <p:nvSpPr>
-          <p:cNvPr id="4" name="标题 1">
-            <a:extLst>
-              <a:ext uri="{FF2B5EF4-FFF2-40B4-BE49-F238E27FC236}">
-                <a16:creationId xmlns:a16="http://schemas.microsoft.com/office/drawing/2014/main" id="{EE39C52E-CB9C-4B8B-A889-017E1FDDCDA3}"/>
-              </a:ext>
-            </a:extLst>
-          </p:cNvPr>
+          <p:cNvPr id="4" name="标题 1"/>
           <p:cNvSpPr txBox="1">
             <a:spLocks noChangeArrowheads="1"/>
           </p:cNvSpPr>
@@ -14645,18 +13985,22 @@
               </a:rPr>
               <a:t> 大规模数据挖掘</a:t>
             </a:r>
+            <a:endParaRPr lang="zh-CN" altLang="en-US" sz="3200" b="1" dirty="0">
+              <a:effectLst>
+                <a:outerShdw blurRad="38100" dist="38100" dir="2700000" algn="tl">
+                  <a:srgbClr val="000000">
+                    <a:alpha val="43137"/>
+                  </a:srgbClr>
+                </a:outerShdw>
+              </a:effectLst>
+              <a:latin typeface="+mj-ea"/>
+            </a:endParaRPr>
           </a:p>
         </p:txBody>
       </p:sp>
       <p:sp>
         <p:nvSpPr>
-          <p:cNvPr id="2" name="矩形 1">
-            <a:extLst>
-              <a:ext uri="{FF2B5EF4-FFF2-40B4-BE49-F238E27FC236}">
-                <a16:creationId xmlns:a16="http://schemas.microsoft.com/office/drawing/2014/main" id="{21918285-B472-4958-A557-2A4889605C29}"/>
-              </a:ext>
-            </a:extLst>
-          </p:cNvPr>
+          <p:cNvPr id="2" name="矩形 1"/>
           <p:cNvSpPr/>
           <p:nvPr/>
         </p:nvSpPr>
@@ -14831,25 +14175,22 @@
               </a:rPr>
               <a:t>不同的数学模型。</a:t>
             </a:r>
+            <a:endParaRPr lang="zh-CN" altLang="en-US" sz="2000" dirty="0">
+              <a:latin typeface="宋体" panose="02010600030101010101" pitchFamily="2" charset="-122"/>
+            </a:endParaRPr>
           </a:p>
         </p:txBody>
       </p:sp>
       <p:pic>
         <p:nvPicPr>
-          <p:cNvPr id="5" name="Picture 6" descr="http://img0.pconline.com.cn/pconline/1204/12/2749248_2544047_122024065_2.jpg">
-            <a:extLst>
-              <a:ext uri="{FF2B5EF4-FFF2-40B4-BE49-F238E27FC236}">
-                <a16:creationId xmlns:a16="http://schemas.microsoft.com/office/drawing/2014/main" id="{B3153742-AD61-423F-A9E7-DB8FD4C5EB1C}"/>
-              </a:ext>
-            </a:extLst>
-          </p:cNvPr>
+          <p:cNvPr id="5" name="Picture 6" descr="http://img0.pconline.com.cn/pconline/1204/12/2749248_2544047_122024065_2.jpg"/>
           <p:cNvPicPr>
             <a:picLocks noChangeAspect="1" noChangeArrowheads="1"/>
           </p:cNvPicPr>
           <p:nvPr/>
         </p:nvPicPr>
         <p:blipFill>
-          <a:blip r:embed="rId3">
+          <a:blip r:embed="rId1">
             <a:extLst>
               <a:ext uri="{28A0092B-C50C-407E-A947-70E740481C1C}">
                 <a14:useLocalDpi xmlns:a14="http://schemas.microsoft.com/office/drawing/2010/main" val="0"/>
@@ -14895,11 +14236,6 @@
         </p:spPr>
       </p:pic>
     </p:spTree>
-    <p:extLst>
-      <p:ext uri="{BB962C8B-B14F-4D97-AF65-F5344CB8AC3E}">
-        <p14:creationId xmlns:p14="http://schemas.microsoft.com/office/powerpoint/2010/main" val="2626275973"/>
-      </p:ext>
-    </p:extLst>
   </p:cSld>
   <p:clrMapOvr>
     <a:masterClrMapping/>
@@ -14929,13 +14265,7 @@
       </p:grpSpPr>
       <p:sp>
         <p:nvSpPr>
-          <p:cNvPr id="4" name="标题 1">
-            <a:extLst>
-              <a:ext uri="{FF2B5EF4-FFF2-40B4-BE49-F238E27FC236}">
-                <a16:creationId xmlns:a16="http://schemas.microsoft.com/office/drawing/2014/main" id="{EE39C52E-CB9C-4B8B-A889-017E1FDDCDA3}"/>
-              </a:ext>
-            </a:extLst>
-          </p:cNvPr>
+          <p:cNvPr id="4" name="标题 1"/>
           <p:cNvSpPr txBox="1">
             <a:spLocks noChangeArrowheads="1"/>
           </p:cNvSpPr>
@@ -15117,18 +14447,22 @@
               </a:rPr>
               <a:t> 大规模数据挖掘</a:t>
             </a:r>
+            <a:endParaRPr lang="zh-CN" altLang="en-US" sz="3200" b="1" dirty="0">
+              <a:effectLst>
+                <a:outerShdw blurRad="38100" dist="38100" dir="2700000" algn="tl">
+                  <a:srgbClr val="000000">
+                    <a:alpha val="43137"/>
+                  </a:srgbClr>
+                </a:outerShdw>
+              </a:effectLst>
+              <a:latin typeface="+mj-ea"/>
+            </a:endParaRPr>
           </a:p>
         </p:txBody>
       </p:sp>
       <p:sp>
         <p:nvSpPr>
-          <p:cNvPr id="2" name="矩形 1">
-            <a:extLst>
-              <a:ext uri="{FF2B5EF4-FFF2-40B4-BE49-F238E27FC236}">
-                <a16:creationId xmlns:a16="http://schemas.microsoft.com/office/drawing/2014/main" id="{8A1BC649-9080-4AA4-A239-85D9694C2A3E}"/>
-              </a:ext>
-            </a:extLst>
-          </p:cNvPr>
+          <p:cNvPr id="2" name="矩形 1"/>
           <p:cNvSpPr/>
           <p:nvPr/>
         </p:nvSpPr>
@@ -15262,18 +14596,15 @@
               </a:rPr>
               <a:t>。</a:t>
             </a:r>
+            <a:endParaRPr lang="zh-CN" altLang="zh-CN" sz="2400" dirty="0">
+              <a:latin typeface="宋体" panose="02010600030101010101" pitchFamily="2" charset="-122"/>
+            </a:endParaRPr>
           </a:p>
         </p:txBody>
       </p:sp>
       <p:grpSp>
         <p:nvGrpSpPr>
-          <p:cNvPr id="5" name="组合 4">
-            <a:extLst>
-              <a:ext uri="{FF2B5EF4-FFF2-40B4-BE49-F238E27FC236}">
-                <a16:creationId xmlns:a16="http://schemas.microsoft.com/office/drawing/2014/main" id="{7A4974C9-DC58-4835-AD36-80A1FE7EF848}"/>
-              </a:ext>
-            </a:extLst>
-          </p:cNvPr>
+          <p:cNvPr id="5" name="组合 4"/>
           <p:cNvGrpSpPr/>
           <p:nvPr/>
         </p:nvGrpSpPr>
@@ -15287,20 +14618,14 @@
         </p:grpSpPr>
         <p:pic>
           <p:nvPicPr>
-            <p:cNvPr id="6" name="Picture 2">
-              <a:extLst>
-                <a:ext uri="{FF2B5EF4-FFF2-40B4-BE49-F238E27FC236}">
-                  <a16:creationId xmlns:a16="http://schemas.microsoft.com/office/drawing/2014/main" id="{20446011-7876-4481-9210-E1FE0078279A}"/>
-                </a:ext>
-              </a:extLst>
-            </p:cNvPr>
+            <p:cNvPr id="6" name="Picture 2"/>
             <p:cNvPicPr>
               <a:picLocks noChangeAspect="1" noChangeArrowheads="1"/>
             </p:cNvPicPr>
             <p:nvPr/>
           </p:nvPicPr>
           <p:blipFill>
-            <a:blip r:embed="rId3" cstate="print">
+            <a:blip r:embed="rId1" cstate="print">
               <a:extLst>
                 <a:ext uri="{28A0092B-C50C-407E-A947-70E740481C1C}">
                   <a14:useLocalDpi xmlns:a14="http://schemas.microsoft.com/office/drawing/2010/main" val="0"/>
@@ -15357,20 +14682,14 @@
         </p:pic>
         <p:pic>
           <p:nvPicPr>
-            <p:cNvPr id="7" name="Picture 3">
-              <a:extLst>
-                <a:ext uri="{FF2B5EF4-FFF2-40B4-BE49-F238E27FC236}">
-                  <a16:creationId xmlns:a16="http://schemas.microsoft.com/office/drawing/2014/main" id="{E0ACAE95-DD7F-4C65-8CB1-5E1B28F95A53}"/>
-                </a:ext>
-              </a:extLst>
-            </p:cNvPr>
+            <p:cNvPr id="7" name="Picture 3"/>
             <p:cNvPicPr>
               <a:picLocks noChangeAspect="1" noChangeArrowheads="1"/>
             </p:cNvPicPr>
             <p:nvPr/>
           </p:nvPicPr>
           <p:blipFill>
-            <a:blip r:embed="rId4" cstate="print">
+            <a:blip r:embed="rId2" cstate="print">
               <a:extLst>
                 <a:ext uri="{28A0092B-C50C-407E-A947-70E740481C1C}">
                   <a14:useLocalDpi xmlns:a14="http://schemas.microsoft.com/office/drawing/2010/main" val="0"/>
@@ -15427,11 +14746,6 @@
         </p:pic>
       </p:grpSp>
     </p:spTree>
-    <p:extLst>
-      <p:ext uri="{BB962C8B-B14F-4D97-AF65-F5344CB8AC3E}">
-        <p14:creationId xmlns:p14="http://schemas.microsoft.com/office/powerpoint/2010/main" val="2833967219"/>
-      </p:ext>
-    </p:extLst>
   </p:cSld>
   <p:clrMapOvr>
     <a:masterClrMapping/>
@@ -15714,13 +15028,7 @@
       </p:sp>
       <p:sp>
         <p:nvSpPr>
-          <p:cNvPr id="4" name="标题 1">
-            <a:extLst>
-              <a:ext uri="{FF2B5EF4-FFF2-40B4-BE49-F238E27FC236}">
-                <a16:creationId xmlns:a16="http://schemas.microsoft.com/office/drawing/2014/main" id="{EE39C52E-CB9C-4B8B-A889-017E1FDDCDA3}"/>
-              </a:ext>
-            </a:extLst>
-          </p:cNvPr>
+          <p:cNvPr id="4" name="标题 1"/>
           <p:cNvSpPr txBox="1">
             <a:spLocks noChangeArrowheads="1"/>
           </p:cNvSpPr>
@@ -15902,6 +15210,16 @@
               </a:rPr>
               <a:t> 大规模数据挖掘</a:t>
             </a:r>
+            <a:endParaRPr lang="zh-CN" altLang="en-US" sz="3200" b="1" dirty="0">
+              <a:effectLst>
+                <a:outerShdw blurRad="38100" dist="38100" dir="2700000" algn="tl">
+                  <a:srgbClr val="000000">
+                    <a:alpha val="43137"/>
+                  </a:srgbClr>
+                </a:outerShdw>
+              </a:effectLst>
+              <a:latin typeface="+mj-ea"/>
+            </a:endParaRPr>
           </a:p>
         </p:txBody>
       </p:sp>
@@ -15935,13 +15253,7 @@
       </p:grpSpPr>
       <p:sp>
         <p:nvSpPr>
-          <p:cNvPr id="7171" name="内容占位符 2">
-            <a:extLst>
-              <a:ext uri="{FF2B5EF4-FFF2-40B4-BE49-F238E27FC236}">
-                <a16:creationId xmlns:a16="http://schemas.microsoft.com/office/drawing/2014/main" id="{CB39F74C-E5C5-4D5C-96A3-D50E2A720B41}"/>
-              </a:ext>
-            </a:extLst>
-          </p:cNvPr>
+          <p:cNvPr id="7171" name="内容占位符 2"/>
           <p:cNvSpPr>
             <a:spLocks noGrp="1" noChangeArrowheads="1"/>
           </p:cNvSpPr>
@@ -16163,15 +15475,14 @@
               </a:rPr>
               <a:t>章 数据挖掘基础</a:t>
             </a:r>
+            <a:endParaRPr lang="zh-CN" altLang="en-US" sz="3600" dirty="0">
+              <a:latin typeface="宋体 (正文)"/>
+              <a:ea typeface="黑体" panose="02010609060101010101" pitchFamily="49" charset="-122"/>
+            </a:endParaRPr>
           </a:p>
         </p:txBody>
       </p:sp>
     </p:spTree>
-    <p:extLst>
-      <p:ext uri="{BB962C8B-B14F-4D97-AF65-F5344CB8AC3E}">
-        <p14:creationId xmlns:p14="http://schemas.microsoft.com/office/powerpoint/2010/main" val="974104386"/>
-      </p:ext>
-    </p:extLst>
   </p:cSld>
   <p:clrMapOvr>
     <a:masterClrMapping/>
@@ -16449,6 +15760,12 @@
               </a:rPr>
               <a:t>关联的定义</a:t>
             </a:r>
+            <a:endParaRPr lang="zh-CN" altLang="en-US" sz="2400" b="1" dirty="0">
+              <a:solidFill>
+                <a:srgbClr val="00B0F0"/>
+              </a:solidFill>
+              <a:latin typeface="宋体" panose="02010600030101010101" pitchFamily="2" charset="-122"/>
+            </a:endParaRPr>
           </a:p>
           <a:p>
             <a:pPr lvl="1" indent="-342900" eaLnBrk="1" hangingPunct="1">
@@ -16529,13 +15846,7 @@
       </p:sp>
       <p:sp>
         <p:nvSpPr>
-          <p:cNvPr id="4" name="标题 2">
-            <a:extLst>
-              <a:ext uri="{FF2B5EF4-FFF2-40B4-BE49-F238E27FC236}">
-                <a16:creationId xmlns:a16="http://schemas.microsoft.com/office/drawing/2014/main" id="{F0ABA8F1-5238-4562-AEE7-705BF5BCB0CC}"/>
-              </a:ext>
-            </a:extLst>
-          </p:cNvPr>
+          <p:cNvPr id="4" name="标题 2"/>
           <p:cNvSpPr txBox="1">
             <a:spLocks noChangeArrowheads="1"/>
           </p:cNvSpPr>
@@ -16715,6 +16026,15 @@
               </a:rPr>
               <a:t>关联规则</a:t>
             </a:r>
+            <a:endParaRPr lang="zh-CN" altLang="en-US" sz="3200" b="1" dirty="0">
+              <a:effectLst>
+                <a:outerShdw blurRad="38100" dist="38100" dir="2700000" algn="tl">
+                  <a:srgbClr val="000000">
+                    <a:alpha val="43137"/>
+                  </a:srgbClr>
+                </a:outerShdw>
+              </a:effectLst>
+            </a:endParaRPr>
           </a:p>
         </p:txBody>
       </p:sp>
@@ -16967,6 +16287,7 @@
               <a:rPr lang="zh-CN" altLang="en-US" b="1" dirty="0"/>
               <a:t>你能发现下面的销售数据中的关联规则吗？</a:t>
             </a:r>
+            <a:endParaRPr lang="zh-CN" altLang="en-US" b="1" dirty="0"/>
           </a:p>
         </p:txBody>
       </p:sp>
@@ -16979,7 +16300,7 @@
           <p:nvPr/>
         </p:nvPicPr>
         <p:blipFill>
-          <a:blip r:embed="rId2">
+          <a:blip r:embed="rId1">
             <a:extLst>
               <a:ext uri="{28A0092B-C50C-407E-A947-70E740481C1C}">
                 <a14:useLocalDpi xmlns:a14="http://schemas.microsoft.com/office/drawing/2010/main" val="0"/>
@@ -17262,6 +16583,9 @@
               </a:rPr>
               <a:t>→ 啤酒</a:t>
             </a:r>
+            <a:endParaRPr lang="zh-CN" altLang="en-US" sz="1800">
+              <a:sym typeface="Arial" panose="020B0604020202020204" pitchFamily="34" charset="0"/>
+            </a:endParaRPr>
           </a:p>
           <a:p>
             <a:pPr eaLnBrk="1" hangingPunct="1">
@@ -17282,6 +16606,9 @@
               </a:rPr>
               <a:t>尿布 → 豆奶</a:t>
             </a:r>
+            <a:endParaRPr lang="zh-CN" altLang="en-US" sz="1800">
+              <a:sym typeface="Arial" panose="020B0604020202020204" pitchFamily="34" charset="0"/>
+            </a:endParaRPr>
           </a:p>
           <a:p>
             <a:pPr eaLnBrk="1" hangingPunct="1">
@@ -17302,18 +16629,15 @@
               </a:rPr>
               <a:t>...</a:t>
             </a:r>
+            <a:endParaRPr lang="zh-CN" altLang="en-US" sz="1800">
+              <a:sym typeface="Arial" panose="020B0604020202020204" pitchFamily="34" charset="0"/>
+            </a:endParaRPr>
           </a:p>
         </p:txBody>
       </p:sp>
       <p:sp>
         <p:nvSpPr>
-          <p:cNvPr id="6" name="标题 2">
-            <a:extLst>
-              <a:ext uri="{FF2B5EF4-FFF2-40B4-BE49-F238E27FC236}">
-                <a16:creationId xmlns:a16="http://schemas.microsoft.com/office/drawing/2014/main" id="{F5549FC5-017E-4A0B-955C-21059831B661}"/>
-              </a:ext>
-            </a:extLst>
-          </p:cNvPr>
+          <p:cNvPr id="6" name="标题 2"/>
           <p:cNvSpPr txBox="1">
             <a:spLocks noChangeArrowheads="1"/>
           </p:cNvSpPr>
@@ -17493,6 +16817,15 @@
               </a:rPr>
               <a:t>关联规则</a:t>
             </a:r>
+            <a:endParaRPr lang="zh-CN" altLang="en-US" sz="3200" b="1" dirty="0">
+              <a:effectLst>
+                <a:outerShdw blurRad="38100" dist="38100" dir="2700000" algn="tl">
+                  <a:srgbClr val="000000">
+                    <a:alpha val="43137"/>
+                  </a:srgbClr>
+                </a:outerShdw>
+              </a:effectLst>
+            </a:endParaRPr>
           </a:p>
         </p:txBody>
       </p:sp>
@@ -17513,13 +16846,13 @@
               <p:cTn id="2" dur="indefinite" nodeType="mainSeq">
                 <p:childTnLst>
                   <p:par>
-                    <p:cTn id="3" fill="hold" nodeType="clickPar">
+                    <p:cTn id="3" fill="hold">
                       <p:stCondLst>
                         <p:cond delay="indefinite"/>
                       </p:stCondLst>
                       <p:childTnLst>
                         <p:par>
-                          <p:cTn id="4" fill="hold" nodeType="withGroup">
+                          <p:cTn id="4" fill="hold">
                             <p:stCondLst>
                               <p:cond delay="0"/>
                             </p:stCondLst>
@@ -17612,13 +16945,7 @@
       </p:grpSpPr>
       <p:sp>
         <p:nvSpPr>
-          <p:cNvPr id="6" name="标题 2">
-            <a:extLst>
-              <a:ext uri="{FF2B5EF4-FFF2-40B4-BE49-F238E27FC236}">
-                <a16:creationId xmlns:a16="http://schemas.microsoft.com/office/drawing/2014/main" id="{F5549FC5-017E-4A0B-955C-21059831B661}"/>
-              </a:ext>
-            </a:extLst>
-          </p:cNvPr>
+          <p:cNvPr id="6" name="标题 2"/>
           <p:cNvSpPr txBox="1">
             <a:spLocks noChangeArrowheads="1"/>
           </p:cNvSpPr>
@@ -17798,18 +17125,21 @@
               </a:rPr>
               <a:t>关联规则</a:t>
             </a:r>
+            <a:endParaRPr lang="zh-CN" altLang="en-US" sz="3200" b="1" dirty="0">
+              <a:effectLst>
+                <a:outerShdw blurRad="38100" dist="38100" dir="2700000" algn="tl">
+                  <a:srgbClr val="000000">
+                    <a:alpha val="43137"/>
+                  </a:srgbClr>
+                </a:outerShdw>
+              </a:effectLst>
+            </a:endParaRPr>
           </a:p>
         </p:txBody>
       </p:sp>
       <p:sp>
         <p:nvSpPr>
-          <p:cNvPr id="8" name="Rectangle 3">
-            <a:extLst>
-              <a:ext uri="{FF2B5EF4-FFF2-40B4-BE49-F238E27FC236}">
-                <a16:creationId xmlns:a16="http://schemas.microsoft.com/office/drawing/2014/main" id="{0ED38138-2CC5-4A6F-B5F9-1A4822EBB370}"/>
-              </a:ext>
-            </a:extLst>
-          </p:cNvPr>
+          <p:cNvPr id="8" name="Rectangle 3"/>
           <p:cNvSpPr txBox="1">
             <a:spLocks noChangeArrowheads="1"/>
           </p:cNvSpPr>
@@ -18170,15 +17500,14 @@
               </a:rPr>
               <a:t>…</a:t>
             </a:r>
+            <a:endParaRPr lang="en-US" altLang="zh-CN" sz="2400" dirty="0">
+              <a:latin typeface="+mn-ea"/>
+              <a:ea typeface="+mn-ea"/>
+            </a:endParaRPr>
           </a:p>
         </p:txBody>
       </p:sp>
     </p:spTree>
-    <p:extLst>
-      <p:ext uri="{BB962C8B-B14F-4D97-AF65-F5344CB8AC3E}">
-        <p14:creationId xmlns:p14="http://schemas.microsoft.com/office/powerpoint/2010/main" val="3140064277"/>
-      </p:ext>
-    </p:extLst>
   </p:cSld>
   <p:clrMapOvr>
     <a:masterClrMapping/>
@@ -18493,6 +17822,9 @@
               </a:rPr>
               <a:t>。直观地看，最终形成的每个聚类，在空间上应该是一个相对稠密的区域。</a:t>
             </a:r>
+            <a:endParaRPr lang="zh-CN" altLang="en-US" sz="2400" dirty="0">
+              <a:latin typeface="宋体" panose="02010600030101010101" pitchFamily="2" charset="-122"/>
+            </a:endParaRPr>
           </a:p>
           <a:p>
             <a:pPr lvl="1">
@@ -18540,13 +17872,7 @@
       </p:sp>
       <p:sp>
         <p:nvSpPr>
-          <p:cNvPr id="5" name="标题 2">
-            <a:extLst>
-              <a:ext uri="{FF2B5EF4-FFF2-40B4-BE49-F238E27FC236}">
-                <a16:creationId xmlns:a16="http://schemas.microsoft.com/office/drawing/2014/main" id="{10BD38BA-99FF-4FF7-9090-43FDE9F1A08F}"/>
-              </a:ext>
-            </a:extLst>
-          </p:cNvPr>
+          <p:cNvPr id="5" name="标题 2"/>
           <p:cNvSpPr txBox="1">
             <a:spLocks noChangeArrowheads="1"/>
           </p:cNvSpPr>
@@ -18726,6 +18052,15 @@
               </a:rPr>
               <a:t>聚类分析</a:t>
             </a:r>
+            <a:endParaRPr lang="zh-CN" altLang="en-US" sz="3200" b="1" dirty="0">
+              <a:effectLst>
+                <a:outerShdw blurRad="38100" dist="38100" dir="2700000" algn="tl">
+                  <a:srgbClr val="000000">
+                    <a:alpha val="43137"/>
+                  </a:srgbClr>
+                </a:outerShdw>
+              </a:effectLst>
+            </a:endParaRPr>
           </a:p>
         </p:txBody>
       </p:sp>
@@ -18808,15 +18143,20 @@
               </a:rPr>
               <a:t>章 数据挖掘基础</a:t>
             </a:r>
+            <a:endParaRPr lang="zh-CN" altLang="en-US" sz="4400" b="1" dirty="0">
+              <a:solidFill>
+                <a:srgbClr val="FFC000"/>
+              </a:solidFill>
+              <a:latin typeface="微软雅黑" panose="020B0503020204020204" pitchFamily="34" charset="-122"/>
+              <a:ea typeface="微软雅黑" panose="020B0503020204020204" pitchFamily="34" charset="-122"/>
+            </a:endParaRPr>
           </a:p>
         </p:txBody>
       </p:sp>
       <p:sp>
         <p:nvSpPr>
           <p:cNvPr id="4099" name="内容占位符 2"/>
-          <p:cNvSpPr txBox="1">
-            <a:spLocks/>
-          </p:cNvSpPr>
+          <p:cNvSpPr txBox="1"/>
           <p:nvPr/>
         </p:nvSpPr>
         <p:spPr bwMode="auto">
@@ -19312,6 +18652,9 @@
               </a:rPr>
               <a:t>的问题，目的是将类似的事物放在一起。</a:t>
             </a:r>
+            <a:endParaRPr lang="zh-CN" altLang="en-US" sz="2800" b="1" dirty="0">
+              <a:latin typeface="宋体" panose="02010600030101010101" pitchFamily="2" charset="-122"/>
+            </a:endParaRPr>
           </a:p>
           <a:p>
             <a:pPr marL="0" indent="0" eaLnBrk="1" hangingPunct="1">
@@ -19326,6 +18669,9 @@
               </a:rPr>
               <a:t>例如，对学生进行分组的过程就可以称为聚类</a:t>
             </a:r>
+            <a:endParaRPr lang="zh-CN" altLang="en-US" sz="2800" dirty="0">
+              <a:latin typeface="宋体" panose="02010600030101010101" pitchFamily="2" charset="-122"/>
+            </a:endParaRPr>
           </a:p>
         </p:txBody>
       </p:sp>
@@ -19338,7 +18684,7 @@
           <p:nvPr/>
         </p:nvPicPr>
         <p:blipFill>
-          <a:blip r:embed="rId2">
+          <a:blip r:embed="rId1">
             <a:extLst>
               <a:ext uri="{28A0092B-C50C-407E-A947-70E740481C1C}">
                 <a14:useLocalDpi xmlns:a14="http://schemas.microsoft.com/office/drawing/2010/main" val="0"/>
@@ -19392,7 +18738,7 @@
           <p:nvPr/>
         </p:nvPicPr>
         <p:blipFill>
-          <a:blip r:embed="rId3">
+          <a:blip r:embed="rId2">
             <a:extLst>
               <a:ext uri="{28A0092B-C50C-407E-A947-70E740481C1C}">
                 <a14:useLocalDpi xmlns:a14="http://schemas.microsoft.com/office/drawing/2010/main" val="0"/>
@@ -19463,8 +18809,6 @@
               <a:schemeClr val="tx1"/>
             </a:solidFill>
             <a:round/>
-            <a:headEnd/>
-            <a:tailEnd/>
           </a:ln>
         </p:spPr>
         <p:txBody>
@@ -19659,6 +19003,12 @@
               </a:rPr>
               <a:t>聚类</a:t>
             </a:r>
+            <a:endParaRPr lang="zh-CN" altLang="en-US" sz="1800">
+              <a:solidFill>
+                <a:schemeClr val="bg1"/>
+              </a:solidFill>
+              <a:ea typeface="微软雅黑" panose="020B0503020204020204" pitchFamily="34" charset="-122"/>
+            </a:endParaRPr>
           </a:p>
           <a:p>
             <a:pPr algn="ctr" eaLnBrk="1" hangingPunct="1">
@@ -19679,6 +19029,12 @@
               </a:rPr>
               <a:t>算法</a:t>
             </a:r>
+            <a:endParaRPr lang="zh-CN" altLang="en-US" sz="1800">
+              <a:solidFill>
+                <a:schemeClr val="bg1"/>
+              </a:solidFill>
+              <a:ea typeface="微软雅黑" panose="020B0503020204020204" pitchFamily="34" charset="-122"/>
+            </a:endParaRPr>
           </a:p>
         </p:txBody>
       </p:sp>
@@ -19805,8 +19161,6 @@
               <a:schemeClr val="tx1"/>
             </a:solidFill>
             <a:miter lim="800000"/>
-            <a:headEnd/>
-            <a:tailEnd/>
           </a:ln>
         </p:spPr>
         <p:txBody>
@@ -19940,8 +19294,6 @@
               <a:schemeClr val="tx1"/>
             </a:solidFill>
             <a:miter lim="800000"/>
-            <a:headEnd/>
-            <a:tailEnd/>
           </a:ln>
         </p:spPr>
         <p:txBody>
@@ -19954,13 +19306,7 @@
       </p:sp>
       <p:sp>
         <p:nvSpPr>
-          <p:cNvPr id="12" name="标题 2">
-            <a:extLst>
-              <a:ext uri="{FF2B5EF4-FFF2-40B4-BE49-F238E27FC236}">
-                <a16:creationId xmlns:a16="http://schemas.microsoft.com/office/drawing/2014/main" id="{9A4F8999-8D74-461A-81B1-7F93A613F5A2}"/>
-              </a:ext>
-            </a:extLst>
-          </p:cNvPr>
+          <p:cNvPr id="12" name="标题 2"/>
           <p:cNvSpPr txBox="1">
             <a:spLocks noChangeArrowheads="1"/>
           </p:cNvSpPr>
@@ -20140,6 +19486,15 @@
               </a:rPr>
               <a:t>聚类分析</a:t>
             </a:r>
+            <a:endParaRPr lang="zh-CN" altLang="en-US" sz="3200" b="1" dirty="0">
+              <a:effectLst>
+                <a:outerShdw blurRad="38100" dist="38100" dir="2700000" algn="tl">
+                  <a:srgbClr val="000000">
+                    <a:alpha val="43137"/>
+                  </a:srgbClr>
+                </a:outerShdw>
+              </a:effectLst>
+            </a:endParaRPr>
           </a:p>
         </p:txBody>
       </p:sp>
@@ -20160,13 +19515,13 @@
               <p:cTn id="2" dur="indefinite" nodeType="mainSeq">
                 <p:childTnLst>
                   <p:par>
-                    <p:cTn id="3" fill="hold" nodeType="clickPar">
+                    <p:cTn id="3" fill="hold">
                       <p:stCondLst>
                         <p:cond delay="indefinite"/>
                       </p:stCondLst>
                       <p:childTnLst>
                         <p:par>
-                          <p:cTn id="4" fill="hold" nodeType="withGroup">
+                          <p:cTn id="4" fill="hold">
                             <p:stCondLst>
                               <p:cond delay="0"/>
                             </p:stCondLst>
@@ -20213,13 +19568,13 @@
                     </p:cTn>
                   </p:par>
                   <p:par>
-                    <p:cTn id="8" fill="hold" nodeType="clickPar">
+                    <p:cTn id="8" fill="hold">
                       <p:stCondLst>
                         <p:cond delay="indefinite"/>
                       </p:stCondLst>
                       <p:childTnLst>
                         <p:par>
-                          <p:cTn id="9" fill="hold" nodeType="withGroup">
+                          <p:cTn id="9" fill="hold">
                             <p:stCondLst>
                               <p:cond delay="0"/>
                             </p:stCondLst>
@@ -20266,13 +19621,13 @@
                     </p:cTn>
                   </p:par>
                   <p:par>
-                    <p:cTn id="13" fill="hold" nodeType="clickPar">
+                    <p:cTn id="13" fill="hold">
                       <p:stCondLst>
                         <p:cond delay="indefinite"/>
                       </p:stCondLst>
                       <p:childTnLst>
                         <p:par>
-                          <p:cTn id="14" fill="hold" nodeType="withGroup">
+                          <p:cTn id="14" fill="hold">
                             <p:stCondLst>
                               <p:cond delay="0"/>
                             </p:stCondLst>
@@ -20319,13 +19674,13 @@
                     </p:cTn>
                   </p:par>
                   <p:par>
-                    <p:cTn id="18" fill="hold" nodeType="clickPar">
+                    <p:cTn id="18" fill="hold">
                       <p:stCondLst>
                         <p:cond delay="indefinite"/>
                       </p:stCondLst>
                       <p:childTnLst>
                         <p:par>
-                          <p:cTn id="19" fill="hold" nodeType="withGroup">
+                          <p:cTn id="19" fill="hold">
                             <p:stCondLst>
                               <p:cond delay="0"/>
                             </p:stCondLst>
@@ -20369,7 +19724,7 @@
                           </p:cTn>
                         </p:par>
                         <p:par>
-                          <p:cTn id="23" fill="hold" nodeType="afterGroup">
+                          <p:cTn id="23" fill="hold">
                             <p:stCondLst>
                               <p:cond delay="500"/>
                             </p:stCondLst>
@@ -20695,6 +20050,9 @@
               </a:rPr>
               <a:t>主要包括划分聚类、层次聚类、基于密度的聚类等；</a:t>
             </a:r>
+            <a:endParaRPr lang="zh-CN" altLang="en-US" sz="2800" b="1" dirty="0">
+              <a:latin typeface="宋体" panose="02010600030101010101" pitchFamily="2" charset="-122"/>
+            </a:endParaRPr>
           </a:p>
           <a:p>
             <a:pPr marL="0" indent="0">
@@ -20724,6 +20082,9 @@
               </a:rPr>
               <a:t>，典型的是欧氏距离；距离越大，则相似性越小，反之亦然；</a:t>
             </a:r>
+            <a:endParaRPr lang="zh-CN" altLang="en-US" sz="2800" b="1" dirty="0">
+              <a:latin typeface="宋体" panose="02010600030101010101" pitchFamily="2" charset="-122"/>
+            </a:endParaRPr>
           </a:p>
           <a:p>
             <a:pPr marL="0" indent="0">
@@ -20753,18 +20114,15 @@
               </a:rPr>
               <a:t>。</a:t>
             </a:r>
+            <a:endParaRPr lang="zh-CN" altLang="en-US" sz="2800" b="1" dirty="0">
+              <a:latin typeface="宋体" panose="02010600030101010101" pitchFamily="2" charset="-122"/>
+            </a:endParaRPr>
           </a:p>
         </p:txBody>
       </p:sp>
       <p:sp>
         <p:nvSpPr>
-          <p:cNvPr id="4" name="标题 2">
-            <a:extLst>
-              <a:ext uri="{FF2B5EF4-FFF2-40B4-BE49-F238E27FC236}">
-                <a16:creationId xmlns:a16="http://schemas.microsoft.com/office/drawing/2014/main" id="{F621879C-AE51-4B49-89D9-7D63AD1A975A}"/>
-              </a:ext>
-            </a:extLst>
-          </p:cNvPr>
+          <p:cNvPr id="4" name="标题 2"/>
           <p:cNvSpPr txBox="1">
             <a:spLocks noChangeArrowheads="1"/>
           </p:cNvSpPr>
@@ -20944,6 +20302,15 @@
               </a:rPr>
               <a:t>聚类分析</a:t>
             </a:r>
+            <a:endParaRPr lang="zh-CN" altLang="en-US" sz="3200" b="1" dirty="0">
+              <a:effectLst>
+                <a:outerShdw blurRad="38100" dist="38100" dir="2700000" algn="tl">
+                  <a:srgbClr val="000000">
+                    <a:alpha val="43137"/>
+                  </a:srgbClr>
+                </a:outerShdw>
+              </a:effectLst>
+            </a:endParaRPr>
           </a:p>
         </p:txBody>
       </p:sp>
@@ -21205,13 +20572,7 @@
       </p:sp>
       <p:sp>
         <p:nvSpPr>
-          <p:cNvPr id="5" name="Rectangle 3">
-            <a:extLst>
-              <a:ext uri="{FF2B5EF4-FFF2-40B4-BE49-F238E27FC236}">
-                <a16:creationId xmlns:a16="http://schemas.microsoft.com/office/drawing/2014/main" id="{65B2125B-DD80-47B5-A09A-C8607A3B0B05}"/>
-              </a:ext>
-            </a:extLst>
-          </p:cNvPr>
+          <p:cNvPr id="5" name="Rectangle 3"/>
           <p:cNvSpPr txBox="1">
             <a:spLocks noChangeArrowheads="1"/>
           </p:cNvSpPr>
@@ -21477,6 +20838,20 @@
               </a:rPr>
               <a:t>分类的定义</a:t>
             </a:r>
+            <a:endParaRPr lang="zh-CN" altLang="en-US" sz="2800" b="1" dirty="0">
+              <a:solidFill>
+                <a:srgbClr val="00B0F0"/>
+              </a:solidFill>
+              <a:effectLst>
+                <a:outerShdw blurRad="38100" dist="38100" dir="2700000" algn="tl">
+                  <a:srgbClr val="000000">
+                    <a:alpha val="43137"/>
+                  </a:srgbClr>
+                </a:outerShdw>
+              </a:effectLst>
+              <a:latin typeface="宋体" panose="02010600030101010101" pitchFamily="2" charset="-122"/>
+              <a:ea typeface="宋体" panose="02010600030101010101" pitchFamily="2" charset="-122"/>
+            </a:endParaRPr>
           </a:p>
           <a:p>
             <a:pPr marL="400050" lvl="1" indent="0" eaLnBrk="1" hangingPunct="1">
@@ -21530,18 +20905,19 @@
               </a:rPr>
               <a:t>。</a:t>
             </a:r>
+            <a:endParaRPr lang="zh-CN" altLang="en-US" sz="2400" b="1" dirty="0">
+              <a:solidFill>
+                <a:srgbClr val="FF0000"/>
+              </a:solidFill>
+              <a:latin typeface="宋体" panose="02010600030101010101" pitchFamily="2" charset="-122"/>
+              <a:ea typeface="宋体" panose="02010600030101010101" pitchFamily="2" charset="-122"/>
+            </a:endParaRPr>
           </a:p>
         </p:txBody>
       </p:sp>
       <p:sp>
         <p:nvSpPr>
-          <p:cNvPr id="6" name="标题 2">
-            <a:extLst>
-              <a:ext uri="{FF2B5EF4-FFF2-40B4-BE49-F238E27FC236}">
-                <a16:creationId xmlns:a16="http://schemas.microsoft.com/office/drawing/2014/main" id="{BBD2825F-33B0-42C2-BAE5-032AD7026F06}"/>
-              </a:ext>
-            </a:extLst>
-          </p:cNvPr>
+          <p:cNvPr id="6" name="标题 2"/>
           <p:cNvSpPr txBox="1">
             <a:spLocks noChangeArrowheads="1"/>
           </p:cNvSpPr>
@@ -21721,6 +21097,15 @@
               </a:rPr>
               <a:t>分类分析</a:t>
             </a:r>
+            <a:endParaRPr lang="zh-CN" altLang="en-US" sz="3200" b="1" dirty="0">
+              <a:effectLst>
+                <a:outerShdw blurRad="38100" dist="38100" dir="2700000" algn="tl">
+                  <a:srgbClr val="000000">
+                    <a:alpha val="43137"/>
+                  </a:srgbClr>
+                </a:outerShdw>
+              </a:effectLst>
+            </a:endParaRPr>
           </a:p>
         </p:txBody>
       </p:sp>
@@ -22006,8 +21391,6 @@
               <a:schemeClr val="tx1"/>
             </a:solidFill>
             <a:round/>
-            <a:headEnd/>
-            <a:tailEnd/>
           </a:ln>
         </p:spPr>
         <p:txBody>
@@ -22202,6 +21585,12 @@
               </a:rPr>
               <a:t>分类</a:t>
             </a:r>
+            <a:endParaRPr lang="zh-CN" altLang="en-US" sz="1800">
+              <a:solidFill>
+                <a:schemeClr val="bg1"/>
+              </a:solidFill>
+              <a:ea typeface="微软雅黑" panose="020B0503020204020204" pitchFamily="34" charset="-122"/>
+            </a:endParaRPr>
           </a:p>
           <a:p>
             <a:pPr algn="ctr" eaLnBrk="1" hangingPunct="1">
@@ -22222,6 +21611,12 @@
               </a:rPr>
               <a:t>算法</a:t>
             </a:r>
+            <a:endParaRPr lang="zh-CN" altLang="en-US" sz="1800">
+              <a:solidFill>
+                <a:schemeClr val="bg1"/>
+              </a:solidFill>
+              <a:ea typeface="微软雅黑" panose="020B0503020204020204" pitchFamily="34" charset="-122"/>
+            </a:endParaRPr>
           </a:p>
         </p:txBody>
       </p:sp>
@@ -22249,8 +21644,6 @@
               <a:schemeClr val="tx1"/>
             </a:solidFill>
             <a:miter lim="800000"/>
-            <a:headEnd/>
-            <a:tailEnd/>
           </a:ln>
         </p:spPr>
         <p:txBody>
@@ -22445,6 +21838,12 @@
               </a:rPr>
               <a:t>邮件</a:t>
             </a:r>
+            <a:endParaRPr lang="zh-CN" altLang="en-US" sz="1800">
+              <a:solidFill>
+                <a:schemeClr val="bg1"/>
+              </a:solidFill>
+              <a:ea typeface="微软雅黑" panose="020B0503020204020204" pitchFamily="34" charset="-122"/>
+            </a:endParaRPr>
           </a:p>
         </p:txBody>
       </p:sp>
@@ -22571,8 +21970,6 @@
               <a:schemeClr val="tx1"/>
             </a:solidFill>
             <a:miter lim="800000"/>
-            <a:headEnd/>
-            <a:tailEnd/>
           </a:ln>
         </p:spPr>
         <p:txBody>
@@ -22706,8 +22103,6 @@
               <a:schemeClr val="tx1"/>
             </a:solidFill>
             <a:miter lim="800000"/>
-            <a:headEnd/>
-            <a:tailEnd/>
           </a:ln>
         </p:spPr>
         <p:txBody>
@@ -22841,8 +22236,6 @@
               <a:schemeClr val="tx1"/>
             </a:solidFill>
             <a:miter lim="800000"/>
-            <a:headEnd/>
-            <a:tailEnd/>
           </a:ln>
         </p:spPr>
         <p:txBody>
@@ -22877,8 +22270,6 @@
               <a:schemeClr val="tx1"/>
             </a:solidFill>
             <a:round/>
-            <a:headEnd/>
-            <a:tailEnd/>
           </a:ln>
         </p:spPr>
         <p:txBody>
@@ -23070,6 +22461,9 @@
               </a:rPr>
               <a:t>正常邮件</a:t>
             </a:r>
+            <a:endParaRPr lang="zh-CN" altLang="en-US" sz="1800">
+              <a:ea typeface="微软雅黑" panose="020B0503020204020204" pitchFamily="34" charset="-122"/>
+            </a:endParaRPr>
           </a:p>
         </p:txBody>
       </p:sp>
@@ -23097,8 +22491,6 @@
               <a:srgbClr val="FF5050"/>
             </a:solidFill>
             <a:round/>
-            <a:headEnd/>
-            <a:tailEnd/>
           </a:ln>
         </p:spPr>
         <p:txBody>
@@ -23293,6 +22685,12 @@
               </a:rPr>
               <a:t>垃圾邮件</a:t>
             </a:r>
+            <a:endParaRPr lang="zh-CN" altLang="en-US" sz="1800">
+              <a:solidFill>
+                <a:srgbClr val="FF5050"/>
+              </a:solidFill>
+              <a:ea typeface="微软雅黑" panose="020B0503020204020204" pitchFamily="34" charset="-122"/>
+            </a:endParaRPr>
           </a:p>
         </p:txBody>
       </p:sp>
@@ -23339,7 +22737,7 @@
         <p:txBody>
           <a:bodyPr/>
           <a:lstStyle>
-            <a:lvl1pPr marL="357188" indent="-357188">
+            <a:lvl1pPr marL="357505" indent="-357505">
               <a:spcBef>
                 <a:spcPct val="20000"/>
               </a:spcBef>
@@ -23541,18 +22939,15 @@
               </a:rPr>
               <a:t>出哪组是垃圾文件。</a:t>
             </a:r>
+            <a:endParaRPr lang="zh-CN" altLang="en-US" sz="2800" b="1" dirty="0">
+              <a:latin typeface="宋体" panose="02010600030101010101" pitchFamily="2" charset="-122"/>
+            </a:endParaRPr>
           </a:p>
         </p:txBody>
       </p:sp>
       <p:sp>
         <p:nvSpPr>
-          <p:cNvPr id="14" name="标题 2">
-            <a:extLst>
-              <a:ext uri="{FF2B5EF4-FFF2-40B4-BE49-F238E27FC236}">
-                <a16:creationId xmlns:a16="http://schemas.microsoft.com/office/drawing/2014/main" id="{08EFCEF4-3FDD-4E38-80D3-836ED1AC470A}"/>
-              </a:ext>
-            </a:extLst>
-          </p:cNvPr>
+          <p:cNvPr id="14" name="标题 2"/>
           <p:cNvSpPr txBox="1">
             <a:spLocks noChangeArrowheads="1"/>
           </p:cNvSpPr>
@@ -23732,6 +23127,15 @@
               </a:rPr>
               <a:t>分类分析</a:t>
             </a:r>
+            <a:endParaRPr lang="zh-CN" altLang="en-US" sz="3200" b="1" dirty="0">
+              <a:effectLst>
+                <a:outerShdw blurRad="38100" dist="38100" dir="2700000" algn="tl">
+                  <a:srgbClr val="000000">
+                    <a:alpha val="43137"/>
+                  </a:srgbClr>
+                </a:outerShdw>
+              </a:effectLst>
+            </a:endParaRPr>
           </a:p>
         </p:txBody>
       </p:sp>
@@ -23752,13 +23156,13 @@
               <p:cTn id="2" dur="indefinite" nodeType="mainSeq">
                 <p:childTnLst>
                   <p:par>
-                    <p:cTn id="3" fill="hold" nodeType="clickPar">
+                    <p:cTn id="3" fill="hold">
                       <p:stCondLst>
                         <p:cond delay="indefinite"/>
                       </p:stCondLst>
                       <p:childTnLst>
                         <p:par>
-                          <p:cTn id="4" fill="hold" nodeType="withGroup">
+                          <p:cTn id="4" fill="hold">
                             <p:stCondLst>
                               <p:cond delay="0"/>
                             </p:stCondLst>
@@ -23805,13 +23209,13 @@
                     </p:cTn>
                   </p:par>
                   <p:par>
-                    <p:cTn id="8" fill="hold" nodeType="clickPar">
+                    <p:cTn id="8" fill="hold">
                       <p:stCondLst>
                         <p:cond delay="indefinite"/>
                       </p:stCondLst>
                       <p:childTnLst>
                         <p:par>
-                          <p:cTn id="9" fill="hold" nodeType="withGroup">
+                          <p:cTn id="9" fill="hold">
                             <p:stCondLst>
                               <p:cond delay="0"/>
                             </p:stCondLst>
@@ -23858,13 +23262,13 @@
                     </p:cTn>
                   </p:par>
                   <p:par>
-                    <p:cTn id="13" fill="hold" nodeType="clickPar">
+                    <p:cTn id="13" fill="hold">
                       <p:stCondLst>
                         <p:cond delay="indefinite"/>
                       </p:stCondLst>
                       <p:childTnLst>
                         <p:par>
-                          <p:cTn id="14" fill="hold" nodeType="withGroup">
+                          <p:cTn id="14" fill="hold">
                             <p:stCondLst>
                               <p:cond delay="0"/>
                             </p:stCondLst>
@@ -23911,13 +23315,13 @@
                     </p:cTn>
                   </p:par>
                   <p:par>
-                    <p:cTn id="18" fill="hold" nodeType="clickPar">
+                    <p:cTn id="18" fill="hold">
                       <p:stCondLst>
                         <p:cond delay="indefinite"/>
                       </p:stCondLst>
                       <p:childTnLst>
                         <p:par>
-                          <p:cTn id="19" fill="hold" nodeType="withGroup">
+                          <p:cTn id="19" fill="hold">
                             <p:stCondLst>
                               <p:cond delay="0"/>
                             </p:stCondLst>
@@ -23964,13 +23368,13 @@
                     </p:cTn>
                   </p:par>
                   <p:par>
-                    <p:cTn id="23" fill="hold" nodeType="clickPar">
+                    <p:cTn id="23" fill="hold">
                       <p:stCondLst>
                         <p:cond delay="indefinite"/>
                       </p:stCondLst>
                       <p:childTnLst>
                         <p:par>
-                          <p:cTn id="24" fill="hold" nodeType="withGroup">
+                          <p:cTn id="24" fill="hold">
                             <p:stCondLst>
                               <p:cond delay="0"/>
                             </p:stCondLst>
@@ -24049,7 +23453,7 @@
                           </p:cTn>
                         </p:par>
                         <p:par>
-                          <p:cTn id="31" fill="hold" nodeType="afterGroup">
+                          <p:cTn id="31" fill="hold">
                             <p:stCondLst>
                               <p:cond delay="500"/>
                             </p:stCondLst>
@@ -24093,7 +23497,7 @@
                           </p:cTn>
                         </p:par>
                         <p:par>
-                          <p:cTn id="35" fill="hold" nodeType="afterGroup">
+                          <p:cTn id="35" fill="hold">
                             <p:stCondLst>
                               <p:cond delay="1000"/>
                             </p:stCondLst>
@@ -24453,6 +23857,9 @@
               </a:rPr>
               <a:t> </a:t>
             </a:r>
+            <a:endParaRPr lang="zh-CN" altLang="en-US" sz="2800" dirty="0">
+              <a:latin typeface="宋体" panose="02010600030101010101" pitchFamily="2" charset="-122"/>
+            </a:endParaRPr>
           </a:p>
           <a:p>
             <a:pPr lvl="1" indent="-342900">
@@ -24480,6 +23887,9 @@
               </a:rPr>
               <a:t>：通过对训练数据集的学习来建立分类模型。 </a:t>
             </a:r>
+            <a:endParaRPr lang="zh-CN" altLang="en-US" sz="2400" dirty="0">
+              <a:latin typeface="宋体" panose="02010600030101010101" pitchFamily="2" charset="-122"/>
+            </a:endParaRPr>
           </a:p>
           <a:p>
             <a:pPr lvl="1" indent="-342900">
@@ -24507,6 +23917,9 @@
               </a:rPr>
               <a:t>：使用分类模型对测试数据和新的数据进行分类</a:t>
             </a:r>
+            <a:endParaRPr lang="zh-CN" altLang="en-US" sz="2400" dirty="0">
+              <a:latin typeface="宋体" panose="02010600030101010101" pitchFamily="2" charset="-122"/>
+            </a:endParaRPr>
           </a:p>
           <a:p>
             <a:pPr marL="0" indent="0">
@@ -24542,6 +23955,9 @@
               </a:rPr>
               <a:t>。通常分类模型是以分类规则、决策树或数学表达式的形式给出。</a:t>
             </a:r>
+            <a:endParaRPr lang="zh-CN" altLang="en-US" sz="2400" dirty="0">
+              <a:latin typeface="宋体" panose="02010600030101010101" pitchFamily="2" charset="-122"/>
+            </a:endParaRPr>
           </a:p>
           <a:p>
             <a:pPr marL="457200" lvl="1" indent="0">
@@ -24553,13 +23969,7 @@
       </p:sp>
       <p:sp>
         <p:nvSpPr>
-          <p:cNvPr id="4" name="标题 2">
-            <a:extLst>
-              <a:ext uri="{FF2B5EF4-FFF2-40B4-BE49-F238E27FC236}">
-                <a16:creationId xmlns:a16="http://schemas.microsoft.com/office/drawing/2014/main" id="{FCF917A7-CFE8-460A-992F-46A531B6D717}"/>
-              </a:ext>
-            </a:extLst>
-          </p:cNvPr>
+          <p:cNvPr id="4" name="标题 2"/>
           <p:cNvSpPr txBox="1">
             <a:spLocks noChangeArrowheads="1"/>
           </p:cNvSpPr>
@@ -24739,15 +24149,19 @@
               </a:rPr>
               <a:t>分类分析</a:t>
             </a:r>
+            <a:endParaRPr lang="zh-CN" altLang="en-US" sz="3200" b="1" dirty="0">
+              <a:effectLst>
+                <a:outerShdw blurRad="38100" dist="38100" dir="2700000" algn="tl">
+                  <a:srgbClr val="000000">
+                    <a:alpha val="43137"/>
+                  </a:srgbClr>
+                </a:outerShdw>
+              </a:effectLst>
+            </a:endParaRPr>
           </a:p>
         </p:txBody>
       </p:sp>
     </p:spTree>
-    <p:extLst>
-      <p:ext uri="{BB962C8B-B14F-4D97-AF65-F5344CB8AC3E}">
-        <p14:creationId xmlns:p14="http://schemas.microsoft.com/office/powerpoint/2010/main" val="715313817"/>
-      </p:ext>
-    </p:extLst>
   </p:cSld>
   <p:clrMapOvr>
     <a:masterClrMapping/>
@@ -25107,18 +24521,15 @@
               </a:rPr>
               <a:t>…</a:t>
             </a:r>
+            <a:endParaRPr lang="en-US" altLang="zh-CN" sz="2400" dirty="0">
+              <a:latin typeface="宋体" panose="02010600030101010101" pitchFamily="2" charset="-122"/>
+            </a:endParaRPr>
           </a:p>
         </p:txBody>
       </p:sp>
       <p:sp>
         <p:nvSpPr>
-          <p:cNvPr id="4" name="标题 2">
-            <a:extLst>
-              <a:ext uri="{FF2B5EF4-FFF2-40B4-BE49-F238E27FC236}">
-                <a16:creationId xmlns:a16="http://schemas.microsoft.com/office/drawing/2014/main" id="{3C46D03C-136C-48ED-894B-62EC882981F7}"/>
-              </a:ext>
-            </a:extLst>
-          </p:cNvPr>
+          <p:cNvPr id="4" name="标题 2"/>
           <p:cNvSpPr txBox="1">
             <a:spLocks noChangeArrowheads="1"/>
           </p:cNvSpPr>
@@ -25298,6 +24709,15 @@
               </a:rPr>
               <a:t>分类分析</a:t>
             </a:r>
+            <a:endParaRPr lang="zh-CN" altLang="en-US" sz="3200" b="1" dirty="0">
+              <a:effectLst>
+                <a:outerShdw blurRad="38100" dist="38100" dir="2700000" algn="tl">
+                  <a:srgbClr val="000000">
+                    <a:alpha val="43137"/>
+                  </a:srgbClr>
+                </a:outerShdw>
+              </a:effectLst>
+            </a:endParaRPr>
           </a:p>
         </p:txBody>
       </p:sp>
@@ -25639,6 +25059,7 @@
               <a:rPr lang="zh-CN" altLang="zh-CN" sz="2400" dirty="0"/>
               <a:t>去近似代替比较复杂的相关关系。</a:t>
             </a:r>
+            <a:endParaRPr lang="zh-CN" altLang="zh-CN" sz="2400" dirty="0"/>
           </a:p>
           <a:p>
             <a:pPr marL="400050" lvl="1" indent="0">
@@ -25661,13 +25082,7 @@
       </p:sp>
       <p:sp>
         <p:nvSpPr>
-          <p:cNvPr id="4" name="标题 2">
-            <a:extLst>
-              <a:ext uri="{FF2B5EF4-FFF2-40B4-BE49-F238E27FC236}">
-                <a16:creationId xmlns:a16="http://schemas.microsoft.com/office/drawing/2014/main" id="{F41EE9D8-5386-489C-80A2-922B719EFA63}"/>
-              </a:ext>
-            </a:extLst>
-          </p:cNvPr>
+          <p:cNvPr id="4" name="标题 2"/>
           <p:cNvSpPr txBox="1">
             <a:spLocks noChangeArrowheads="1"/>
           </p:cNvSpPr>
@@ -25847,6 +25262,15 @@
               </a:rPr>
               <a:t>回归分析</a:t>
             </a:r>
+            <a:endParaRPr lang="zh-CN" altLang="en-US" sz="3200" b="1" dirty="0">
+              <a:effectLst>
+                <a:outerShdw blurRad="38100" dist="38100" dir="2700000" algn="tl">
+                  <a:srgbClr val="000000">
+                    <a:alpha val="43137"/>
+                  </a:srgbClr>
+                </a:outerShdw>
+              </a:effectLst>
+            </a:endParaRPr>
           </a:p>
         </p:txBody>
       </p:sp>
@@ -26174,13 +25598,7 @@
       </p:sp>
       <p:sp>
         <p:nvSpPr>
-          <p:cNvPr id="4" name="标题 2">
-            <a:extLst>
-              <a:ext uri="{FF2B5EF4-FFF2-40B4-BE49-F238E27FC236}">
-                <a16:creationId xmlns:a16="http://schemas.microsoft.com/office/drawing/2014/main" id="{04F67D46-CF69-4F7B-B757-B98E0F78431E}"/>
-              </a:ext>
-            </a:extLst>
-          </p:cNvPr>
+          <p:cNvPr id="4" name="标题 2"/>
           <p:cNvSpPr txBox="1">
             <a:spLocks noChangeArrowheads="1"/>
           </p:cNvSpPr>
@@ -26360,6 +25778,15 @@
               </a:rPr>
               <a:t>回归分析</a:t>
             </a:r>
+            <a:endParaRPr lang="zh-CN" altLang="en-US" sz="3200" b="1" dirty="0">
+              <a:effectLst>
+                <a:outerShdw blurRad="38100" dist="38100" dir="2700000" algn="tl">
+                  <a:srgbClr val="000000">
+                    <a:alpha val="43137"/>
+                  </a:srgbClr>
+                </a:outerShdw>
+              </a:effectLst>
+            </a:endParaRPr>
           </a:p>
         </p:txBody>
       </p:sp>
@@ -26630,13 +26057,7 @@
       </p:sp>
       <p:sp>
         <p:nvSpPr>
-          <p:cNvPr id="4" name="标题 2">
-            <a:extLst>
-              <a:ext uri="{FF2B5EF4-FFF2-40B4-BE49-F238E27FC236}">
-                <a16:creationId xmlns:a16="http://schemas.microsoft.com/office/drawing/2014/main" id="{04F67D46-CF69-4F7B-B757-B98E0F78431E}"/>
-              </a:ext>
-            </a:extLst>
-          </p:cNvPr>
+          <p:cNvPr id="4" name="标题 2"/>
           <p:cNvSpPr txBox="1">
             <a:spLocks noChangeArrowheads="1"/>
           </p:cNvSpPr>
@@ -26816,18 +26237,21 @@
               </a:rPr>
               <a:t>回归分析</a:t>
             </a:r>
+            <a:endParaRPr lang="zh-CN" altLang="en-US" sz="3200" b="1" dirty="0">
+              <a:effectLst>
+                <a:outerShdw blurRad="38100" dist="38100" dir="2700000" algn="tl">
+                  <a:srgbClr val="000000">
+                    <a:alpha val="43137"/>
+                  </a:srgbClr>
+                </a:outerShdw>
+              </a:effectLst>
+            </a:endParaRPr>
           </a:p>
         </p:txBody>
       </p:sp>
       <p:sp>
         <p:nvSpPr>
-          <p:cNvPr id="5" name="Rectangle 3">
-            <a:extLst>
-              <a:ext uri="{FF2B5EF4-FFF2-40B4-BE49-F238E27FC236}">
-                <a16:creationId xmlns:a16="http://schemas.microsoft.com/office/drawing/2014/main" id="{DF92CCEE-D6DE-4388-B1E6-66223A0B508E}"/>
-              </a:ext>
-            </a:extLst>
-          </p:cNvPr>
+          <p:cNvPr id="5" name="Rectangle 3"/>
           <p:cNvSpPr txBox="1">
             <a:spLocks noChangeArrowheads="1"/>
           </p:cNvSpPr>
@@ -27124,15 +26548,13 @@
               </a:rPr>
               <a:t>…</a:t>
             </a:r>
+            <a:endParaRPr lang="en-US" altLang="zh-CN" sz="2400" dirty="0">
+              <a:latin typeface="宋体" panose="02010600030101010101" pitchFamily="2" charset="-122"/>
+            </a:endParaRPr>
           </a:p>
         </p:txBody>
       </p:sp>
     </p:spTree>
-    <p:extLst>
-      <p:ext uri="{BB962C8B-B14F-4D97-AF65-F5344CB8AC3E}">
-        <p14:creationId xmlns:p14="http://schemas.microsoft.com/office/powerpoint/2010/main" val="2521825280"/>
-      </p:ext>
-    </p:extLst>
   </p:cSld>
   <p:clrMapOvr>
     <a:masterClrMapping/>
@@ -27468,13 +26890,7 @@
       </p:sp>
       <p:sp>
         <p:nvSpPr>
-          <p:cNvPr id="4" name="标题 2">
-            <a:extLst>
-              <a:ext uri="{FF2B5EF4-FFF2-40B4-BE49-F238E27FC236}">
-                <a16:creationId xmlns:a16="http://schemas.microsoft.com/office/drawing/2014/main" id="{F1F875B9-DE18-4983-AE93-071F21E2672E}"/>
-              </a:ext>
-            </a:extLst>
-          </p:cNvPr>
+          <p:cNvPr id="4" name="标题 2"/>
           <p:cNvSpPr txBox="1">
             <a:spLocks noChangeArrowheads="1"/>
           </p:cNvSpPr>
@@ -27654,6 +27070,15 @@
               </a:rPr>
               <a:t>相关分析</a:t>
             </a:r>
+            <a:endParaRPr lang="zh-CN" altLang="en-US" sz="3200" b="1" dirty="0">
+              <a:effectLst>
+                <a:outerShdw blurRad="38100" dist="38100" dir="2700000" algn="tl">
+                  <a:srgbClr val="000000">
+                    <a:alpha val="43137"/>
+                  </a:srgbClr>
+                </a:outerShdw>
+              </a:effectLst>
+            </a:endParaRPr>
           </a:p>
         </p:txBody>
       </p:sp>
@@ -27721,18 +27146,16 @@
               </a:rPr>
               <a:t>章 数据挖掘基础</a:t>
             </a:r>
+            <a:endParaRPr lang="zh-CN" altLang="en-US" sz="3600" dirty="0">
+              <a:latin typeface="宋体 (正文)"/>
+              <a:ea typeface="黑体" panose="02010609060101010101" pitchFamily="49" charset="-122"/>
+            </a:endParaRPr>
           </a:p>
         </p:txBody>
       </p:sp>
       <p:sp>
         <p:nvSpPr>
-          <p:cNvPr id="7171" name="内容占位符 2">
-            <a:extLst>
-              <a:ext uri="{FF2B5EF4-FFF2-40B4-BE49-F238E27FC236}">
-                <a16:creationId xmlns:a16="http://schemas.microsoft.com/office/drawing/2014/main" id="{CB39F74C-E5C5-4D5C-96A3-D50E2A720B41}"/>
-              </a:ext>
-            </a:extLst>
-          </p:cNvPr>
+          <p:cNvPr id="7171" name="内容占位符 2"/>
           <p:cNvSpPr>
             <a:spLocks noGrp="1" noChangeArrowheads="1"/>
           </p:cNvSpPr>
@@ -27920,11 +27343,6 @@
         </p:txBody>
       </p:sp>
     </p:spTree>
-    <p:extLst>
-      <p:ext uri="{BB962C8B-B14F-4D97-AF65-F5344CB8AC3E}">
-        <p14:creationId xmlns:p14="http://schemas.microsoft.com/office/powerpoint/2010/main" val="1147145183"/>
-      </p:ext>
-    </p:extLst>
   </p:cSld>
   <p:clrMapOvr>
     <a:masterClrMapping/>
@@ -27954,13 +27372,7 @@
       </p:grpSpPr>
       <p:sp>
         <p:nvSpPr>
-          <p:cNvPr id="4" name="标题 2">
-            <a:extLst>
-              <a:ext uri="{FF2B5EF4-FFF2-40B4-BE49-F238E27FC236}">
-                <a16:creationId xmlns:a16="http://schemas.microsoft.com/office/drawing/2014/main" id="{F1F875B9-DE18-4983-AE93-071F21E2672E}"/>
-              </a:ext>
-            </a:extLst>
-          </p:cNvPr>
+          <p:cNvPr id="4" name="标题 2"/>
           <p:cNvSpPr txBox="1">
             <a:spLocks noChangeArrowheads="1"/>
           </p:cNvSpPr>
@@ -28140,18 +27552,21 @@
               </a:rPr>
               <a:t>相关分析</a:t>
             </a:r>
+            <a:endParaRPr lang="zh-CN" altLang="en-US" sz="3200" b="1" dirty="0">
+              <a:effectLst>
+                <a:outerShdw blurRad="38100" dist="38100" dir="2700000" algn="tl">
+                  <a:srgbClr val="000000">
+                    <a:alpha val="43137"/>
+                  </a:srgbClr>
+                </a:outerShdw>
+              </a:effectLst>
+            </a:endParaRPr>
           </a:p>
         </p:txBody>
       </p:sp>
       <p:sp>
         <p:nvSpPr>
-          <p:cNvPr id="5" name="Rectangle 3">
-            <a:extLst>
-              <a:ext uri="{FF2B5EF4-FFF2-40B4-BE49-F238E27FC236}">
-                <a16:creationId xmlns:a16="http://schemas.microsoft.com/office/drawing/2014/main" id="{72EDCD83-BB62-4E8E-A989-9D0DF6F2626C}"/>
-              </a:ext>
-            </a:extLst>
-          </p:cNvPr>
+          <p:cNvPr id="5" name="Rectangle 3"/>
           <p:cNvSpPr txBox="1">
             <a:spLocks noChangeArrowheads="1"/>
           </p:cNvSpPr>
@@ -28448,15 +27863,13 @@
               </a:rPr>
               <a:t>…</a:t>
             </a:r>
+            <a:endParaRPr lang="en-US" altLang="zh-CN" sz="2400" dirty="0">
+              <a:latin typeface="宋体" panose="02010600030101010101" pitchFamily="2" charset="-122"/>
+            </a:endParaRPr>
           </a:p>
         </p:txBody>
       </p:sp>
     </p:spTree>
-    <p:extLst>
-      <p:ext uri="{BB962C8B-B14F-4D97-AF65-F5344CB8AC3E}">
-        <p14:creationId xmlns:p14="http://schemas.microsoft.com/office/powerpoint/2010/main" val="4018900100"/>
-      </p:ext>
-    </p:extLst>
   </p:cSld>
   <p:clrMapOvr>
     <a:masterClrMapping/>
@@ -28812,13 +28225,7 @@
       </p:sp>
       <p:sp>
         <p:nvSpPr>
-          <p:cNvPr id="4" name="标题 2">
-            <a:extLst>
-              <a:ext uri="{FF2B5EF4-FFF2-40B4-BE49-F238E27FC236}">
-                <a16:creationId xmlns:a16="http://schemas.microsoft.com/office/drawing/2014/main" id="{C66488C1-B980-499C-B296-8BD8D6FFEDBD}"/>
-              </a:ext>
-            </a:extLst>
-          </p:cNvPr>
+          <p:cNvPr id="4" name="标题 2"/>
           <p:cNvSpPr txBox="1">
             <a:spLocks noChangeArrowheads="1"/>
           </p:cNvSpPr>
@@ -28998,6 +28405,15 @@
               </a:rPr>
               <a:t>异常检测</a:t>
             </a:r>
+            <a:endParaRPr lang="zh-CN" altLang="en-US" sz="3200" b="1" dirty="0">
+              <a:effectLst>
+                <a:outerShdw blurRad="38100" dist="38100" dir="2700000" algn="tl">
+                  <a:srgbClr val="000000">
+                    <a:alpha val="43137"/>
+                  </a:srgbClr>
+                </a:outerShdw>
+              </a:effectLst>
+            </a:endParaRPr>
           </a:p>
         </p:txBody>
       </p:sp>
@@ -29253,6 +28669,10 @@
               </a:rPr>
               <a:t>从正常的行为中检测有意义的异常</a:t>
             </a:r>
+            <a:endParaRPr lang="zh-CN" altLang="en-US" sz="2800" b="1" dirty="0">
+              <a:latin typeface="+mn-ea"/>
+              <a:ea typeface="+mn-ea"/>
+            </a:endParaRPr>
           </a:p>
           <a:p>
             <a:pPr marL="0" indent="0">
@@ -29272,6 +28692,10 @@
               </a:rPr>
               <a:t>:</a:t>
             </a:r>
+            <a:endParaRPr lang="en-US" altLang="zh-CN" sz="2800" b="1" dirty="0">
+              <a:latin typeface="+mn-ea"/>
+              <a:ea typeface="+mn-ea"/>
+            </a:endParaRPr>
           </a:p>
           <a:p>
             <a:pPr marL="457200" lvl="1" indent="0">
@@ -29284,6 +28708,10 @@
               </a:rPr>
               <a:t>信用卡欺诈检测</a:t>
             </a:r>
+            <a:endParaRPr lang="zh-CN" altLang="en-US" sz="2400" b="1" dirty="0">
+              <a:latin typeface="+mn-ea"/>
+              <a:ea typeface="+mn-ea"/>
+            </a:endParaRPr>
           </a:p>
           <a:p>
             <a:pPr marL="457200" lvl="1" indent="0">
@@ -29305,15 +28733,17 @@
               </a:rPr>
               <a:t>网络侵扰检测</a:t>
             </a:r>
+            <a:endParaRPr lang="zh-CN" altLang="en-US" sz="2400" b="1" dirty="0">
+              <a:latin typeface="+mn-ea"/>
+              <a:ea typeface="+mn-ea"/>
+            </a:endParaRPr>
           </a:p>
         </p:txBody>
       </p:sp>
       <p:grpSp>
         <p:nvGrpSpPr>
           <p:cNvPr id="36868" name="组合 1"/>
-          <p:cNvGrpSpPr>
-            <a:grpSpLocks/>
-          </p:cNvGrpSpPr>
+          <p:cNvGrpSpPr/>
           <p:nvPr/>
         </p:nvGrpSpPr>
         <p:grpSpPr bwMode="auto">
@@ -29333,7 +28763,7 @@
             <p:nvPr/>
           </p:nvPicPr>
           <p:blipFill>
-            <a:blip r:embed="rId2">
+            <a:blip r:embed="rId1">
               <a:extLst>
                 <a:ext uri="{28A0092B-C50C-407E-A947-70E740481C1C}">
                   <a14:useLocalDpi xmlns:a14="http://schemas.microsoft.com/office/drawing/2010/main" val="0"/>
@@ -29381,9 +28811,7 @@
         <p:grpSp>
           <p:nvGrpSpPr>
             <p:cNvPr id="36870" name="Group 8"/>
-            <p:cNvGrpSpPr>
-              <a:grpSpLocks/>
-            </p:cNvGrpSpPr>
+            <p:cNvGrpSpPr/>
             <p:nvPr/>
           </p:nvGrpSpPr>
           <p:grpSpPr bwMode="auto">
@@ -29403,7 +28831,7 @@
               <p:nvPr/>
             </p:nvPicPr>
             <p:blipFill>
-              <a:blip r:embed="rId3" cstate="print">
+              <a:blip r:embed="rId2" cstate="print">
                 <a:extLst>
                   <a:ext uri="{28A0092B-C50C-407E-A947-70E740481C1C}">
                     <a14:useLocalDpi xmlns:a14="http://schemas.microsoft.com/office/drawing/2010/main" val="0"/>
@@ -29457,7 +28885,7 @@
               <p:nvPr/>
             </p:nvPicPr>
             <p:blipFill>
-              <a:blip r:embed="rId4" cstate="print">
+              <a:blip r:embed="rId3" cstate="print">
                 <a:extLst>
                   <a:ext uri="{28A0092B-C50C-407E-A947-70E740481C1C}">
                     <a14:useLocalDpi xmlns:a14="http://schemas.microsoft.com/office/drawing/2010/main" val="0"/>
@@ -29512,7 +28940,7 @@
             <p:nvPr/>
           </p:nvPicPr>
           <p:blipFill>
-            <a:blip r:embed="rId5">
+            <a:blip r:embed="rId4">
               <a:extLst>
                 <a:ext uri="{28A0092B-C50C-407E-A947-70E740481C1C}">
                   <a14:useLocalDpi xmlns:a14="http://schemas.microsoft.com/office/drawing/2010/main" val="0"/>
@@ -29573,12 +29001,12 @@
             <a:graphicData uri="http://schemas.openxmlformats.org/presentationml/2006/ole">
               <mc:AlternateContent xmlns:mc="http://schemas.openxmlformats.org/markup-compatibility/2006">
                 <mc:Choice xmlns:v="urn:schemas-microsoft-com:vml" Requires="v">
-                  <p:oleObj name="VISIO" r:id="rId6" imgW="2900172" imgH="1752600" progId="Visio.Drawing.6">
+                  <p:oleObj spid="_x0000_s2" name="VISIO" r:id="rId5" imgW="2900045" imgH="1752600" progId="Visio.Drawing.6">
                     <p:embed/>
                   </p:oleObj>
                 </mc:Choice>
                 <mc:Fallback>
-                  <p:oleObj name="VISIO" r:id="rId6" imgW="2900172" imgH="1752600" progId="Visio.Drawing.6">
+                  <p:oleObj name="VISIO" r:id="rId5" imgW="2900045" imgH="1752600" progId="Visio.Drawing.6">
                     <p:embed/>
                     <p:pic>
                       <p:nvPicPr>
@@ -29589,7 +29017,7 @@
                         <p:nvPr/>
                       </p:nvPicPr>
                       <p:blipFill>
-                        <a:blip r:embed="rId7">
+                        <a:blip r:embed="rId6">
                           <a:extLst>
                             <a:ext uri="{28A0092B-C50C-407E-A947-70E740481C1C}">
                               <a14:useLocalDpi xmlns:a14="http://schemas.microsoft.com/office/drawing/2010/main" val="0"/>
@@ -29653,13 +29081,7 @@
       </p:grpSp>
       <p:sp>
         <p:nvSpPr>
-          <p:cNvPr id="11" name="标题 2">
-            <a:extLst>
-              <a:ext uri="{FF2B5EF4-FFF2-40B4-BE49-F238E27FC236}">
-                <a16:creationId xmlns:a16="http://schemas.microsoft.com/office/drawing/2014/main" id="{A6CE12F7-4ED0-487C-B431-A37E1EB5BA2E}"/>
-              </a:ext>
-            </a:extLst>
-          </p:cNvPr>
+          <p:cNvPr id="11" name="标题 2"/>
           <p:cNvSpPr txBox="1">
             <a:spLocks noChangeArrowheads="1"/>
           </p:cNvSpPr>
@@ -29839,6 +29261,15 @@
               </a:rPr>
               <a:t>异常检测</a:t>
             </a:r>
+            <a:endParaRPr lang="zh-CN" altLang="en-US" sz="3200" b="1" dirty="0">
+              <a:effectLst>
+                <a:outerShdw blurRad="38100" dist="38100" dir="2700000" algn="tl">
+                  <a:srgbClr val="000000">
+                    <a:alpha val="43137"/>
+                  </a:srgbClr>
+                </a:outerShdw>
+              </a:effectLst>
+            </a:endParaRPr>
           </a:p>
         </p:txBody>
       </p:sp>
@@ -29872,13 +29303,7 @@
       </p:grpSpPr>
       <p:sp>
         <p:nvSpPr>
-          <p:cNvPr id="4" name="标题 2">
-            <a:extLst>
-              <a:ext uri="{FF2B5EF4-FFF2-40B4-BE49-F238E27FC236}">
-                <a16:creationId xmlns:a16="http://schemas.microsoft.com/office/drawing/2014/main" id="{F1F875B9-DE18-4983-AE93-071F21E2672E}"/>
-              </a:ext>
-            </a:extLst>
-          </p:cNvPr>
+          <p:cNvPr id="4" name="标题 2"/>
           <p:cNvSpPr txBox="1">
             <a:spLocks noChangeArrowheads="1"/>
           </p:cNvSpPr>
@@ -30058,18 +29483,21 @@
               </a:rPr>
               <a:t>异常检测</a:t>
             </a:r>
+            <a:endParaRPr lang="zh-CN" altLang="en-US" sz="3200" b="1" dirty="0">
+              <a:effectLst>
+                <a:outerShdw blurRad="38100" dist="38100" dir="2700000" algn="tl">
+                  <a:srgbClr val="000000">
+                    <a:alpha val="43137"/>
+                  </a:srgbClr>
+                </a:outerShdw>
+              </a:effectLst>
+            </a:endParaRPr>
           </a:p>
         </p:txBody>
       </p:sp>
       <p:sp>
         <p:nvSpPr>
-          <p:cNvPr id="5" name="Rectangle 3">
-            <a:extLst>
-              <a:ext uri="{FF2B5EF4-FFF2-40B4-BE49-F238E27FC236}">
-                <a16:creationId xmlns:a16="http://schemas.microsoft.com/office/drawing/2014/main" id="{72EDCD83-BB62-4E8E-A989-9D0DF6F2626C}"/>
-              </a:ext>
-            </a:extLst>
-          </p:cNvPr>
+          <p:cNvPr id="5" name="Rectangle 3"/>
           <p:cNvSpPr txBox="1">
             <a:spLocks noChangeArrowheads="1"/>
           </p:cNvSpPr>
@@ -30373,11 +29801,6 @@
         </p:txBody>
       </p:sp>
     </p:spTree>
-    <p:extLst>
-      <p:ext uri="{BB962C8B-B14F-4D97-AF65-F5344CB8AC3E}">
-        <p14:creationId xmlns:p14="http://schemas.microsoft.com/office/powerpoint/2010/main" val="1329676747"/>
-      </p:ext>
-    </p:extLst>
   </p:cSld>
   <p:clrMapOvr>
     <a:masterClrMapping/>
@@ -30573,15 +29996,14 @@
               </a:rPr>
               <a:t>章 数据挖掘基础</a:t>
             </a:r>
+            <a:endParaRPr lang="zh-CN" altLang="en-US" sz="3600" dirty="0">
+              <a:latin typeface="宋体 (正文)"/>
+              <a:ea typeface="黑体" panose="02010609060101010101" pitchFamily="49" charset="-122"/>
+            </a:endParaRPr>
           </a:p>
         </p:txBody>
       </p:sp>
     </p:spTree>
-    <p:extLst>
-      <p:ext uri="{BB962C8B-B14F-4D97-AF65-F5344CB8AC3E}">
-        <p14:creationId xmlns:p14="http://schemas.microsoft.com/office/powerpoint/2010/main" val="2171903572"/>
-      </p:ext>
-    </p:extLst>
   </p:cSld>
   <p:clrMapOvr>
     <a:masterClrMapping/>
@@ -31021,13 +30443,7 @@
       </p:sp>
       <p:sp>
         <p:nvSpPr>
-          <p:cNvPr id="4" name="标题 2">
-            <a:extLst>
-              <a:ext uri="{FF2B5EF4-FFF2-40B4-BE49-F238E27FC236}">
-                <a16:creationId xmlns:a16="http://schemas.microsoft.com/office/drawing/2014/main" id="{E3C5BE19-F4C2-4BDF-8CDE-593BA98C852F}"/>
-              </a:ext>
-            </a:extLst>
-          </p:cNvPr>
+          <p:cNvPr id="4" name="标题 2"/>
           <p:cNvSpPr txBox="1">
             <a:spLocks noChangeArrowheads="1"/>
           </p:cNvSpPr>
@@ -31207,6 +30623,15 @@
               </a:rPr>
               <a:t>数据挖掘对象</a:t>
             </a:r>
+            <a:endParaRPr lang="zh-CN" altLang="en-US" sz="3200" b="1" dirty="0">
+              <a:effectLst>
+                <a:outerShdw blurRad="38100" dist="38100" dir="2700000" algn="tl">
+                  <a:srgbClr val="000000">
+                    <a:alpha val="43137"/>
+                  </a:srgbClr>
+                </a:outerShdw>
+              </a:effectLst>
+            </a:endParaRPr>
           </a:p>
         </p:txBody>
       </p:sp>
@@ -31240,13 +30665,7 @@
       </p:grpSpPr>
       <p:sp>
         <p:nvSpPr>
-          <p:cNvPr id="4" name="Rectangle 3">
-            <a:extLst>
-              <a:ext uri="{FF2B5EF4-FFF2-40B4-BE49-F238E27FC236}">
-                <a16:creationId xmlns:a16="http://schemas.microsoft.com/office/drawing/2014/main" id="{0B9B3F28-6E81-487C-99D8-1E791D44D46D}"/>
-              </a:ext>
-            </a:extLst>
-          </p:cNvPr>
+          <p:cNvPr id="4" name="Rectangle 3"/>
           <p:cNvSpPr>
             <a:spLocks noGrp="1" noChangeArrowheads="1"/>
           </p:cNvSpPr>
@@ -31471,6 +30890,10 @@
               </a:rPr>
               <a:t> </a:t>
             </a:r>
+            <a:endParaRPr lang="zh-CN" altLang="en-US" b="0" dirty="0">
+              <a:latin typeface="宋体" panose="02010600030101010101" pitchFamily="2" charset="-122"/>
+              <a:ea typeface="宋体" panose="02010600030101010101" pitchFamily="2" charset="-122"/>
+            </a:endParaRPr>
           </a:p>
           <a:p>
             <a:pPr lvl="1" eaLnBrk="1" hangingPunct="1">
@@ -31494,6 +30917,13 @@
               </a:rPr>
               <a:t>数据库中数据的特点如下：</a:t>
             </a:r>
+            <a:endParaRPr lang="zh-CN" altLang="en-US" dirty="0">
+              <a:solidFill>
+                <a:srgbClr val="00B0F0"/>
+              </a:solidFill>
+              <a:latin typeface="宋体" panose="02010600030101010101" pitchFamily="2" charset="-122"/>
+              <a:ea typeface="宋体" panose="02010600030101010101" pitchFamily="2" charset="-122"/>
+            </a:endParaRPr>
           </a:p>
           <a:p>
             <a:pPr marL="457200" lvl="1" indent="0" eaLnBrk="1" hangingPunct="1">
@@ -31657,6 +31087,13 @@
               </a:rPr>
               <a:t>数据稀疏性</a:t>
             </a:r>
+            <a:endParaRPr lang="zh-CN" altLang="en-US" b="0" dirty="0">
+              <a:solidFill>
+                <a:schemeClr val="tx1"/>
+              </a:solidFill>
+              <a:latin typeface="宋体" panose="02010600030101010101" pitchFamily="2" charset="-122"/>
+              <a:ea typeface="宋体" panose="02010600030101010101" pitchFamily="2" charset="-122"/>
+            </a:endParaRPr>
           </a:p>
           <a:p>
             <a:pPr lvl="1" eaLnBrk="1" hangingPunct="1">
@@ -31700,18 +31137,19 @@
               </a:rPr>
               <a:t>。</a:t>
             </a:r>
+            <a:endParaRPr lang="zh-CN" altLang="en-US" b="0" dirty="0">
+              <a:solidFill>
+                <a:schemeClr val="tx1"/>
+              </a:solidFill>
+              <a:latin typeface="宋体" panose="02010600030101010101" pitchFamily="2" charset="-122"/>
+              <a:ea typeface="宋体" panose="02010600030101010101" pitchFamily="2" charset="-122"/>
+            </a:endParaRPr>
           </a:p>
         </p:txBody>
       </p:sp>
       <p:sp>
         <p:nvSpPr>
-          <p:cNvPr id="5" name="标题 2">
-            <a:extLst>
-              <a:ext uri="{FF2B5EF4-FFF2-40B4-BE49-F238E27FC236}">
-                <a16:creationId xmlns:a16="http://schemas.microsoft.com/office/drawing/2014/main" id="{FF6D348B-1C19-4C3B-BA93-5FDED5699F07}"/>
-              </a:ext>
-            </a:extLst>
-          </p:cNvPr>
+          <p:cNvPr id="5" name="标题 2"/>
           <p:cNvSpPr txBox="1">
             <a:spLocks noChangeArrowheads="1"/>
           </p:cNvSpPr>
@@ -31891,6 +31329,15 @@
               </a:rPr>
               <a:t>数据挖掘对象</a:t>
             </a:r>
+            <a:endParaRPr lang="zh-CN" altLang="en-US" sz="3200" b="1" dirty="0">
+              <a:effectLst>
+                <a:outerShdw blurRad="38100" dist="38100" dir="2700000" algn="tl">
+                  <a:srgbClr val="000000">
+                    <a:alpha val="43137"/>
+                  </a:srgbClr>
+                </a:outerShdw>
+              </a:effectLst>
+            </a:endParaRPr>
           </a:p>
         </p:txBody>
       </p:sp>
@@ -32149,6 +31596,12 @@
               </a:rPr>
               <a:t>数据仓库</a:t>
             </a:r>
+            <a:endParaRPr lang="zh-CN" altLang="en-US" sz="2800" b="1" dirty="0">
+              <a:solidFill>
+                <a:srgbClr val="00B0F0"/>
+              </a:solidFill>
+              <a:latin typeface="宋体" panose="02010600030101010101" pitchFamily="2" charset="-122"/>
+            </a:endParaRPr>
           </a:p>
           <a:p>
             <a:pPr lvl="1" eaLnBrk="1" hangingPunct="1">
@@ -32170,6 +31623,12 @@
               </a:rPr>
               <a:t>数据仓库的特点如下：</a:t>
             </a:r>
+            <a:endParaRPr lang="zh-CN" altLang="en-US" b="1" dirty="0">
+              <a:solidFill>
+                <a:srgbClr val="00B0F0"/>
+              </a:solidFill>
+              <a:latin typeface="宋体" panose="02010600030101010101" pitchFamily="2" charset="-122"/>
+            </a:endParaRPr>
           </a:p>
           <a:p>
             <a:pPr marL="457200" lvl="1" indent="0" eaLnBrk="1" hangingPunct="1">
@@ -32235,6 +31694,9 @@
               </a:rPr>
               <a:t>反映历史变化的</a:t>
             </a:r>
+            <a:endParaRPr lang="zh-CN" altLang="en-US" dirty="0">
+              <a:latin typeface="宋体" panose="02010600030101010101" pitchFamily="2" charset="-122"/>
+            </a:endParaRPr>
           </a:p>
           <a:p>
             <a:pPr lvl="1" eaLnBrk="1" hangingPunct="1">
@@ -32283,18 +31745,15 @@
               </a:rPr>
               <a:t>。</a:t>
             </a:r>
+            <a:endParaRPr lang="zh-CN" altLang="en-US" dirty="0">
+              <a:latin typeface="宋体" panose="02010600030101010101" pitchFamily="2" charset="-122"/>
+            </a:endParaRPr>
           </a:p>
         </p:txBody>
       </p:sp>
       <p:sp>
         <p:nvSpPr>
-          <p:cNvPr id="5" name="标题 2">
-            <a:extLst>
-              <a:ext uri="{FF2B5EF4-FFF2-40B4-BE49-F238E27FC236}">
-                <a16:creationId xmlns:a16="http://schemas.microsoft.com/office/drawing/2014/main" id="{FF4EBAE1-74A1-4E30-8210-0A1E2A038B2D}"/>
-              </a:ext>
-            </a:extLst>
-          </p:cNvPr>
+          <p:cNvPr id="5" name="标题 2"/>
           <p:cNvSpPr txBox="1">
             <a:spLocks noChangeArrowheads="1"/>
           </p:cNvSpPr>
@@ -32474,6 +31933,15 @@
               </a:rPr>
               <a:t>数据挖掘对象</a:t>
             </a:r>
+            <a:endParaRPr lang="zh-CN" altLang="en-US" sz="3200" b="1" dirty="0">
+              <a:effectLst>
+                <a:outerShdw blurRad="38100" dist="38100" dir="2700000" algn="tl">
+                  <a:srgbClr val="000000">
+                    <a:alpha val="43137"/>
+                  </a:srgbClr>
+                </a:outerShdw>
+              </a:effectLst>
+            </a:endParaRPr>
           </a:p>
         </p:txBody>
       </p:sp>
@@ -32494,13 +31962,13 @@
               <p:cTn id="2" dur="indefinite" nodeType="mainSeq">
                 <p:childTnLst>
                   <p:par>
-                    <p:cTn id="3" fill="hold" nodeType="clickPar">
+                    <p:cTn id="3" fill="hold">
                       <p:stCondLst>
                         <p:cond delay="indefinite"/>
                       </p:stCondLst>
                       <p:childTnLst>
                         <p:par>
-                          <p:cTn id="4" fill="hold" nodeType="withGroup">
+                          <p:cTn id="4" fill="hold">
                             <p:stCondLst>
                               <p:cond delay="0"/>
                             </p:stCondLst>
@@ -32543,13 +32011,13 @@
                     </p:cTn>
                   </p:par>
                   <p:par>
-                    <p:cTn id="7" fill="hold" nodeType="clickPar">
+                    <p:cTn id="7" fill="hold">
                       <p:stCondLst>
                         <p:cond delay="indefinite"/>
                       </p:stCondLst>
                       <p:childTnLst>
                         <p:par>
-                          <p:cTn id="8" fill="hold" nodeType="withGroup">
+                          <p:cTn id="8" fill="hold">
                             <p:stCondLst>
                               <p:cond delay="0"/>
                             </p:stCondLst>
@@ -32592,13 +32060,13 @@
                     </p:cTn>
                   </p:par>
                   <p:par>
-                    <p:cTn id="11" fill="hold" nodeType="clickPar">
+                    <p:cTn id="11" fill="hold">
                       <p:stCondLst>
                         <p:cond delay="indefinite"/>
                       </p:stCondLst>
                       <p:childTnLst>
                         <p:par>
-                          <p:cTn id="12" fill="hold" nodeType="withGroup">
+                          <p:cTn id="12" fill="hold">
                             <p:stCondLst>
                               <p:cond delay="0"/>
                             </p:stCondLst>
@@ -32641,13 +32109,13 @@
                     </p:cTn>
                   </p:par>
                   <p:par>
-                    <p:cTn id="15" fill="hold" nodeType="clickPar">
+                    <p:cTn id="15" fill="hold">
                       <p:stCondLst>
                         <p:cond delay="indefinite"/>
                       </p:stCondLst>
                       <p:childTnLst>
                         <p:par>
-                          <p:cTn id="16" fill="hold" nodeType="withGroup">
+                          <p:cTn id="16" fill="hold">
                             <p:stCondLst>
                               <p:cond delay="0"/>
                             </p:stCondLst>
@@ -33035,18 +32503,15 @@
               </a:rPr>
               <a:t>。</a:t>
             </a:r>
+            <a:endParaRPr lang="zh-CN" altLang="en-US" sz="2800" dirty="0">
+              <a:latin typeface="宋体" panose="02010600030101010101" pitchFamily="2" charset="-122"/>
+            </a:endParaRPr>
           </a:p>
         </p:txBody>
       </p:sp>
       <p:sp>
         <p:nvSpPr>
-          <p:cNvPr id="5" name="标题 2">
-            <a:extLst>
-              <a:ext uri="{FF2B5EF4-FFF2-40B4-BE49-F238E27FC236}">
-                <a16:creationId xmlns:a16="http://schemas.microsoft.com/office/drawing/2014/main" id="{890597FC-1721-4709-AEE2-9A444AA3E78B}"/>
-              </a:ext>
-            </a:extLst>
-          </p:cNvPr>
+          <p:cNvPr id="5" name="标题 2"/>
           <p:cNvSpPr txBox="1">
             <a:spLocks noChangeArrowheads="1"/>
           </p:cNvSpPr>
@@ -33226,6 +32691,15 @@
               </a:rPr>
               <a:t>数据挖掘对象</a:t>
             </a:r>
+            <a:endParaRPr lang="zh-CN" altLang="en-US" sz="3200" b="1" dirty="0">
+              <a:effectLst>
+                <a:outerShdw blurRad="38100" dist="38100" dir="2700000" algn="tl">
+                  <a:srgbClr val="000000">
+                    <a:alpha val="43137"/>
+                  </a:srgbClr>
+                </a:outerShdw>
+              </a:effectLst>
+            </a:endParaRPr>
           </a:p>
         </p:txBody>
       </p:sp>
@@ -33246,13 +32720,13 @@
               <p:cTn id="2" dur="indefinite" nodeType="mainSeq">
                 <p:childTnLst>
                   <p:par>
-                    <p:cTn id="3" fill="hold" nodeType="clickPar">
+                    <p:cTn id="3" fill="hold">
                       <p:stCondLst>
                         <p:cond delay="indefinite"/>
                       </p:stCondLst>
                       <p:childTnLst>
                         <p:par>
-                          <p:cTn id="4" fill="hold" nodeType="withGroup">
+                          <p:cTn id="4" fill="hold">
                             <p:stCondLst>
                               <p:cond delay="0"/>
                             </p:stCondLst>
@@ -33612,6 +33086,12 @@
               </a:rPr>
               <a:t>图像和视频数据</a:t>
             </a:r>
+            <a:endParaRPr lang="zh-CN" altLang="en-US" sz="2800" b="1" dirty="0">
+              <a:solidFill>
+                <a:srgbClr val="00B0F0"/>
+              </a:solidFill>
+              <a:latin typeface="宋体" panose="02010600030101010101" pitchFamily="2" charset="-122"/>
+            </a:endParaRPr>
           </a:p>
           <a:p>
             <a:pPr eaLnBrk="1" hangingPunct="1">
@@ -33639,6 +33119,9 @@
               </a:rPr>
               <a:t>数据是典型的多媒体数据。</a:t>
             </a:r>
+            <a:endParaRPr lang="zh-CN" altLang="en-US" sz="2800" b="1" dirty="0">
+              <a:latin typeface="宋体" panose="02010600030101010101" pitchFamily="2" charset="-122"/>
+            </a:endParaRPr>
           </a:p>
           <a:p>
             <a:pPr eaLnBrk="1" hangingPunct="1">
@@ -33657,6 +33140,9 @@
               </a:rPr>
               <a:t>多媒体数据广泛存在于生活、医学、军事、娱乐等领域。</a:t>
             </a:r>
+            <a:endParaRPr lang="zh-CN" altLang="en-US" sz="2800" b="1" dirty="0">
+              <a:latin typeface="宋体" panose="02010600030101010101" pitchFamily="2" charset="-122"/>
+            </a:endParaRPr>
           </a:p>
           <a:p>
             <a:pPr eaLnBrk="1" hangingPunct="1">
@@ -33690,18 +33176,15 @@
               </a:rPr>
               <a:t>等。</a:t>
             </a:r>
+            <a:endParaRPr lang="zh-CN" altLang="en-US" sz="2800" b="1" dirty="0">
+              <a:latin typeface="宋体" panose="02010600030101010101" pitchFamily="2" charset="-122"/>
+            </a:endParaRPr>
           </a:p>
         </p:txBody>
       </p:sp>
       <p:sp>
         <p:nvSpPr>
-          <p:cNvPr id="5" name="标题 2">
-            <a:extLst>
-              <a:ext uri="{FF2B5EF4-FFF2-40B4-BE49-F238E27FC236}">
-                <a16:creationId xmlns:a16="http://schemas.microsoft.com/office/drawing/2014/main" id="{AFA6B24C-E929-44E0-B3B3-C64EC1A92C83}"/>
-              </a:ext>
-            </a:extLst>
-          </p:cNvPr>
+          <p:cNvPr id="5" name="标题 2"/>
           <p:cNvSpPr txBox="1">
             <a:spLocks noChangeArrowheads="1"/>
           </p:cNvSpPr>
@@ -33881,6 +33364,15 @@
               </a:rPr>
               <a:t>数据挖掘对象</a:t>
             </a:r>
+            <a:endParaRPr lang="zh-CN" altLang="en-US" sz="3200" b="1" dirty="0">
+              <a:effectLst>
+                <a:outerShdw blurRad="38100" dist="38100" dir="2700000" algn="tl">
+                  <a:srgbClr val="000000">
+                    <a:alpha val="43137"/>
+                  </a:srgbClr>
+                </a:outerShdw>
+              </a:effectLst>
+            </a:endParaRPr>
           </a:p>
         </p:txBody>
       </p:sp>
@@ -33901,13 +33393,13 @@
               <p:cTn id="2" dur="indefinite" nodeType="mainSeq">
                 <p:childTnLst>
                   <p:par>
-                    <p:cTn id="3" fill="hold" nodeType="clickPar">
+                    <p:cTn id="3" fill="hold">
                       <p:stCondLst>
                         <p:cond delay="indefinite"/>
                       </p:stCondLst>
                       <p:childTnLst>
                         <p:par>
-                          <p:cTn id="4" fill="hold" nodeType="withGroup">
+                          <p:cTn id="4" fill="hold">
                             <p:stCondLst>
                               <p:cond delay="0"/>
                             </p:stCondLst>
@@ -33950,13 +33442,13 @@
                     </p:cTn>
                   </p:par>
                   <p:par>
-                    <p:cTn id="7" fill="hold" nodeType="clickPar">
+                    <p:cTn id="7" fill="hold">
                       <p:stCondLst>
                         <p:cond delay="indefinite"/>
                       </p:stCondLst>
                       <p:childTnLst>
                         <p:par>
-                          <p:cTn id="8" fill="hold" nodeType="withGroup">
+                          <p:cTn id="8" fill="hold">
                             <p:stCondLst>
                               <p:cond delay="0"/>
                             </p:stCondLst>
@@ -33999,13 +33491,13 @@
                     </p:cTn>
                   </p:par>
                   <p:par>
-                    <p:cTn id="11" fill="hold" nodeType="clickPar">
+                    <p:cTn id="11" fill="hold">
                       <p:stCondLst>
                         <p:cond delay="indefinite"/>
                       </p:stCondLst>
                       <p:childTnLst>
                         <p:par>
-                          <p:cTn id="12" fill="hold" nodeType="withGroup">
+                          <p:cTn id="12" fill="hold">
                             <p:stCondLst>
                               <p:cond delay="0"/>
                             </p:stCondLst>
@@ -34048,13 +33540,13 @@
                     </p:cTn>
                   </p:par>
                   <p:par>
-                    <p:cTn id="15" fill="hold" nodeType="clickPar">
+                    <p:cTn id="15" fill="hold">
                       <p:stCondLst>
                         <p:cond delay="indefinite"/>
                       </p:stCondLst>
                       <p:childTnLst>
                         <p:par>
-                          <p:cTn id="16" fill="hold" nodeType="withGroup">
+                          <p:cTn id="16" fill="hold">
                             <p:stCondLst>
                               <p:cond delay="0"/>
                             </p:stCondLst>
@@ -34671,13 +34163,7 @@
       </p:sp>
       <p:sp>
         <p:nvSpPr>
-          <p:cNvPr id="5" name="标题 1">
-            <a:extLst>
-              <a:ext uri="{FF2B5EF4-FFF2-40B4-BE49-F238E27FC236}">
-                <a16:creationId xmlns:a16="http://schemas.microsoft.com/office/drawing/2014/main" id="{F1CDEF56-1AC4-48CE-99C9-3BFCF4C017DF}"/>
-              </a:ext>
-            </a:extLst>
-          </p:cNvPr>
+          <p:cNvPr id="5" name="标题 1"/>
           <p:cNvSpPr txBox="1">
             <a:spLocks noChangeArrowheads="1"/>
           </p:cNvSpPr>
@@ -34859,6 +34345,16 @@
               </a:rPr>
               <a:t> 数据挖掘的发展历程</a:t>
             </a:r>
+            <a:endParaRPr lang="zh-CN" altLang="en-US" sz="3200" b="1" dirty="0">
+              <a:effectLst>
+                <a:outerShdw blurRad="38100" dist="38100" dir="2700000" algn="tl">
+                  <a:srgbClr val="000000">
+                    <a:alpha val="43137"/>
+                  </a:srgbClr>
+                </a:outerShdw>
+              </a:effectLst>
+              <a:latin typeface="+mj-ea"/>
+            </a:endParaRPr>
           </a:p>
         </p:txBody>
       </p:sp>
@@ -34892,13 +34388,7 @@
       </p:grpSpPr>
       <p:sp>
         <p:nvSpPr>
-          <p:cNvPr id="5" name="标题 2">
-            <a:extLst>
-              <a:ext uri="{FF2B5EF4-FFF2-40B4-BE49-F238E27FC236}">
-                <a16:creationId xmlns:a16="http://schemas.microsoft.com/office/drawing/2014/main" id="{471D74FB-87DE-4051-86F2-8BB21B8DAF30}"/>
-              </a:ext>
-            </a:extLst>
-          </p:cNvPr>
+          <p:cNvPr id="5" name="标题 2"/>
           <p:cNvSpPr txBox="1">
             <a:spLocks noChangeArrowheads="1"/>
           </p:cNvSpPr>
@@ -35078,18 +34568,21 @@
               </a:rPr>
               <a:t>数据挖掘对象</a:t>
             </a:r>
+            <a:endParaRPr lang="zh-CN" altLang="en-US" sz="3200" b="1" dirty="0">
+              <a:effectLst>
+                <a:outerShdw blurRad="38100" dist="38100" dir="2700000" algn="tl">
+                  <a:srgbClr val="000000">
+                    <a:alpha val="43137"/>
+                  </a:srgbClr>
+                </a:outerShdw>
+              </a:effectLst>
+            </a:endParaRPr>
           </a:p>
         </p:txBody>
       </p:sp>
       <p:sp>
         <p:nvSpPr>
-          <p:cNvPr id="6" name="Rectangle 3">
-            <a:extLst>
-              <a:ext uri="{FF2B5EF4-FFF2-40B4-BE49-F238E27FC236}">
-                <a16:creationId xmlns:a16="http://schemas.microsoft.com/office/drawing/2014/main" id="{5602572C-C1EA-4640-BECE-7920AB2F9DA1}"/>
-              </a:ext>
-            </a:extLst>
-          </p:cNvPr>
+          <p:cNvPr id="6" name="Rectangle 3"/>
           <p:cNvSpPr txBox="1">
             <a:spLocks noChangeArrowheads="1"/>
           </p:cNvSpPr>
@@ -35447,6 +34940,7 @@
               <a:rPr lang="zh-CN" altLang="zh-CN" sz="2800" dirty="0"/>
               <a:t>中抽取感兴趣的，潜在的有用模式和隐藏信息。</a:t>
             </a:r>
+            <a:endParaRPr lang="zh-CN" altLang="zh-CN" sz="2800" dirty="0"/>
           </a:p>
           <a:p>
             <a:pPr eaLnBrk="1" hangingPunct="1">
@@ -35993,13 +35487,7 @@
       </p:sp>
       <p:sp>
         <p:nvSpPr>
-          <p:cNvPr id="4" name="标题 2">
-            <a:extLst>
-              <a:ext uri="{FF2B5EF4-FFF2-40B4-BE49-F238E27FC236}">
-                <a16:creationId xmlns:a16="http://schemas.microsoft.com/office/drawing/2014/main" id="{21EE2233-10E4-47E5-8FEB-D2E6C5D5A2DE}"/>
-              </a:ext>
-            </a:extLst>
-          </p:cNvPr>
+          <p:cNvPr id="4" name="标题 2"/>
           <p:cNvSpPr txBox="1">
             <a:spLocks noChangeArrowheads="1"/>
           </p:cNvSpPr>
@@ -36179,6 +35667,15 @@
               </a:rPr>
               <a:t>数据挖掘分类</a:t>
             </a:r>
+            <a:endParaRPr lang="zh-CN" altLang="en-US" sz="3200" b="1" dirty="0">
+              <a:effectLst>
+                <a:outerShdw blurRad="38100" dist="38100" dir="2700000" algn="tl">
+                  <a:srgbClr val="000000">
+                    <a:alpha val="43137"/>
+                  </a:srgbClr>
+                </a:outerShdw>
+              </a:effectLst>
+            </a:endParaRPr>
           </a:p>
         </p:txBody>
       </p:sp>
@@ -36212,13 +35709,7 @@
       </p:grpSpPr>
       <p:sp>
         <p:nvSpPr>
-          <p:cNvPr id="3" name="矩形 2">
-            <a:extLst>
-              <a:ext uri="{FF2B5EF4-FFF2-40B4-BE49-F238E27FC236}">
-                <a16:creationId xmlns:a16="http://schemas.microsoft.com/office/drawing/2014/main" id="{270EC189-8199-4C83-BF56-435A982B1199}"/>
-              </a:ext>
-            </a:extLst>
-          </p:cNvPr>
+          <p:cNvPr id="3" name="矩形 2"/>
           <p:cNvSpPr/>
           <p:nvPr/>
         </p:nvSpPr>
@@ -36268,13 +35759,7 @@
       </p:sp>
       <p:sp>
         <p:nvSpPr>
-          <p:cNvPr id="4" name="矩形 3">
-            <a:extLst>
-              <a:ext uri="{FF2B5EF4-FFF2-40B4-BE49-F238E27FC236}">
-                <a16:creationId xmlns:a16="http://schemas.microsoft.com/office/drawing/2014/main" id="{4D1F66E9-F764-48A3-8C6A-CF65C7038B9D}"/>
-              </a:ext>
-            </a:extLst>
-          </p:cNvPr>
+          <p:cNvPr id="4" name="矩形 3"/>
           <p:cNvSpPr/>
           <p:nvPr/>
         </p:nvSpPr>
@@ -36324,13 +35809,7 @@
       </p:sp>
       <p:sp>
         <p:nvSpPr>
-          <p:cNvPr id="5" name="矩形 4">
-            <a:extLst>
-              <a:ext uri="{FF2B5EF4-FFF2-40B4-BE49-F238E27FC236}">
-                <a16:creationId xmlns:a16="http://schemas.microsoft.com/office/drawing/2014/main" id="{10C09CE3-0F51-48CC-9639-6121A6C945D3}"/>
-              </a:ext>
-            </a:extLst>
-          </p:cNvPr>
+          <p:cNvPr id="5" name="矩形 4"/>
           <p:cNvSpPr/>
           <p:nvPr/>
         </p:nvSpPr>
@@ -36380,13 +35859,7 @@
       </p:sp>
       <p:sp>
         <p:nvSpPr>
-          <p:cNvPr id="6" name="矩形 5">
-            <a:extLst>
-              <a:ext uri="{FF2B5EF4-FFF2-40B4-BE49-F238E27FC236}">
-                <a16:creationId xmlns:a16="http://schemas.microsoft.com/office/drawing/2014/main" id="{9FF5C164-60F7-4235-82DB-E97AA738B9BA}"/>
-              </a:ext>
-            </a:extLst>
-          </p:cNvPr>
+          <p:cNvPr id="6" name="矩形 5"/>
           <p:cNvSpPr/>
           <p:nvPr/>
         </p:nvSpPr>
@@ -36479,7 +35952,7 @@
             <a:spAutoFit/>
           </a:bodyPr>
           <a:lstStyle>
-            <a:lvl1pPr defTabSz="608013">
+            <a:lvl1pPr defTabSz="608330">
               <a:spcBef>
                 <a:spcPct val="20000"/>
               </a:spcBef>
@@ -36497,7 +35970,7 @@
                 <a:ea typeface="宋体" panose="02010600030101010101" pitchFamily="2" charset="-122"/>
               </a:defRPr>
             </a:lvl1pPr>
-            <a:lvl2pPr marL="742950" indent="-285750" defTabSz="608013">
+            <a:lvl2pPr marL="742950" indent="-285750" defTabSz="608330">
               <a:spcBef>
                 <a:spcPct val="20000"/>
               </a:spcBef>
@@ -36515,7 +35988,7 @@
                 <a:ea typeface="宋体" panose="02010600030101010101" pitchFamily="2" charset="-122"/>
               </a:defRPr>
             </a:lvl2pPr>
-            <a:lvl3pPr marL="1143000" indent="-228600" defTabSz="608013">
+            <a:lvl3pPr marL="1143000" indent="-228600" defTabSz="608330">
               <a:spcBef>
                 <a:spcPct val="20000"/>
               </a:spcBef>
@@ -36533,7 +36006,7 @@
                 <a:ea typeface="宋体" panose="02010600030101010101" pitchFamily="2" charset="-122"/>
               </a:defRPr>
             </a:lvl3pPr>
-            <a:lvl4pPr marL="1600200" indent="-228600" defTabSz="608013">
+            <a:lvl4pPr marL="1600200" indent="-228600" defTabSz="608330">
               <a:spcBef>
                 <a:spcPct val="20000"/>
               </a:spcBef>
@@ -36551,7 +36024,7 @@
                 <a:ea typeface="宋体" panose="02010600030101010101" pitchFamily="2" charset="-122"/>
               </a:defRPr>
             </a:lvl4pPr>
-            <a:lvl5pPr marL="2057400" indent="-228600" defTabSz="608013">
+            <a:lvl5pPr marL="2057400" indent="-228600" defTabSz="608330">
               <a:spcBef>
                 <a:spcPct val="20000"/>
               </a:spcBef>
@@ -36568,7 +36041,7 @@
                 <a:ea typeface="宋体" panose="02010600030101010101" pitchFamily="2" charset="-122"/>
               </a:defRPr>
             </a:lvl5pPr>
-            <a:lvl6pPr marL="2514600" indent="-228600" defTabSz="608013" eaLnBrk="0" fontAlgn="base" hangingPunct="0">
+            <a:lvl6pPr marL="2514600" indent="-228600" defTabSz="608330" eaLnBrk="0" fontAlgn="base" hangingPunct="0">
               <a:spcBef>
                 <a:spcPct val="20000"/>
               </a:spcBef>
@@ -36588,7 +36061,7 @@
                 <a:ea typeface="宋体" panose="02010600030101010101" pitchFamily="2" charset="-122"/>
               </a:defRPr>
             </a:lvl6pPr>
-            <a:lvl7pPr marL="2971800" indent="-228600" defTabSz="608013" eaLnBrk="0" fontAlgn="base" hangingPunct="0">
+            <a:lvl7pPr marL="2971800" indent="-228600" defTabSz="608330" eaLnBrk="0" fontAlgn="base" hangingPunct="0">
               <a:spcBef>
                 <a:spcPct val="20000"/>
               </a:spcBef>
@@ -36608,7 +36081,7 @@
                 <a:ea typeface="宋体" panose="02010600030101010101" pitchFamily="2" charset="-122"/>
               </a:defRPr>
             </a:lvl7pPr>
-            <a:lvl8pPr marL="3429000" indent="-228600" defTabSz="608013" eaLnBrk="0" fontAlgn="base" hangingPunct="0">
+            <a:lvl8pPr marL="3429000" indent="-228600" defTabSz="608330" eaLnBrk="0" fontAlgn="base" hangingPunct="0">
               <a:spcBef>
                 <a:spcPct val="20000"/>
               </a:spcBef>
@@ -36628,7 +36101,7 @@
                 <a:ea typeface="宋体" panose="02010600030101010101" pitchFamily="2" charset="-122"/>
               </a:defRPr>
             </a:lvl8pPr>
-            <a:lvl9pPr marL="3886200" indent="-228600" defTabSz="608013" eaLnBrk="0" fontAlgn="base" hangingPunct="0">
+            <a:lvl9pPr marL="3886200" indent="-228600" defTabSz="608330" eaLnBrk="0" fontAlgn="base" hangingPunct="0">
               <a:spcBef>
                 <a:spcPct val="20000"/>
               </a:spcBef>
@@ -36665,6 +36138,9 @@
               </a:rPr>
               <a:t>按数据库类型分类</a:t>
             </a:r>
+            <a:endParaRPr lang="zh-CN" altLang="en-US" sz="1800" b="1" dirty="0">
+              <a:latin typeface="宋体" panose="02010600030101010101" pitchFamily="2" charset="-122"/>
+            </a:endParaRPr>
           </a:p>
         </p:txBody>
       </p:sp>
@@ -36713,7 +36189,7 @@
             <a:spAutoFit/>
           </a:bodyPr>
           <a:lstStyle>
-            <a:lvl1pPr defTabSz="608013">
+            <a:lvl1pPr defTabSz="608330">
               <a:spcBef>
                 <a:spcPct val="20000"/>
               </a:spcBef>
@@ -36731,7 +36207,7 @@
                 <a:ea typeface="宋体" panose="02010600030101010101" pitchFamily="2" charset="-122"/>
               </a:defRPr>
             </a:lvl1pPr>
-            <a:lvl2pPr marL="742950" indent="-285750" defTabSz="608013">
+            <a:lvl2pPr marL="742950" indent="-285750" defTabSz="608330">
               <a:spcBef>
                 <a:spcPct val="20000"/>
               </a:spcBef>
@@ -36749,7 +36225,7 @@
                 <a:ea typeface="宋体" panose="02010600030101010101" pitchFamily="2" charset="-122"/>
               </a:defRPr>
             </a:lvl2pPr>
-            <a:lvl3pPr marL="1143000" indent="-228600" defTabSz="608013">
+            <a:lvl3pPr marL="1143000" indent="-228600" defTabSz="608330">
               <a:spcBef>
                 <a:spcPct val="20000"/>
               </a:spcBef>
@@ -36767,7 +36243,7 @@
                 <a:ea typeface="宋体" panose="02010600030101010101" pitchFamily="2" charset="-122"/>
               </a:defRPr>
             </a:lvl3pPr>
-            <a:lvl4pPr marL="1600200" indent="-228600" defTabSz="608013">
+            <a:lvl4pPr marL="1600200" indent="-228600" defTabSz="608330">
               <a:spcBef>
                 <a:spcPct val="20000"/>
               </a:spcBef>
@@ -36785,7 +36261,7 @@
                 <a:ea typeface="宋体" panose="02010600030101010101" pitchFamily="2" charset="-122"/>
               </a:defRPr>
             </a:lvl4pPr>
-            <a:lvl5pPr marL="2057400" indent="-228600" defTabSz="608013">
+            <a:lvl5pPr marL="2057400" indent="-228600" defTabSz="608330">
               <a:spcBef>
                 <a:spcPct val="20000"/>
               </a:spcBef>
@@ -36802,7 +36278,7 @@
                 <a:ea typeface="宋体" panose="02010600030101010101" pitchFamily="2" charset="-122"/>
               </a:defRPr>
             </a:lvl5pPr>
-            <a:lvl6pPr marL="2514600" indent="-228600" defTabSz="608013" eaLnBrk="0" fontAlgn="base" hangingPunct="0">
+            <a:lvl6pPr marL="2514600" indent="-228600" defTabSz="608330" eaLnBrk="0" fontAlgn="base" hangingPunct="0">
               <a:spcBef>
                 <a:spcPct val="20000"/>
               </a:spcBef>
@@ -36822,7 +36298,7 @@
                 <a:ea typeface="宋体" panose="02010600030101010101" pitchFamily="2" charset="-122"/>
               </a:defRPr>
             </a:lvl6pPr>
-            <a:lvl7pPr marL="2971800" indent="-228600" defTabSz="608013" eaLnBrk="0" fontAlgn="base" hangingPunct="0">
+            <a:lvl7pPr marL="2971800" indent="-228600" defTabSz="608330" eaLnBrk="0" fontAlgn="base" hangingPunct="0">
               <a:spcBef>
                 <a:spcPct val="20000"/>
               </a:spcBef>
@@ -36842,7 +36318,7 @@
                 <a:ea typeface="宋体" panose="02010600030101010101" pitchFamily="2" charset="-122"/>
               </a:defRPr>
             </a:lvl7pPr>
-            <a:lvl8pPr marL="3429000" indent="-228600" defTabSz="608013" eaLnBrk="0" fontAlgn="base" hangingPunct="0">
+            <a:lvl8pPr marL="3429000" indent="-228600" defTabSz="608330" eaLnBrk="0" fontAlgn="base" hangingPunct="0">
               <a:spcBef>
                 <a:spcPct val="20000"/>
               </a:spcBef>
@@ -36862,7 +36338,7 @@
                 <a:ea typeface="宋体" panose="02010600030101010101" pitchFamily="2" charset="-122"/>
               </a:defRPr>
             </a:lvl8pPr>
-            <a:lvl9pPr marL="3886200" indent="-228600" defTabSz="608013" eaLnBrk="0" fontAlgn="base" hangingPunct="0">
+            <a:lvl9pPr marL="3886200" indent="-228600" defTabSz="608330" eaLnBrk="0" fontAlgn="base" hangingPunct="0">
               <a:spcBef>
                 <a:spcPct val="20000"/>
               </a:spcBef>
@@ -36899,6 +36375,9 @@
               </a:rPr>
               <a:t>按数据挖掘任务分类</a:t>
             </a:r>
+            <a:endParaRPr lang="zh-CN" altLang="en-US" sz="1800" b="1" dirty="0">
+              <a:latin typeface="宋体" panose="02010600030101010101" pitchFamily="2" charset="-122"/>
+            </a:endParaRPr>
           </a:p>
         </p:txBody>
       </p:sp>
@@ -36947,7 +36426,7 @@
             <a:spAutoFit/>
           </a:bodyPr>
           <a:lstStyle>
-            <a:lvl1pPr defTabSz="608013">
+            <a:lvl1pPr defTabSz="608330">
               <a:spcBef>
                 <a:spcPct val="20000"/>
               </a:spcBef>
@@ -36965,7 +36444,7 @@
                 <a:ea typeface="宋体" panose="02010600030101010101" pitchFamily="2" charset="-122"/>
               </a:defRPr>
             </a:lvl1pPr>
-            <a:lvl2pPr marL="742950" indent="-285750" defTabSz="608013">
+            <a:lvl2pPr marL="742950" indent="-285750" defTabSz="608330">
               <a:spcBef>
                 <a:spcPct val="20000"/>
               </a:spcBef>
@@ -36983,7 +36462,7 @@
                 <a:ea typeface="宋体" panose="02010600030101010101" pitchFamily="2" charset="-122"/>
               </a:defRPr>
             </a:lvl2pPr>
-            <a:lvl3pPr marL="1143000" indent="-228600" defTabSz="608013">
+            <a:lvl3pPr marL="1143000" indent="-228600" defTabSz="608330">
               <a:spcBef>
                 <a:spcPct val="20000"/>
               </a:spcBef>
@@ -37001,7 +36480,7 @@
                 <a:ea typeface="宋体" panose="02010600030101010101" pitchFamily="2" charset="-122"/>
               </a:defRPr>
             </a:lvl3pPr>
-            <a:lvl4pPr marL="1600200" indent="-228600" defTabSz="608013">
+            <a:lvl4pPr marL="1600200" indent="-228600" defTabSz="608330">
               <a:spcBef>
                 <a:spcPct val="20000"/>
               </a:spcBef>
@@ -37019,7 +36498,7 @@
                 <a:ea typeface="宋体" panose="02010600030101010101" pitchFamily="2" charset="-122"/>
               </a:defRPr>
             </a:lvl4pPr>
-            <a:lvl5pPr marL="2057400" indent="-228600" defTabSz="608013">
+            <a:lvl5pPr marL="2057400" indent="-228600" defTabSz="608330">
               <a:spcBef>
                 <a:spcPct val="20000"/>
               </a:spcBef>
@@ -37036,7 +36515,7 @@
                 <a:ea typeface="宋体" panose="02010600030101010101" pitchFamily="2" charset="-122"/>
               </a:defRPr>
             </a:lvl5pPr>
-            <a:lvl6pPr marL="2514600" indent="-228600" defTabSz="608013" eaLnBrk="0" fontAlgn="base" hangingPunct="0">
+            <a:lvl6pPr marL="2514600" indent="-228600" defTabSz="608330" eaLnBrk="0" fontAlgn="base" hangingPunct="0">
               <a:spcBef>
                 <a:spcPct val="20000"/>
               </a:spcBef>
@@ -37056,7 +36535,7 @@
                 <a:ea typeface="宋体" panose="02010600030101010101" pitchFamily="2" charset="-122"/>
               </a:defRPr>
             </a:lvl6pPr>
-            <a:lvl7pPr marL="2971800" indent="-228600" defTabSz="608013" eaLnBrk="0" fontAlgn="base" hangingPunct="0">
+            <a:lvl7pPr marL="2971800" indent="-228600" defTabSz="608330" eaLnBrk="0" fontAlgn="base" hangingPunct="0">
               <a:spcBef>
                 <a:spcPct val="20000"/>
               </a:spcBef>
@@ -37076,7 +36555,7 @@
                 <a:ea typeface="宋体" panose="02010600030101010101" pitchFamily="2" charset="-122"/>
               </a:defRPr>
             </a:lvl7pPr>
-            <a:lvl8pPr marL="3429000" indent="-228600" defTabSz="608013" eaLnBrk="0" fontAlgn="base" hangingPunct="0">
+            <a:lvl8pPr marL="3429000" indent="-228600" defTabSz="608330" eaLnBrk="0" fontAlgn="base" hangingPunct="0">
               <a:spcBef>
                 <a:spcPct val="20000"/>
               </a:spcBef>
@@ -37096,7 +36575,7 @@
                 <a:ea typeface="宋体" panose="02010600030101010101" pitchFamily="2" charset="-122"/>
               </a:defRPr>
             </a:lvl8pPr>
-            <a:lvl9pPr marL="3886200" indent="-228600" defTabSz="608013" eaLnBrk="0" fontAlgn="base" hangingPunct="0">
+            <a:lvl9pPr marL="3886200" indent="-228600" defTabSz="608330" eaLnBrk="0" fontAlgn="base" hangingPunct="0">
               <a:spcBef>
                 <a:spcPct val="20000"/>
               </a:spcBef>
@@ -37133,6 +36612,9 @@
               </a:rPr>
               <a:t>按数据挖掘方法和技术分类</a:t>
             </a:r>
+            <a:endParaRPr lang="zh-CN" altLang="en-US" sz="1800" b="1" dirty="0">
+              <a:latin typeface="宋体" panose="02010600030101010101" pitchFamily="2" charset="-122"/>
+            </a:endParaRPr>
           </a:p>
         </p:txBody>
       </p:sp>
@@ -37181,7 +36663,7 @@
             <a:spAutoFit/>
           </a:bodyPr>
           <a:lstStyle>
-            <a:lvl1pPr defTabSz="608013">
+            <a:lvl1pPr defTabSz="608330">
               <a:spcBef>
                 <a:spcPct val="20000"/>
               </a:spcBef>
@@ -37199,7 +36681,7 @@
                 <a:ea typeface="宋体" panose="02010600030101010101" pitchFamily="2" charset="-122"/>
               </a:defRPr>
             </a:lvl1pPr>
-            <a:lvl2pPr marL="742950" indent="-285750" defTabSz="608013">
+            <a:lvl2pPr marL="742950" indent="-285750" defTabSz="608330">
               <a:spcBef>
                 <a:spcPct val="20000"/>
               </a:spcBef>
@@ -37217,7 +36699,7 @@
                 <a:ea typeface="宋体" panose="02010600030101010101" pitchFamily="2" charset="-122"/>
               </a:defRPr>
             </a:lvl2pPr>
-            <a:lvl3pPr marL="1143000" indent="-228600" defTabSz="608013">
+            <a:lvl3pPr marL="1143000" indent="-228600" defTabSz="608330">
               <a:spcBef>
                 <a:spcPct val="20000"/>
               </a:spcBef>
@@ -37235,7 +36717,7 @@
                 <a:ea typeface="宋体" panose="02010600030101010101" pitchFamily="2" charset="-122"/>
               </a:defRPr>
             </a:lvl3pPr>
-            <a:lvl4pPr marL="1600200" indent="-228600" defTabSz="608013">
+            <a:lvl4pPr marL="1600200" indent="-228600" defTabSz="608330">
               <a:spcBef>
                 <a:spcPct val="20000"/>
               </a:spcBef>
@@ -37253,7 +36735,7 @@
                 <a:ea typeface="宋体" panose="02010600030101010101" pitchFamily="2" charset="-122"/>
               </a:defRPr>
             </a:lvl4pPr>
-            <a:lvl5pPr marL="2057400" indent="-228600" defTabSz="608013">
+            <a:lvl5pPr marL="2057400" indent="-228600" defTabSz="608330">
               <a:spcBef>
                 <a:spcPct val="20000"/>
               </a:spcBef>
@@ -37270,7 +36752,7 @@
                 <a:ea typeface="宋体" panose="02010600030101010101" pitchFamily="2" charset="-122"/>
               </a:defRPr>
             </a:lvl5pPr>
-            <a:lvl6pPr marL="2514600" indent="-228600" defTabSz="608013" eaLnBrk="0" fontAlgn="base" hangingPunct="0">
+            <a:lvl6pPr marL="2514600" indent="-228600" defTabSz="608330" eaLnBrk="0" fontAlgn="base" hangingPunct="0">
               <a:spcBef>
                 <a:spcPct val="20000"/>
               </a:spcBef>
@@ -37290,7 +36772,7 @@
                 <a:ea typeface="宋体" panose="02010600030101010101" pitchFamily="2" charset="-122"/>
               </a:defRPr>
             </a:lvl6pPr>
-            <a:lvl7pPr marL="2971800" indent="-228600" defTabSz="608013" eaLnBrk="0" fontAlgn="base" hangingPunct="0">
+            <a:lvl7pPr marL="2971800" indent="-228600" defTabSz="608330" eaLnBrk="0" fontAlgn="base" hangingPunct="0">
               <a:spcBef>
                 <a:spcPct val="20000"/>
               </a:spcBef>
@@ -37310,7 +36792,7 @@
                 <a:ea typeface="宋体" panose="02010600030101010101" pitchFamily="2" charset="-122"/>
               </a:defRPr>
             </a:lvl7pPr>
-            <a:lvl8pPr marL="3429000" indent="-228600" defTabSz="608013" eaLnBrk="0" fontAlgn="base" hangingPunct="0">
+            <a:lvl8pPr marL="3429000" indent="-228600" defTabSz="608330" eaLnBrk="0" fontAlgn="base" hangingPunct="0">
               <a:spcBef>
                 <a:spcPct val="20000"/>
               </a:spcBef>
@@ -37330,7 +36812,7 @@
                 <a:ea typeface="宋体" panose="02010600030101010101" pitchFamily="2" charset="-122"/>
               </a:defRPr>
             </a:lvl8pPr>
-            <a:lvl9pPr marL="3886200" indent="-228600" defTabSz="608013" eaLnBrk="0" fontAlgn="base" hangingPunct="0">
+            <a:lvl9pPr marL="3886200" indent="-228600" defTabSz="608330" eaLnBrk="0" fontAlgn="base" hangingPunct="0">
               <a:spcBef>
                 <a:spcPct val="20000"/>
               </a:spcBef>
@@ -37367,15 +36849,16 @@
               </a:rPr>
               <a:t>按数据挖掘对象分类</a:t>
             </a:r>
+            <a:endParaRPr lang="zh-CN" altLang="en-US" sz="1800" b="1" dirty="0">
+              <a:latin typeface="宋体" panose="02010600030101010101" pitchFamily="2" charset="-122"/>
+            </a:endParaRPr>
           </a:p>
         </p:txBody>
       </p:sp>
       <p:grpSp>
         <p:nvGrpSpPr>
           <p:cNvPr id="46091" name="组 2"/>
-          <p:cNvGrpSpPr>
-            <a:grpSpLocks/>
-          </p:cNvGrpSpPr>
+          <p:cNvGrpSpPr/>
           <p:nvPr/>
         </p:nvGrpSpPr>
         <p:grpSpPr bwMode="auto">
@@ -37388,13 +36871,7 @@
         </p:grpSpPr>
         <p:sp>
           <p:nvSpPr>
-            <p:cNvPr id="12" name="矩形 11">
-              <a:extLst>
-                <a:ext uri="{FF2B5EF4-FFF2-40B4-BE49-F238E27FC236}">
-                  <a16:creationId xmlns:a16="http://schemas.microsoft.com/office/drawing/2014/main" id="{149F1016-1999-4406-AA68-F0BCBE068289}"/>
-                </a:ext>
-              </a:extLst>
-            </p:cNvPr>
+            <p:cNvPr id="12" name="矩形 11"/>
             <p:cNvSpPr/>
             <p:nvPr/>
           </p:nvSpPr>
@@ -37487,7 +36964,7 @@
               <a:spAutoFit/>
             </a:bodyPr>
             <a:lstStyle>
-              <a:lvl1pPr defTabSz="608013">
+              <a:lvl1pPr defTabSz="608330">
                 <a:spcBef>
                   <a:spcPct val="20000"/>
                 </a:spcBef>
@@ -37505,7 +36982,7 @@
                   <a:ea typeface="宋体" panose="02010600030101010101" pitchFamily="2" charset="-122"/>
                 </a:defRPr>
               </a:lvl1pPr>
-              <a:lvl2pPr marL="742950" indent="-285750" defTabSz="608013">
+              <a:lvl2pPr marL="742950" indent="-285750" defTabSz="608330">
                 <a:spcBef>
                   <a:spcPct val="20000"/>
                 </a:spcBef>
@@ -37523,7 +37000,7 @@
                   <a:ea typeface="宋体" panose="02010600030101010101" pitchFamily="2" charset="-122"/>
                 </a:defRPr>
               </a:lvl2pPr>
-              <a:lvl3pPr marL="1143000" indent="-228600" defTabSz="608013">
+              <a:lvl3pPr marL="1143000" indent="-228600" defTabSz="608330">
                 <a:spcBef>
                   <a:spcPct val="20000"/>
                 </a:spcBef>
@@ -37541,7 +37018,7 @@
                   <a:ea typeface="宋体" panose="02010600030101010101" pitchFamily="2" charset="-122"/>
                 </a:defRPr>
               </a:lvl3pPr>
-              <a:lvl4pPr marL="1600200" indent="-228600" defTabSz="608013">
+              <a:lvl4pPr marL="1600200" indent="-228600" defTabSz="608330">
                 <a:spcBef>
                   <a:spcPct val="20000"/>
                 </a:spcBef>
@@ -37559,7 +37036,7 @@
                   <a:ea typeface="宋体" panose="02010600030101010101" pitchFamily="2" charset="-122"/>
                 </a:defRPr>
               </a:lvl4pPr>
-              <a:lvl5pPr marL="2057400" indent="-228600" defTabSz="608013">
+              <a:lvl5pPr marL="2057400" indent="-228600" defTabSz="608330">
                 <a:spcBef>
                   <a:spcPct val="20000"/>
                 </a:spcBef>
@@ -37576,7 +37053,7 @@
                   <a:ea typeface="宋体" panose="02010600030101010101" pitchFamily="2" charset="-122"/>
                 </a:defRPr>
               </a:lvl5pPr>
-              <a:lvl6pPr marL="2514600" indent="-228600" defTabSz="608013" eaLnBrk="0" fontAlgn="base" hangingPunct="0">
+              <a:lvl6pPr marL="2514600" indent="-228600" defTabSz="608330" eaLnBrk="0" fontAlgn="base" hangingPunct="0">
                 <a:spcBef>
                   <a:spcPct val="20000"/>
                 </a:spcBef>
@@ -37596,7 +37073,7 @@
                   <a:ea typeface="宋体" panose="02010600030101010101" pitchFamily="2" charset="-122"/>
                 </a:defRPr>
               </a:lvl6pPr>
-              <a:lvl7pPr marL="2971800" indent="-228600" defTabSz="608013" eaLnBrk="0" fontAlgn="base" hangingPunct="0">
+              <a:lvl7pPr marL="2971800" indent="-228600" defTabSz="608330" eaLnBrk="0" fontAlgn="base" hangingPunct="0">
                 <a:spcBef>
                   <a:spcPct val="20000"/>
                 </a:spcBef>
@@ -37616,7 +37093,7 @@
                   <a:ea typeface="宋体" panose="02010600030101010101" pitchFamily="2" charset="-122"/>
                 </a:defRPr>
               </a:lvl7pPr>
-              <a:lvl8pPr marL="3429000" indent="-228600" defTabSz="608013" eaLnBrk="0" fontAlgn="base" hangingPunct="0">
+              <a:lvl8pPr marL="3429000" indent="-228600" defTabSz="608330" eaLnBrk="0" fontAlgn="base" hangingPunct="0">
                 <a:spcBef>
                   <a:spcPct val="20000"/>
                 </a:spcBef>
@@ -37636,7 +37113,7 @@
                   <a:ea typeface="宋体" panose="02010600030101010101" pitchFamily="2" charset="-122"/>
                 </a:defRPr>
               </a:lvl8pPr>
-              <a:lvl9pPr marL="3886200" indent="-228600" defTabSz="608013" eaLnBrk="0" fontAlgn="base" hangingPunct="0">
+              <a:lvl9pPr marL="3886200" indent="-228600" defTabSz="608330" eaLnBrk="0" fontAlgn="base" hangingPunct="0">
                 <a:spcBef>
                   <a:spcPct val="20000"/>
                 </a:spcBef>
@@ -37688,13 +37165,7 @@
       </p:grpSp>
       <p:grpSp>
         <p:nvGrpSpPr>
-          <p:cNvPr id="14" name="组 3">
-            <a:extLst>
-              <a:ext uri="{FF2B5EF4-FFF2-40B4-BE49-F238E27FC236}">
-                <a16:creationId xmlns:a16="http://schemas.microsoft.com/office/drawing/2014/main" id="{4CF545A5-A55D-4FC1-9F2B-E4F1B4094CEB}"/>
-              </a:ext>
-            </a:extLst>
-          </p:cNvPr>
+          <p:cNvPr id="14" name="组 3"/>
           <p:cNvGrpSpPr/>
           <p:nvPr/>
         </p:nvGrpSpPr>
@@ -37711,13 +37182,7 @@
         </p:grpSpPr>
         <p:sp>
           <p:nvSpPr>
-            <p:cNvPr id="15" name="矩形 14">
-              <a:extLst>
-                <a:ext uri="{FF2B5EF4-FFF2-40B4-BE49-F238E27FC236}">
-                  <a16:creationId xmlns:a16="http://schemas.microsoft.com/office/drawing/2014/main" id="{2A93A4C4-D373-4084-B1AF-E5FC1F5A8157}"/>
-                </a:ext>
-              </a:extLst>
-            </p:cNvPr>
+            <p:cNvPr id="15" name="矩形 14"/>
             <p:cNvSpPr/>
             <p:nvPr/>
           </p:nvSpPr>
@@ -37765,13 +37230,7 @@
         </p:sp>
         <p:sp>
           <p:nvSpPr>
-            <p:cNvPr id="16" name="矩形 15">
-              <a:extLst>
-                <a:ext uri="{FF2B5EF4-FFF2-40B4-BE49-F238E27FC236}">
-                  <a16:creationId xmlns:a16="http://schemas.microsoft.com/office/drawing/2014/main" id="{039762FE-82E5-44F7-84FF-3C3A39DE7721}"/>
-                </a:ext>
-              </a:extLst>
-            </p:cNvPr>
+            <p:cNvPr id="16" name="矩形 15"/>
             <p:cNvSpPr/>
             <p:nvPr/>
           </p:nvSpPr>
@@ -37791,7 +37250,7 @@
             </a:bodyPr>
             <a:lstStyle/>
             <a:p>
-              <a:pPr algn="ctr" defTabSz="609585">
+              <a:pPr algn="ctr" defTabSz="609600">
                 <a:defRPr/>
               </a:pPr>
               <a:r>
@@ -37799,7 +37258,7 @@
                   <a:solidFill>
                     <a:schemeClr val="bg1"/>
                   </a:solidFill>
-                  <a:ea typeface="微软雅黑" charset="0"/>
+                  <a:ea typeface="微软雅黑" panose="020B0503020204020204" pitchFamily="34" charset="-122"/>
                 </a:rPr>
                 <a:t>02</a:t>
               </a:r>
@@ -37807,7 +37266,7 @@
                 <a:solidFill>
                   <a:schemeClr val="bg1"/>
                 </a:solidFill>
-                <a:ea typeface="微软雅黑" charset="0"/>
+                <a:ea typeface="微软雅黑" panose="020B0503020204020204" pitchFamily="34" charset="-122"/>
               </a:endParaRPr>
             </a:p>
           </p:txBody>
@@ -37815,13 +37274,7 @@
       </p:grpSp>
       <p:grpSp>
         <p:nvGrpSpPr>
-          <p:cNvPr id="17" name="组 5">
-            <a:extLst>
-              <a:ext uri="{FF2B5EF4-FFF2-40B4-BE49-F238E27FC236}">
-                <a16:creationId xmlns:a16="http://schemas.microsoft.com/office/drawing/2014/main" id="{ED93CFC2-61E1-44D7-8E01-D4B2C297628A}"/>
-              </a:ext>
-            </a:extLst>
-          </p:cNvPr>
+          <p:cNvPr id="17" name="组 5"/>
           <p:cNvGrpSpPr/>
           <p:nvPr/>
         </p:nvGrpSpPr>
@@ -37838,13 +37291,7 @@
         </p:grpSpPr>
         <p:sp>
           <p:nvSpPr>
-            <p:cNvPr id="18" name="矩形 17">
-              <a:extLst>
-                <a:ext uri="{FF2B5EF4-FFF2-40B4-BE49-F238E27FC236}">
-                  <a16:creationId xmlns:a16="http://schemas.microsoft.com/office/drawing/2014/main" id="{4229D797-F630-4428-8EAB-1105B53DB4EF}"/>
-                </a:ext>
-              </a:extLst>
-            </p:cNvPr>
+            <p:cNvPr id="18" name="矩形 17"/>
             <p:cNvSpPr/>
             <p:nvPr/>
           </p:nvSpPr>
@@ -37892,13 +37339,7 @@
         </p:sp>
         <p:sp>
           <p:nvSpPr>
-            <p:cNvPr id="19" name="矩形 18">
-              <a:extLst>
-                <a:ext uri="{FF2B5EF4-FFF2-40B4-BE49-F238E27FC236}">
-                  <a16:creationId xmlns:a16="http://schemas.microsoft.com/office/drawing/2014/main" id="{F7BC0FEB-D9BD-4977-89C5-DBCC21A3D17F}"/>
-                </a:ext>
-              </a:extLst>
-            </p:cNvPr>
+            <p:cNvPr id="19" name="矩形 18"/>
             <p:cNvSpPr/>
             <p:nvPr/>
           </p:nvSpPr>
@@ -37918,7 +37359,7 @@
             </a:bodyPr>
             <a:lstStyle/>
             <a:p>
-              <a:pPr algn="ctr" defTabSz="609585">
+              <a:pPr algn="ctr" defTabSz="609600">
                 <a:defRPr/>
               </a:pPr>
               <a:r>
@@ -37926,7 +37367,7 @@
                   <a:solidFill>
                     <a:schemeClr val="bg1"/>
                   </a:solidFill>
-                  <a:ea typeface="微软雅黑" charset="0"/>
+                  <a:ea typeface="微软雅黑" panose="020B0503020204020204" pitchFamily="34" charset="-122"/>
                 </a:rPr>
                 <a:t>04</a:t>
               </a:r>
@@ -37934,7 +37375,7 @@
                 <a:solidFill>
                   <a:schemeClr val="bg1"/>
                 </a:solidFill>
-                <a:ea typeface="微软雅黑" charset="0"/>
+                <a:ea typeface="微软雅黑" panose="020B0503020204020204" pitchFamily="34" charset="-122"/>
               </a:endParaRPr>
             </a:p>
           </p:txBody>
@@ -37942,13 +37383,7 @@
       </p:grpSp>
       <p:grpSp>
         <p:nvGrpSpPr>
-          <p:cNvPr id="20" name="组 4">
-            <a:extLst>
-              <a:ext uri="{FF2B5EF4-FFF2-40B4-BE49-F238E27FC236}">
-                <a16:creationId xmlns:a16="http://schemas.microsoft.com/office/drawing/2014/main" id="{884C00ED-63D9-4C35-9795-23F837F251BE}"/>
-              </a:ext>
-            </a:extLst>
-          </p:cNvPr>
+          <p:cNvPr id="20" name="组 4"/>
           <p:cNvGrpSpPr/>
           <p:nvPr/>
         </p:nvGrpSpPr>
@@ -37965,13 +37400,7 @@
         </p:grpSpPr>
         <p:sp>
           <p:nvSpPr>
-            <p:cNvPr id="21" name="矩形 20">
-              <a:extLst>
-                <a:ext uri="{FF2B5EF4-FFF2-40B4-BE49-F238E27FC236}">
-                  <a16:creationId xmlns:a16="http://schemas.microsoft.com/office/drawing/2014/main" id="{B88EC112-9FA4-4F77-84DD-A417DE6B4B77}"/>
-                </a:ext>
-              </a:extLst>
-            </p:cNvPr>
+            <p:cNvPr id="21" name="矩形 20"/>
             <p:cNvSpPr/>
             <p:nvPr/>
           </p:nvSpPr>
@@ -38019,13 +37448,7 @@
         </p:sp>
         <p:sp>
           <p:nvSpPr>
-            <p:cNvPr id="22" name="矩形 21">
-              <a:extLst>
-                <a:ext uri="{FF2B5EF4-FFF2-40B4-BE49-F238E27FC236}">
-                  <a16:creationId xmlns:a16="http://schemas.microsoft.com/office/drawing/2014/main" id="{03C0E719-94A7-4D2B-90BE-9F92E7404B28}"/>
-                </a:ext>
-              </a:extLst>
-            </p:cNvPr>
+            <p:cNvPr id="22" name="矩形 21"/>
             <p:cNvSpPr/>
             <p:nvPr/>
           </p:nvSpPr>
@@ -38045,7 +37468,7 @@
             </a:bodyPr>
             <a:lstStyle/>
             <a:p>
-              <a:pPr algn="ctr" defTabSz="609585">
+              <a:pPr algn="ctr" defTabSz="609600">
                 <a:defRPr/>
               </a:pPr>
               <a:r>
@@ -38053,7 +37476,7 @@
                   <a:solidFill>
                     <a:schemeClr val="bg1"/>
                   </a:solidFill>
-                  <a:ea typeface="微软雅黑" charset="0"/>
+                  <a:ea typeface="微软雅黑" panose="020B0503020204020204" pitchFamily="34" charset="-122"/>
                 </a:rPr>
                 <a:t>03</a:t>
               </a:r>
@@ -38061,7 +37484,7 @@
                 <a:solidFill>
                   <a:schemeClr val="bg1"/>
                 </a:solidFill>
-                <a:ea typeface="微软雅黑" charset="0"/>
+                <a:ea typeface="微软雅黑" panose="020B0503020204020204" pitchFamily="34" charset="-122"/>
               </a:endParaRPr>
             </a:p>
           </p:txBody>
@@ -38089,8 +37512,6 @@
               <a:schemeClr val="bg1"/>
             </a:solidFill>
             <a:miter lim="800000"/>
-            <a:headEnd/>
-            <a:tailEnd/>
           </a:ln>
           <a:extLst>
             <a:ext uri="{909E8E84-426E-40DD-AFC4-6F175D3DCCD1}">
@@ -38296,6 +37717,9 @@
               </a:rPr>
               <a:t>关系数据挖掘，模糊数据挖掘，历史数据挖掘，空间数据挖掘等</a:t>
             </a:r>
+            <a:endParaRPr lang="zh-CN" altLang="en-US" sz="1800" b="1" dirty="0">
+              <a:latin typeface="宋体" panose="02010600030101010101" pitchFamily="2" charset="-122"/>
+            </a:endParaRPr>
           </a:p>
         </p:txBody>
       </p:sp>
@@ -38545,6 +37969,9 @@
               </a:rPr>
               <a:t>数据挖掘等</a:t>
             </a:r>
+            <a:endParaRPr lang="zh-CN" altLang="en-US" sz="1800" b="1" dirty="0">
+              <a:latin typeface="宋体" panose="02010600030101010101" pitchFamily="2" charset="-122"/>
+            </a:endParaRPr>
           </a:p>
         </p:txBody>
       </p:sp>
@@ -38782,6 +38209,9 @@
               </a:rPr>
               <a:t>归纳学习类数据挖掘，仿生物技术类数据挖掘，公式发现类数据挖掘，统计分析类数据挖掘，</a:t>
             </a:r>
+            <a:endParaRPr lang="zh-CN" altLang="en-US" sz="1800" b="1" dirty="0">
+              <a:latin typeface="宋体" panose="02010600030101010101" pitchFamily="2" charset="-122"/>
+            </a:endParaRPr>
           </a:p>
         </p:txBody>
       </p:sp>
@@ -39019,18 +38449,15 @@
               </a:rPr>
               <a:t>关联规则挖掘，聚类数据挖掘，分类数据挖掘，偏差分析挖掘等</a:t>
             </a:r>
+            <a:endParaRPr lang="zh-CN" altLang="en-US" sz="1800" b="1" dirty="0">
+              <a:latin typeface="宋体" panose="02010600030101010101" pitchFamily="2" charset="-122"/>
+            </a:endParaRPr>
           </a:p>
         </p:txBody>
       </p:sp>
       <p:sp>
         <p:nvSpPr>
-          <p:cNvPr id="27" name="标题 2">
-            <a:extLst>
-              <a:ext uri="{FF2B5EF4-FFF2-40B4-BE49-F238E27FC236}">
-                <a16:creationId xmlns:a16="http://schemas.microsoft.com/office/drawing/2014/main" id="{243ECD7D-60FA-46BF-A25A-D5C06FD680BC}"/>
-              </a:ext>
-            </a:extLst>
-          </p:cNvPr>
+          <p:cNvPr id="27" name="标题 2"/>
           <p:cNvSpPr txBox="1">
             <a:spLocks noChangeArrowheads="1"/>
           </p:cNvSpPr>
@@ -39210,6 +38637,15 @@
               </a:rPr>
               <a:t>数据挖掘分类</a:t>
             </a:r>
+            <a:endParaRPr lang="zh-CN" altLang="en-US" sz="3200" b="1" dirty="0">
+              <a:effectLst>
+                <a:outerShdw blurRad="38100" dist="38100" dir="2700000" algn="tl">
+                  <a:srgbClr val="000000">
+                    <a:alpha val="43137"/>
+                  </a:srgbClr>
+                </a:outerShdw>
+              </a:effectLst>
+            </a:endParaRPr>
           </a:p>
         </p:txBody>
       </p:sp>
@@ -39526,18 +38962,15 @@
               </a:rPr>
               <a:t>数据挖掘仅仅是知识发现过程的一个步骤。 </a:t>
             </a:r>
+            <a:endParaRPr lang="zh-CN" altLang="en-US" sz="2400" b="1" dirty="0">
+              <a:latin typeface="宋体" panose="02010600030101010101" pitchFamily="2" charset="-122"/>
+            </a:endParaRPr>
           </a:p>
         </p:txBody>
       </p:sp>
       <p:sp>
         <p:nvSpPr>
-          <p:cNvPr id="4" name="标题 2">
-            <a:extLst>
-              <a:ext uri="{FF2B5EF4-FFF2-40B4-BE49-F238E27FC236}">
-                <a16:creationId xmlns:a16="http://schemas.microsoft.com/office/drawing/2014/main" id="{77271B95-AA1B-4939-A75B-A4B7B41F4E56}"/>
-              </a:ext>
-            </a:extLst>
-          </p:cNvPr>
+          <p:cNvPr id="4" name="标题 2"/>
           <p:cNvSpPr txBox="1">
             <a:spLocks noChangeArrowheads="1"/>
           </p:cNvSpPr>
@@ -39717,6 +39150,15 @@
               </a:rPr>
               <a:t>知识发现的过程</a:t>
             </a:r>
+            <a:endParaRPr lang="zh-CN" altLang="en-US" sz="3200" b="1" dirty="0">
+              <a:effectLst>
+                <a:outerShdw blurRad="38100" dist="38100" dir="2700000" algn="tl">
+                  <a:srgbClr val="000000">
+                    <a:alpha val="43137"/>
+                  </a:srgbClr>
+                </a:outerShdw>
+              </a:effectLst>
+            </a:endParaRPr>
           </a:p>
         </p:txBody>
       </p:sp>
@@ -40173,6 +39615,12 @@
               </a:rPr>
               <a:t>结果的解释和评价</a:t>
             </a:r>
+            <a:endParaRPr lang="zh-CN" altLang="en-US" sz="2400" b="1" dirty="0">
+              <a:solidFill>
+                <a:srgbClr val="00B0F0"/>
+              </a:solidFill>
+              <a:latin typeface="宋体" panose="02010600030101010101" pitchFamily="2" charset="-122"/>
+            </a:endParaRPr>
           </a:p>
         </p:txBody>
       </p:sp>
@@ -40407,18 +39855,15 @@
               </a:rPr>
               <a:t>知识发现过程可以细分为七个部分</a:t>
             </a:r>
+            <a:endParaRPr lang="zh-CN" altLang="en-US" b="1" dirty="0">
+              <a:latin typeface="宋体" panose="02010600030101010101" pitchFamily="2" charset="-122"/>
+            </a:endParaRPr>
           </a:p>
         </p:txBody>
       </p:sp>
       <p:sp>
         <p:nvSpPr>
-          <p:cNvPr id="5" name="标题 2">
-            <a:extLst>
-              <a:ext uri="{FF2B5EF4-FFF2-40B4-BE49-F238E27FC236}">
-                <a16:creationId xmlns:a16="http://schemas.microsoft.com/office/drawing/2014/main" id="{B52FA417-2B79-49CE-B314-C8BA5741E6C9}"/>
-              </a:ext>
-            </a:extLst>
-          </p:cNvPr>
+          <p:cNvPr id="5" name="标题 2"/>
           <p:cNvSpPr txBox="1">
             <a:spLocks noChangeArrowheads="1"/>
           </p:cNvSpPr>
@@ -40598,6 +40043,15 @@
               </a:rPr>
               <a:t>知识发现的过程</a:t>
             </a:r>
+            <a:endParaRPr lang="zh-CN" altLang="en-US" sz="3200" b="1" dirty="0">
+              <a:effectLst>
+                <a:outerShdw blurRad="38100" dist="38100" dir="2700000" algn="tl">
+                  <a:srgbClr val="000000">
+                    <a:alpha val="43137"/>
+                  </a:srgbClr>
+                </a:outerShdw>
+              </a:effectLst>
+            </a:endParaRPr>
           </a:p>
         </p:txBody>
       </p:sp>
@@ -41032,13 +40486,7 @@
       </p:sp>
       <p:sp>
         <p:nvSpPr>
-          <p:cNvPr id="4" name="标题 2">
-            <a:extLst>
-              <a:ext uri="{FF2B5EF4-FFF2-40B4-BE49-F238E27FC236}">
-                <a16:creationId xmlns:a16="http://schemas.microsoft.com/office/drawing/2014/main" id="{CAE32EAD-0D53-4F6F-AE99-77FF259DDE1C}"/>
-              </a:ext>
-            </a:extLst>
-          </p:cNvPr>
+          <p:cNvPr id="4" name="标题 2"/>
           <p:cNvSpPr txBox="1">
             <a:spLocks noChangeArrowheads="1"/>
           </p:cNvSpPr>
@@ -41218,6 +40666,15 @@
               </a:rPr>
               <a:t>知识发现的过程</a:t>
             </a:r>
+            <a:endParaRPr lang="zh-CN" altLang="en-US" sz="3200" b="1" dirty="0">
+              <a:effectLst>
+                <a:outerShdw blurRad="38100" dist="38100" dir="2700000" algn="tl">
+                  <a:srgbClr val="000000">
+                    <a:alpha val="43137"/>
+                  </a:srgbClr>
+                </a:outerShdw>
+              </a:effectLst>
+            </a:endParaRPr>
           </a:p>
         </p:txBody>
       </p:sp>
@@ -41593,6 +41050,9 @@
               </a:rPr>
               <a:t>。</a:t>
             </a:r>
+            <a:endParaRPr lang="zh-CN" altLang="zh-CN" sz="2000" dirty="0">
+              <a:latin typeface="宋体" panose="02010600030101010101" pitchFamily="2" charset="-122"/>
+            </a:endParaRPr>
           </a:p>
           <a:p>
             <a:pPr>
@@ -41699,13 +41159,7 @@
       </p:sp>
       <p:sp>
         <p:nvSpPr>
-          <p:cNvPr id="4" name="标题 2">
-            <a:extLst>
-              <a:ext uri="{FF2B5EF4-FFF2-40B4-BE49-F238E27FC236}">
-                <a16:creationId xmlns:a16="http://schemas.microsoft.com/office/drawing/2014/main" id="{F2BC9291-0E0E-4703-981F-45244AA7E8A0}"/>
-              </a:ext>
-            </a:extLst>
-          </p:cNvPr>
+          <p:cNvPr id="4" name="标题 2"/>
           <p:cNvSpPr txBox="1">
             <a:spLocks noChangeArrowheads="1"/>
           </p:cNvSpPr>
@@ -41885,6 +41339,15 @@
               </a:rPr>
               <a:t>知识发现的过程</a:t>
             </a:r>
+            <a:endParaRPr lang="zh-CN" altLang="en-US" sz="3200" b="1" dirty="0">
+              <a:effectLst>
+                <a:outerShdw blurRad="38100" dist="38100" dir="2700000" algn="tl">
+                  <a:srgbClr val="000000">
+                    <a:alpha val="43137"/>
+                  </a:srgbClr>
+                </a:outerShdw>
+              </a:effectLst>
+            </a:endParaRPr>
           </a:p>
         </p:txBody>
       </p:sp>
@@ -42305,13 +41768,7 @@
       </p:sp>
       <p:sp>
         <p:nvSpPr>
-          <p:cNvPr id="4" name="标题 2">
-            <a:extLst>
-              <a:ext uri="{FF2B5EF4-FFF2-40B4-BE49-F238E27FC236}">
-                <a16:creationId xmlns:a16="http://schemas.microsoft.com/office/drawing/2014/main" id="{6F28FBF4-B05B-481C-85E6-51AEA5037F99}"/>
-              </a:ext>
-            </a:extLst>
-          </p:cNvPr>
+          <p:cNvPr id="4" name="标题 2"/>
           <p:cNvSpPr txBox="1">
             <a:spLocks noChangeArrowheads="1"/>
           </p:cNvSpPr>
@@ -42491,6 +41948,15 @@
               </a:rPr>
               <a:t>知识发现的过程</a:t>
             </a:r>
+            <a:endParaRPr lang="zh-CN" altLang="en-US" sz="3200" b="1" dirty="0">
+              <a:effectLst>
+                <a:outerShdw blurRad="38100" dist="38100" dir="2700000" algn="tl">
+                  <a:srgbClr val="000000">
+                    <a:alpha val="43137"/>
+                  </a:srgbClr>
+                </a:outerShdw>
+              </a:effectLst>
+            </a:endParaRPr>
           </a:p>
         </p:txBody>
       </p:sp>
@@ -42828,6 +42294,9 @@
               </a:rPr>
               <a:t>，让用户能够对模型结果做出解释，同时评价模式的有效性。如果结果不能令决策者满意，需要重复以上数据挖掘的过程。</a:t>
             </a:r>
+            <a:endParaRPr lang="zh-CN" altLang="zh-CN" sz="2000" dirty="0">
+              <a:latin typeface="宋体" panose="02010600030101010101" pitchFamily="2" charset="-122"/>
+            </a:endParaRPr>
           </a:p>
           <a:p>
             <a:pPr lvl="1">
@@ -42848,13 +42317,7 @@
       </p:sp>
       <p:sp>
         <p:nvSpPr>
-          <p:cNvPr id="4" name="标题 2">
-            <a:extLst>
-              <a:ext uri="{FF2B5EF4-FFF2-40B4-BE49-F238E27FC236}">
-                <a16:creationId xmlns:a16="http://schemas.microsoft.com/office/drawing/2014/main" id="{6530CD64-8F10-4ABE-8CFA-B6433B1345B8}"/>
-              </a:ext>
-            </a:extLst>
-          </p:cNvPr>
+          <p:cNvPr id="4" name="标题 2"/>
           <p:cNvSpPr txBox="1">
             <a:spLocks noChangeArrowheads="1"/>
           </p:cNvSpPr>
@@ -43034,6 +42497,15 @@
               </a:rPr>
               <a:t>知识发现的过程</a:t>
             </a:r>
+            <a:endParaRPr lang="zh-CN" altLang="en-US" sz="3200" b="1" dirty="0">
+              <a:effectLst>
+                <a:outerShdw blurRad="38100" dist="38100" dir="2700000" algn="tl">
+                  <a:srgbClr val="000000">
+                    <a:alpha val="43137"/>
+                  </a:srgbClr>
+                </a:outerShdw>
+              </a:effectLst>
+            </a:endParaRPr>
           </a:p>
         </p:txBody>
       </p:sp>
@@ -43067,13 +42539,7 @@
       </p:grpSpPr>
       <p:sp>
         <p:nvSpPr>
-          <p:cNvPr id="4" name="标题 1">
-            <a:extLst>
-              <a:ext uri="{FF2B5EF4-FFF2-40B4-BE49-F238E27FC236}">
-                <a16:creationId xmlns:a16="http://schemas.microsoft.com/office/drawing/2014/main" id="{0D64E7E0-652C-47A0-8090-DB54A49E7382}"/>
-              </a:ext>
-            </a:extLst>
-          </p:cNvPr>
+          <p:cNvPr id="4" name="标题 1"/>
           <p:cNvSpPr txBox="1">
             <a:spLocks noChangeArrowheads="1"/>
           </p:cNvSpPr>
@@ -43255,18 +42721,22 @@
               </a:rPr>
               <a:t> 数据挖掘的发展历程</a:t>
             </a:r>
+            <a:endParaRPr lang="zh-CN" altLang="en-US" sz="3200" b="1" dirty="0">
+              <a:effectLst>
+                <a:outerShdw blurRad="38100" dist="38100" dir="2700000" algn="tl">
+                  <a:srgbClr val="000000">
+                    <a:alpha val="43137"/>
+                  </a:srgbClr>
+                </a:outerShdw>
+              </a:effectLst>
+              <a:latin typeface="+mj-ea"/>
+            </a:endParaRPr>
           </a:p>
         </p:txBody>
       </p:sp>
       <p:sp>
         <p:nvSpPr>
-          <p:cNvPr id="5" name="矩形 1">
-            <a:extLst>
-              <a:ext uri="{FF2B5EF4-FFF2-40B4-BE49-F238E27FC236}">
-                <a16:creationId xmlns:a16="http://schemas.microsoft.com/office/drawing/2014/main" id="{41D82853-1BE1-4CB1-BB3A-A64642B3675E}"/>
-              </a:ext>
-            </a:extLst>
-          </p:cNvPr>
+          <p:cNvPr id="5" name="矩形 1"/>
           <p:cNvSpPr>
             <a:spLocks noChangeArrowheads="1"/>
           </p:cNvSpPr>
@@ -43672,11 +43142,6 @@
         </p:txBody>
       </p:sp>
     </p:spTree>
-    <p:extLst>
-      <p:ext uri="{BB962C8B-B14F-4D97-AF65-F5344CB8AC3E}">
-        <p14:creationId xmlns:p14="http://schemas.microsoft.com/office/powerpoint/2010/main" val="1211053627"/>
-      </p:ext>
-    </p:extLst>
   </p:cSld>
   <p:clrMapOvr>
     <a:masterClrMapping/>
@@ -43706,13 +43171,7 @@
       </p:grpSpPr>
       <p:sp>
         <p:nvSpPr>
-          <p:cNvPr id="4" name="标题 1">
-            <a:extLst>
-              <a:ext uri="{FF2B5EF4-FFF2-40B4-BE49-F238E27FC236}">
-                <a16:creationId xmlns:a16="http://schemas.microsoft.com/office/drawing/2014/main" id="{0D64E7E0-652C-47A0-8090-DB54A49E7382}"/>
-              </a:ext>
-            </a:extLst>
-          </p:cNvPr>
+          <p:cNvPr id="4" name="标题 1"/>
           <p:cNvSpPr txBox="1">
             <a:spLocks noChangeArrowheads="1"/>
           </p:cNvSpPr>
@@ -43894,18 +43353,22 @@
               </a:rPr>
               <a:t> 数据挖掘的发展历程</a:t>
             </a:r>
+            <a:endParaRPr lang="zh-CN" altLang="en-US" sz="3200" b="1" dirty="0">
+              <a:effectLst>
+                <a:outerShdw blurRad="38100" dist="38100" dir="2700000" algn="tl">
+                  <a:srgbClr val="000000">
+                    <a:alpha val="43137"/>
+                  </a:srgbClr>
+                </a:outerShdw>
+              </a:effectLst>
+              <a:latin typeface="+mj-ea"/>
+            </a:endParaRPr>
           </a:p>
         </p:txBody>
       </p:sp>
       <p:sp>
         <p:nvSpPr>
-          <p:cNvPr id="5" name="矩形 1">
-            <a:extLst>
-              <a:ext uri="{FF2B5EF4-FFF2-40B4-BE49-F238E27FC236}">
-                <a16:creationId xmlns:a16="http://schemas.microsoft.com/office/drawing/2014/main" id="{41D82853-1BE1-4CB1-BB3A-A64642B3675E}"/>
-              </a:ext>
-            </a:extLst>
-          </p:cNvPr>
+          <p:cNvPr id="5" name="矩形 1"/>
           <p:cNvSpPr>
             <a:spLocks noChangeArrowheads="1"/>
           </p:cNvSpPr>
@@ -44332,11 +43795,6 @@
         </p:txBody>
       </p:sp>
     </p:spTree>
-    <p:extLst>
-      <p:ext uri="{BB962C8B-B14F-4D97-AF65-F5344CB8AC3E}">
-        <p14:creationId xmlns:p14="http://schemas.microsoft.com/office/powerpoint/2010/main" val="3724797152"/>
-      </p:ext>
-    </p:extLst>
   </p:cSld>
   <p:clrMapOvr>
     <a:masterClrMapping/>
@@ -44366,13 +43824,7 @@
       </p:grpSpPr>
       <p:sp>
         <p:nvSpPr>
-          <p:cNvPr id="11267" name="文本框 4">
-            <a:extLst>
-              <a:ext uri="{FF2B5EF4-FFF2-40B4-BE49-F238E27FC236}">
-                <a16:creationId xmlns:a16="http://schemas.microsoft.com/office/drawing/2014/main" id="{C7150152-1D37-49C6-9BB9-28A823F919B9}"/>
-              </a:ext>
-            </a:extLst>
-          </p:cNvPr>
+          <p:cNvPr id="11267" name="文本框 4"/>
           <p:cNvSpPr txBox="1">
             <a:spLocks noChangeArrowheads="1"/>
           </p:cNvSpPr>
@@ -44934,13 +44386,7 @@
       </p:sp>
       <p:sp>
         <p:nvSpPr>
-          <p:cNvPr id="5" name="标题 1">
-            <a:extLst>
-              <a:ext uri="{FF2B5EF4-FFF2-40B4-BE49-F238E27FC236}">
-                <a16:creationId xmlns:a16="http://schemas.microsoft.com/office/drawing/2014/main" id="{487F6325-DB47-4B9C-AC8A-1EE510B9D118}"/>
-              </a:ext>
-            </a:extLst>
-          </p:cNvPr>
+          <p:cNvPr id="5" name="标题 1"/>
           <p:cNvSpPr txBox="1">
             <a:spLocks noChangeArrowheads="1"/>
           </p:cNvSpPr>
@@ -45122,6 +44568,16 @@
               </a:rPr>
               <a:t> 数据挖掘的概述</a:t>
             </a:r>
+            <a:endParaRPr lang="zh-CN" altLang="en-US" sz="3200" b="1" dirty="0">
+              <a:effectLst>
+                <a:outerShdw blurRad="38100" dist="38100" dir="2700000" algn="tl">
+                  <a:srgbClr val="000000">
+                    <a:alpha val="43137"/>
+                  </a:srgbClr>
+                </a:outerShdw>
+              </a:effectLst>
+              <a:latin typeface="+mj-ea"/>
+            </a:endParaRPr>
           </a:p>
         </p:txBody>
       </p:sp>
@@ -45466,13 +44922,7 @@
       </p:sp>
       <p:sp>
         <p:nvSpPr>
-          <p:cNvPr id="4" name="标题 1">
-            <a:extLst>
-              <a:ext uri="{FF2B5EF4-FFF2-40B4-BE49-F238E27FC236}">
-                <a16:creationId xmlns:a16="http://schemas.microsoft.com/office/drawing/2014/main" id="{DD9D9EBA-89BE-4839-935E-2F25DC98E3CA}"/>
-              </a:ext>
-            </a:extLst>
-          </p:cNvPr>
+          <p:cNvPr id="4" name="标题 1"/>
           <p:cNvSpPr txBox="1">
             <a:spLocks noChangeArrowheads="1"/>
           </p:cNvSpPr>
@@ -45654,6 +45104,16 @@
               </a:rPr>
               <a:t> 数据挖掘的概述</a:t>
             </a:r>
+            <a:endParaRPr lang="zh-CN" altLang="en-US" sz="3200" b="1" dirty="0">
+              <a:effectLst>
+                <a:outerShdw blurRad="38100" dist="38100" dir="2700000" algn="tl">
+                  <a:srgbClr val="000000">
+                    <a:alpha val="43137"/>
+                  </a:srgbClr>
+                </a:outerShdw>
+              </a:effectLst>
+              <a:latin typeface="+mj-ea"/>
+            </a:endParaRPr>
           </a:p>
         </p:txBody>
       </p:sp>
@@ -45988,58 +45448,6 @@
               </a:rPr>
               <a:t>(KDD)</a:t>
             </a:r>
-          </a:p>
-          <a:p>
-            <a:pPr marL="914400" lvl="2" indent="0">
-              <a:lnSpc>
-                <a:spcPct val="150000"/>
-              </a:lnSpc>
-              <a:spcBef>
-                <a:spcPct val="0"/>
-              </a:spcBef>
-              <a:buClr>
-                <a:srgbClr val="FF0000"/>
-              </a:buClr>
-              <a:buSzTx/>
-              <a:buNone/>
-            </a:pPr>
-            <a:r>
-              <a:rPr lang="zh-CN" altLang="en-US" sz="2000" dirty="0">
-                <a:latin typeface="+mn-ea"/>
-                <a:ea typeface="+mn-ea"/>
-              </a:rPr>
-              <a:t>输出的是规则</a:t>
-            </a:r>
-            <a:endParaRPr lang="en-US" altLang="zh-CN" sz="2000" dirty="0">
-              <a:latin typeface="+mn-ea"/>
-              <a:ea typeface="+mn-ea"/>
-            </a:endParaRPr>
-          </a:p>
-          <a:p>
-            <a:pPr lvl="1">
-              <a:lnSpc>
-                <a:spcPct val="150000"/>
-              </a:lnSpc>
-              <a:spcBef>
-                <a:spcPct val="0"/>
-              </a:spcBef>
-              <a:buClr>
-                <a:srgbClr val="FF0000"/>
-              </a:buClr>
-              <a:buSzTx/>
-              <a:buFont typeface="Wingdings" panose="05000000000000000000" pitchFamily="2" charset="2"/>
-              <a:buChar char="Ø"/>
-            </a:pPr>
-            <a:r>
-              <a:rPr lang="zh-CN" altLang="en-US" sz="2400" b="1" dirty="0">
-                <a:solidFill>
-                  <a:srgbClr val="FF0000"/>
-                </a:solidFill>
-                <a:latin typeface="+mn-ea"/>
-                <a:ea typeface="+mn-ea"/>
-              </a:rPr>
-              <a:t>数据挖掘</a:t>
-            </a:r>
             <a:endParaRPr lang="en-US" altLang="zh-CN" sz="2400" b="1" dirty="0">
               <a:solidFill>
                 <a:srgbClr val="FF0000"/>
@@ -46067,21 +45475,7 @@
                 <a:latin typeface="+mn-ea"/>
                 <a:ea typeface="+mn-ea"/>
               </a:rPr>
-              <a:t>输出的是模型，是</a:t>
-            </a:r>
-            <a:r>
-              <a:rPr lang="en-US" altLang="zh-CN" sz="2000" dirty="0">
-                <a:latin typeface="+mn-ea"/>
-                <a:ea typeface="+mn-ea"/>
-              </a:rPr>
-              <a:t>KDD</a:t>
-            </a:r>
-            <a:r>
-              <a:rPr lang="zh-CN" altLang="en-US" sz="2000" dirty="0">
-                <a:latin typeface="+mn-ea"/>
-                <a:ea typeface="+mn-ea"/>
-              </a:rPr>
-              <a:t>过程的一个步骤</a:t>
+              <a:t>输出的是规则</a:t>
             </a:r>
             <a:endParaRPr lang="en-US" altLang="zh-CN" sz="2000" dirty="0">
               <a:latin typeface="+mn-ea"/>
@@ -46111,7 +45505,7 @@
                 <a:latin typeface="+mn-ea"/>
                 <a:ea typeface="+mn-ea"/>
               </a:rPr>
-              <a:t>共同点</a:t>
+              <a:t>数据挖掘</a:t>
             </a:r>
             <a:endParaRPr lang="en-US" altLang="zh-CN" sz="2400" b="1" dirty="0">
               <a:solidFill>
@@ -46140,7 +45534,21 @@
                 <a:latin typeface="+mn-ea"/>
                 <a:ea typeface="+mn-ea"/>
               </a:rPr>
-              <a:t>两种方法输入的都是学习集</a:t>
+              <a:t>输出的是模型，是</a:t>
+            </a:r>
+            <a:r>
+              <a:rPr lang="en-US" altLang="zh-CN" sz="2000" dirty="0">
+                <a:latin typeface="+mn-ea"/>
+                <a:ea typeface="+mn-ea"/>
+              </a:rPr>
+              <a:t>KDD</a:t>
+            </a:r>
+            <a:r>
+              <a:rPr lang="zh-CN" altLang="en-US" sz="2000" dirty="0">
+                <a:latin typeface="+mn-ea"/>
+                <a:ea typeface="+mn-ea"/>
+              </a:rPr>
+              <a:t>过程的一个步骤</a:t>
             </a:r>
             <a:endParaRPr lang="en-US" altLang="zh-CN" sz="2000" dirty="0">
               <a:latin typeface="+mn-ea"/>
@@ -46148,6 +45556,39 @@
             </a:endParaRPr>
           </a:p>
           <a:p>
+            <a:pPr lvl="1">
+              <a:lnSpc>
+                <a:spcPct val="150000"/>
+              </a:lnSpc>
+              <a:spcBef>
+                <a:spcPct val="0"/>
+              </a:spcBef>
+              <a:buClr>
+                <a:srgbClr val="FF0000"/>
+              </a:buClr>
+              <a:buSzTx/>
+              <a:buFont typeface="Wingdings" panose="05000000000000000000" pitchFamily="2" charset="2"/>
+              <a:buChar char="Ø"/>
+            </a:pPr>
+            <a:r>
+              <a:rPr lang="zh-CN" altLang="en-US" sz="2400" b="1" dirty="0">
+                <a:solidFill>
+                  <a:srgbClr val="FF0000"/>
+                </a:solidFill>
+                <a:latin typeface="+mn-ea"/>
+                <a:ea typeface="+mn-ea"/>
+              </a:rPr>
+              <a:t>共同点</a:t>
+            </a:r>
+            <a:endParaRPr lang="en-US" altLang="zh-CN" sz="2400" b="1" dirty="0">
+              <a:solidFill>
+                <a:srgbClr val="FF0000"/>
+              </a:solidFill>
+              <a:latin typeface="+mn-ea"/>
+              <a:ea typeface="+mn-ea"/>
+            </a:endParaRPr>
+          </a:p>
+          <a:p>
             <a:pPr marL="914400" lvl="2" indent="0">
               <a:lnSpc>
                 <a:spcPct val="150000"/>
@@ -46166,24 +45607,44 @@
                 <a:latin typeface="+mn-ea"/>
                 <a:ea typeface="+mn-ea"/>
               </a:rPr>
-              <a:t>目的都是使数据挖掘过程变得更加自动化</a:t>
+              <a:t>两种方法输入的都是学习集</a:t>
             </a:r>
             <a:endParaRPr lang="en-US" altLang="zh-CN" sz="2000" dirty="0">
               <a:latin typeface="+mn-ea"/>
               <a:ea typeface="+mn-ea"/>
             </a:endParaRPr>
           </a:p>
+          <a:p>
+            <a:pPr marL="914400" lvl="2" indent="0">
+              <a:lnSpc>
+                <a:spcPct val="150000"/>
+              </a:lnSpc>
+              <a:spcBef>
+                <a:spcPct val="0"/>
+              </a:spcBef>
+              <a:buClr>
+                <a:srgbClr val="FF0000"/>
+              </a:buClr>
+              <a:buSzTx/>
+              <a:buNone/>
+            </a:pPr>
+            <a:r>
+              <a:rPr lang="zh-CN" altLang="en-US" sz="2000" dirty="0">
+                <a:latin typeface="+mn-ea"/>
+                <a:ea typeface="+mn-ea"/>
+              </a:rPr>
+              <a:t>目的都是使数据挖掘过程变得更加自动化</a:t>
+            </a:r>
+            <a:endParaRPr lang="en-US" altLang="zh-CN" sz="2000" dirty="0">
+              <a:latin typeface="+mn-ea"/>
+              <a:ea typeface="+mn-ea"/>
+            </a:endParaRPr>
+          </a:p>
         </p:txBody>
       </p:sp>
       <p:sp>
         <p:nvSpPr>
-          <p:cNvPr id="4" name="标题 1">
-            <a:extLst>
-              <a:ext uri="{FF2B5EF4-FFF2-40B4-BE49-F238E27FC236}">
-                <a16:creationId xmlns:a16="http://schemas.microsoft.com/office/drawing/2014/main" id="{84E1FC60-EE76-4192-8D0A-D78356225EC3}"/>
-              </a:ext>
-            </a:extLst>
-          </p:cNvPr>
+          <p:cNvPr id="4" name="标题 1"/>
           <p:cNvSpPr txBox="1">
             <a:spLocks noChangeArrowheads="1"/>
           </p:cNvSpPr>
@@ -46365,6 +45826,16 @@
               </a:rPr>
               <a:t> 数据挖掘的概述</a:t>
             </a:r>
+            <a:endParaRPr lang="zh-CN" altLang="en-US" sz="3200" b="1" dirty="0">
+              <a:effectLst>
+                <a:outerShdw blurRad="38100" dist="38100" dir="2700000" algn="tl">
+                  <a:srgbClr val="000000">
+                    <a:alpha val="43137"/>
+                  </a:srgbClr>
+                </a:outerShdw>
+              </a:effectLst>
+              <a:latin typeface="+mj-ea"/>
+            </a:endParaRPr>
           </a:p>
         </p:txBody>
       </p:sp>
@@ -46377,6 +45848,12 @@
     <p:push/>
   </p:transition>
 </p:sld>
+</file>
+
+<file path=ppt/tags/tag1.xml><?xml version="1.0" encoding="utf-8"?>
+<p:tagLst xmlns:p="http://schemas.openxmlformats.org/presentationml/2006/main">
+  <p:tag name="commondata" val="eyJoZGlkIjoiY2JjMzIzZWU1Y2NiOTY3M2UyMTYzNGY2MzBlNWVlZGEifQ=="/>
+</p:tagLst>
 </file>
 
 <file path=ppt/theme/theme1.xml><?xml version="1.0" encoding="utf-8"?>
@@ -46570,7 +46047,6 @@
       </a:bgFillStyleLst>
     </a:fmtScheme>
   </a:themeElements>
-  <a:objectDefaults/>
   <a:extraClrSchemeLst>
     <a:extraClrScheme>
       <a:clrScheme name="Pixel 1">
@@ -47116,7 +46592,7 @@
     </a:clrScheme>
     <a:fontScheme name="Office 主题">
       <a:majorFont>
-        <a:latin typeface="Calibri Light" panose="020F0302020204030204"/>
+        <a:latin typeface="Calibri Light"/>
         <a:ea typeface=""/>
         <a:cs typeface=""/>
         <a:font script="Jpan" typeface="ＭＳ Ｐゴシック"/>
@@ -47151,7 +46627,7 @@
         <a:font script="Geor" typeface="Sylfaen"/>
       </a:majorFont>
       <a:minorFont>
-        <a:latin typeface="Calibri" panose="020F0502020204030204"/>
+        <a:latin typeface="Calibri"/>
         <a:ea typeface=""/>
         <a:cs typeface=""/>
         <a:font script="Jpan" typeface="ＭＳ Ｐゴシック"/>
@@ -47324,8 +46800,6 @@
       </a:bgFillStyleLst>
     </a:fmtScheme>
   </a:themeElements>
-  <a:objectDefaults/>
-  <a:extraClrSchemeLst/>
   <a:extLst>
     <a:ext uri="{05A4C25C-085E-4340-85A3-A5531E510DB2}">
       <thm15:themeFamily xmlns:thm15="http://schemas.microsoft.com/office/thememl/2012/main" name="Office Theme" id="{62F939B6-93AF-4DB8-9C6B-D6C7DFDC589F}" vid="{4A3C46E8-61CC-4603-A589-7422A47A8E4A}"/>
@@ -47612,7 +47086,10 @@
       </a:bgFillStyleLst>
     </a:fmtScheme>
   </a:themeElements>
-  <a:objectDefaults/>
-  <a:extraClrSchemeLst/>
+  <a:extLst>
+    <a:ext uri="{05A4C25C-085E-4340-85A3-A5531E510DB2}">
+      <thm15:themeFamily xmlns:thm15="http://schemas.microsoft.com/office/thememl/2012/main" name="Office Theme" id="{62F939B6-93AF-4DB8-9C6B-D6C7DFDC589F}" vid="{4A3C46E8-61CC-4603-A589-7422A47A8E4A}"/>
+    </a:ext>
+  </a:extLst>
 </a:theme>
 </file>